--- a/images/bruteforce-figure.pptx
+++ b/images/bruteforce-figure.pptx
@@ -2,18 +2,18 @@
 <file path=ppt/presentation.xml><?xml version="1.0" encoding="utf-8"?>
 <p:presentation xmlns:a="http://schemas.openxmlformats.org/drawingml/2006/main" xmlns:r="http://schemas.openxmlformats.org/officeDocument/2006/relationships" xmlns:p="http://schemas.openxmlformats.org/presentationml/2006/main" saveSubsetFonts="1">
   <p:sldMasterIdLst>
-    <p:sldMasterId id="2147483648" r:id="rId1"/>
+    <p:sldMasterId id="2147483660" r:id="rId1"/>
   </p:sldMasterIdLst>
   <p:sldIdLst>
     <p:sldId id="256" r:id="rId2"/>
   </p:sldIdLst>
-  <p:sldSz cx="12192000" cy="6858000"/>
+  <p:sldSz cx="10080625" cy="5400675"/>
   <p:notesSz cx="6858000" cy="9144000"/>
   <p:defaultTextStyle>
     <a:defPPr>
-      <a:defRPr lang="LID4096"/>
+      <a:defRPr lang="en-US"/>
     </a:defPPr>
-    <a:lvl1pPr marL="0" algn="l" defTabSz="914400" rtl="0" eaLnBrk="1" latinLnBrk="0" hangingPunct="1">
+    <a:lvl1pPr marL="0" algn="l" defTabSz="457200" rtl="0" eaLnBrk="1" latinLnBrk="0" hangingPunct="1">
       <a:defRPr sz="1800" kern="1200">
         <a:solidFill>
           <a:schemeClr val="tx1"/>
@@ -23,7 +23,7 @@
         <a:cs typeface="+mn-cs"/>
       </a:defRPr>
     </a:lvl1pPr>
-    <a:lvl2pPr marL="457200" algn="l" defTabSz="914400" rtl="0" eaLnBrk="1" latinLnBrk="0" hangingPunct="1">
+    <a:lvl2pPr marL="457200" algn="l" defTabSz="457200" rtl="0" eaLnBrk="1" latinLnBrk="0" hangingPunct="1">
       <a:defRPr sz="1800" kern="1200">
         <a:solidFill>
           <a:schemeClr val="tx1"/>
@@ -33,7 +33,7 @@
         <a:cs typeface="+mn-cs"/>
       </a:defRPr>
     </a:lvl2pPr>
-    <a:lvl3pPr marL="914400" algn="l" defTabSz="914400" rtl="0" eaLnBrk="1" latinLnBrk="0" hangingPunct="1">
+    <a:lvl3pPr marL="914400" algn="l" defTabSz="457200" rtl="0" eaLnBrk="1" latinLnBrk="0" hangingPunct="1">
       <a:defRPr sz="1800" kern="1200">
         <a:solidFill>
           <a:schemeClr val="tx1"/>
@@ -43,7 +43,7 @@
         <a:cs typeface="+mn-cs"/>
       </a:defRPr>
     </a:lvl3pPr>
-    <a:lvl4pPr marL="1371600" algn="l" defTabSz="914400" rtl="0" eaLnBrk="1" latinLnBrk="0" hangingPunct="1">
+    <a:lvl4pPr marL="1371600" algn="l" defTabSz="457200" rtl="0" eaLnBrk="1" latinLnBrk="0" hangingPunct="1">
       <a:defRPr sz="1800" kern="1200">
         <a:solidFill>
           <a:schemeClr val="tx1"/>
@@ -53,7 +53,7 @@
         <a:cs typeface="+mn-cs"/>
       </a:defRPr>
     </a:lvl4pPr>
-    <a:lvl5pPr marL="1828800" algn="l" defTabSz="914400" rtl="0" eaLnBrk="1" latinLnBrk="0" hangingPunct="1">
+    <a:lvl5pPr marL="1828800" algn="l" defTabSz="457200" rtl="0" eaLnBrk="1" latinLnBrk="0" hangingPunct="1">
       <a:defRPr sz="1800" kern="1200">
         <a:solidFill>
           <a:schemeClr val="tx1"/>
@@ -63,7 +63,7 @@
         <a:cs typeface="+mn-cs"/>
       </a:defRPr>
     </a:lvl5pPr>
-    <a:lvl6pPr marL="2286000" algn="l" defTabSz="914400" rtl="0" eaLnBrk="1" latinLnBrk="0" hangingPunct="1">
+    <a:lvl6pPr marL="2286000" algn="l" defTabSz="457200" rtl="0" eaLnBrk="1" latinLnBrk="0" hangingPunct="1">
       <a:defRPr sz="1800" kern="1200">
         <a:solidFill>
           <a:schemeClr val="tx1"/>
@@ -73,7 +73,7 @@
         <a:cs typeface="+mn-cs"/>
       </a:defRPr>
     </a:lvl6pPr>
-    <a:lvl7pPr marL="2743200" algn="l" defTabSz="914400" rtl="0" eaLnBrk="1" latinLnBrk="0" hangingPunct="1">
+    <a:lvl7pPr marL="2743200" algn="l" defTabSz="457200" rtl="0" eaLnBrk="1" latinLnBrk="0" hangingPunct="1">
       <a:defRPr sz="1800" kern="1200">
         <a:solidFill>
           <a:schemeClr val="tx1"/>
@@ -83,7 +83,7 @@
         <a:cs typeface="+mn-cs"/>
       </a:defRPr>
     </a:lvl7pPr>
-    <a:lvl8pPr marL="3200400" algn="l" defTabSz="914400" rtl="0" eaLnBrk="1" latinLnBrk="0" hangingPunct="1">
+    <a:lvl8pPr marL="3200400" algn="l" defTabSz="457200" rtl="0" eaLnBrk="1" latinLnBrk="0" hangingPunct="1">
       <a:defRPr sz="1800" kern="1200">
         <a:solidFill>
           <a:schemeClr val="tx1"/>
@@ -93,7 +93,7 @@
         <a:cs typeface="+mn-cs"/>
       </a:defRPr>
     </a:lvl8pPr>
-    <a:lvl9pPr marL="3657600" algn="l" defTabSz="914400" rtl="0" eaLnBrk="1" latinLnBrk="0" hangingPunct="1">
+    <a:lvl9pPr marL="3657600" algn="l" defTabSz="457200" rtl="0" eaLnBrk="1" latinLnBrk="0" hangingPunct="1">
       <a:defRPr sz="1800" kern="1200">
         <a:solidFill>
           <a:schemeClr val="tx1"/>
@@ -104,12 +104,17 @@
       </a:defRPr>
     </a:lvl9pPr>
   </p:defaultTextStyle>
+  <p:extLst>
+    <p:ext uri="{EFAFB233-063F-42B5-8137-9DF3F51BA10A}">
+      <p15:sldGuideLst xmlns:p15="http://schemas.microsoft.com/office/powerpoint/2012/main"/>
+    </p:ext>
+  </p:extLst>
 </p:presentation>
 </file>
 
 <file path=ppt/slideLayouts/slideLayout1.xml><?xml version="1.0" encoding="utf-8"?>
 <p:sldLayout xmlns:a="http://schemas.openxmlformats.org/drawingml/2006/main" xmlns:r="http://schemas.openxmlformats.org/officeDocument/2006/relationships" xmlns:p="http://schemas.openxmlformats.org/presentationml/2006/main" type="title" preserve="1">
-  <p:cSld name="Title Slide">
+  <p:cSld name="Titelslide">
     <p:spTree>
       <p:nvGrpSpPr>
         <p:cNvPr id="1" name=""/>
@@ -126,13 +131,7 @@
       </p:grpSpPr>
       <p:sp>
         <p:nvSpPr>
-          <p:cNvPr id="2" name="Title 1">
-            <a:extLst>
-              <a:ext uri="{FF2B5EF4-FFF2-40B4-BE49-F238E27FC236}">
-                <a16:creationId xmlns:a16="http://schemas.microsoft.com/office/drawing/2014/main" id="{D6363E8E-C20B-4520-9831-A0CF401CD73F}"/>
-              </a:ext>
-            </a:extLst>
-          </p:cNvPr>
+          <p:cNvPr id="2" name="Title 1"/>
           <p:cNvSpPr>
             <a:spLocks noGrp="1"/>
           </p:cNvSpPr>
@@ -142,35 +141,29 @@
         </p:nvSpPr>
         <p:spPr>
           <a:xfrm>
-            <a:off x="1524000" y="1122363"/>
-            <a:ext cx="9144000" cy="2387600"/>
+            <a:off x="1260078" y="883861"/>
+            <a:ext cx="7560469" cy="1880235"/>
           </a:xfrm>
         </p:spPr>
         <p:txBody>
           <a:bodyPr anchor="b"/>
           <a:lstStyle>
             <a:lvl1pPr algn="ctr">
-              <a:defRPr sz="6000"/>
+              <a:defRPr sz="4725"/>
             </a:lvl1pPr>
           </a:lstStyle>
           <a:p>
             <a:r>
-              <a:rPr lang="en-US"/>
-              <a:t>Click to edit Master title style</a:t>
-            </a:r>
-            <a:endParaRPr lang="en-GB"/>
-          </a:p>
-        </p:txBody>
-      </p:sp>
-      <p:sp>
-        <p:nvSpPr>
-          <p:cNvPr id="3" name="Subtitle 2">
-            <a:extLst>
-              <a:ext uri="{FF2B5EF4-FFF2-40B4-BE49-F238E27FC236}">
-                <a16:creationId xmlns:a16="http://schemas.microsoft.com/office/drawing/2014/main" id="{F4DFDE63-CAA2-49AD-9DA8-93926AD4507D}"/>
-              </a:ext>
-            </a:extLst>
-          </p:cNvPr>
+              <a:rPr lang="da-DK"/>
+              <a:t>Klik for at redigere titeltypografien i masteren</a:t>
+            </a:r>
+            <a:endParaRPr lang="en-US" dirty="0"/>
+          </a:p>
+        </p:txBody>
+      </p:sp>
+      <p:sp>
+        <p:nvSpPr>
+          <p:cNvPr id="3" name="Subtitle 2"/>
           <p:cNvSpPr>
             <a:spLocks noGrp="1"/>
           </p:cNvSpPr>
@@ -180,8 +173,8 @@
         </p:nvSpPr>
         <p:spPr>
           <a:xfrm>
-            <a:off x="1524000" y="3602038"/>
-            <a:ext cx="9144000" cy="1655762"/>
+            <a:off x="1260078" y="2836605"/>
+            <a:ext cx="7560469" cy="1303913"/>
           </a:xfrm>
         </p:spPr>
         <p:txBody>
@@ -189,59 +182,53 @@
           <a:lstStyle>
             <a:lvl1pPr marL="0" indent="0" algn="ctr">
               <a:buNone/>
-              <a:defRPr sz="2400"/>
+              <a:defRPr sz="1890"/>
             </a:lvl1pPr>
-            <a:lvl2pPr marL="457200" indent="0" algn="ctr">
-              <a:buNone/>
-              <a:defRPr sz="2000"/>
+            <a:lvl2pPr marL="360045" indent="0" algn="ctr">
+              <a:buNone/>
+              <a:defRPr sz="1575"/>
             </a:lvl2pPr>
-            <a:lvl3pPr marL="914400" indent="0" algn="ctr">
-              <a:buNone/>
-              <a:defRPr sz="1800"/>
+            <a:lvl3pPr marL="720090" indent="0" algn="ctr">
+              <a:buNone/>
+              <a:defRPr sz="1418"/>
             </a:lvl3pPr>
-            <a:lvl4pPr marL="1371600" indent="0" algn="ctr">
-              <a:buNone/>
-              <a:defRPr sz="1600"/>
+            <a:lvl4pPr marL="1080135" indent="0" algn="ctr">
+              <a:buNone/>
+              <a:defRPr sz="1260"/>
             </a:lvl4pPr>
-            <a:lvl5pPr marL="1828800" indent="0" algn="ctr">
-              <a:buNone/>
-              <a:defRPr sz="1600"/>
+            <a:lvl5pPr marL="1440180" indent="0" algn="ctr">
+              <a:buNone/>
+              <a:defRPr sz="1260"/>
             </a:lvl5pPr>
-            <a:lvl6pPr marL="2286000" indent="0" algn="ctr">
-              <a:buNone/>
-              <a:defRPr sz="1600"/>
+            <a:lvl6pPr marL="1800225" indent="0" algn="ctr">
+              <a:buNone/>
+              <a:defRPr sz="1260"/>
             </a:lvl6pPr>
-            <a:lvl7pPr marL="2743200" indent="0" algn="ctr">
-              <a:buNone/>
-              <a:defRPr sz="1600"/>
+            <a:lvl7pPr marL="2160270" indent="0" algn="ctr">
+              <a:buNone/>
+              <a:defRPr sz="1260"/>
             </a:lvl7pPr>
-            <a:lvl8pPr marL="3200400" indent="0" algn="ctr">
-              <a:buNone/>
-              <a:defRPr sz="1600"/>
+            <a:lvl8pPr marL="2520315" indent="0" algn="ctr">
+              <a:buNone/>
+              <a:defRPr sz="1260"/>
             </a:lvl8pPr>
-            <a:lvl9pPr marL="3657600" indent="0" algn="ctr">
-              <a:buNone/>
-              <a:defRPr sz="1600"/>
+            <a:lvl9pPr marL="2880360" indent="0" algn="ctr">
+              <a:buNone/>
+              <a:defRPr sz="1260"/>
             </a:lvl9pPr>
           </a:lstStyle>
           <a:p>
             <a:r>
-              <a:rPr lang="en-US"/>
-              <a:t>Click to edit Master subtitle style</a:t>
-            </a:r>
-            <a:endParaRPr lang="en-GB"/>
-          </a:p>
-        </p:txBody>
-      </p:sp>
-      <p:sp>
-        <p:nvSpPr>
-          <p:cNvPr id="4" name="Date Placeholder 3">
-            <a:extLst>
-              <a:ext uri="{FF2B5EF4-FFF2-40B4-BE49-F238E27FC236}">
-                <a16:creationId xmlns:a16="http://schemas.microsoft.com/office/drawing/2014/main" id="{4E7CC49B-6D70-4FF6-82BB-769E8D39A687}"/>
-              </a:ext>
-            </a:extLst>
-          </p:cNvPr>
+              <a:rPr lang="da-DK"/>
+              <a:t>Klik for at redigere undertiteltypografien i masteren</a:t>
+            </a:r>
+            <a:endParaRPr lang="en-US" dirty="0"/>
+          </a:p>
+        </p:txBody>
+      </p:sp>
+      <p:sp>
+        <p:nvSpPr>
+          <p:cNvPr id="4" name="Date Placeholder 3"/>
           <p:cNvSpPr>
             <a:spLocks noGrp="1"/>
           </p:cNvSpPr>
@@ -264,13 +251,7 @@
       </p:sp>
       <p:sp>
         <p:nvSpPr>
-          <p:cNvPr id="5" name="Footer Placeholder 4">
-            <a:extLst>
-              <a:ext uri="{FF2B5EF4-FFF2-40B4-BE49-F238E27FC236}">
-                <a16:creationId xmlns:a16="http://schemas.microsoft.com/office/drawing/2014/main" id="{C95F12E4-370A-4F3B-AD38-2D2CD196A3FC}"/>
-              </a:ext>
-            </a:extLst>
-          </p:cNvPr>
+          <p:cNvPr id="5" name="Footer Placeholder 4"/>
           <p:cNvSpPr>
             <a:spLocks noGrp="1"/>
           </p:cNvSpPr>
@@ -289,13 +270,7 @@
       </p:sp>
       <p:sp>
         <p:nvSpPr>
-          <p:cNvPr id="6" name="Slide Number Placeholder 5">
-            <a:extLst>
-              <a:ext uri="{FF2B5EF4-FFF2-40B4-BE49-F238E27FC236}">
-                <a16:creationId xmlns:a16="http://schemas.microsoft.com/office/drawing/2014/main" id="{5CDE0FA0-42AE-4E2F-AD56-C2E19633C1B8}"/>
-              </a:ext>
-            </a:extLst>
-          </p:cNvPr>
+          <p:cNvPr id="6" name="Slide Number Placeholder 5"/>
           <p:cNvSpPr>
             <a:spLocks noGrp="1"/>
           </p:cNvSpPr>
@@ -319,7 +294,7 @@
     </p:spTree>
     <p:extLst>
       <p:ext uri="{BB962C8B-B14F-4D97-AF65-F5344CB8AC3E}">
-        <p14:creationId xmlns:p14="http://schemas.microsoft.com/office/powerpoint/2010/main" val="2260155742"/>
+        <p14:creationId xmlns:p14="http://schemas.microsoft.com/office/powerpoint/2010/main" val="3959080882"/>
       </p:ext>
     </p:extLst>
   </p:cSld>
@@ -331,7 +306,7 @@
 
 <file path=ppt/slideLayouts/slideLayout10.xml><?xml version="1.0" encoding="utf-8"?>
 <p:sldLayout xmlns:a="http://schemas.openxmlformats.org/drawingml/2006/main" xmlns:r="http://schemas.openxmlformats.org/officeDocument/2006/relationships" xmlns:p="http://schemas.openxmlformats.org/presentationml/2006/main" type="vertTx" preserve="1">
-  <p:cSld name="Title and Vertical Text">
+  <p:cSld name="Titel og lodret tekst">
     <p:spTree>
       <p:nvGrpSpPr>
         <p:cNvPr id="1" name=""/>
@@ -348,13 +323,7 @@
       </p:grpSpPr>
       <p:sp>
         <p:nvSpPr>
-          <p:cNvPr id="2" name="Title 1">
-            <a:extLst>
-              <a:ext uri="{FF2B5EF4-FFF2-40B4-BE49-F238E27FC236}">
-                <a16:creationId xmlns:a16="http://schemas.microsoft.com/office/drawing/2014/main" id="{7B99CE23-58F3-456A-8B3F-9548E7F0627B}"/>
-              </a:ext>
-            </a:extLst>
-          </p:cNvPr>
+          <p:cNvPr id="2" name="Title 1"/>
           <p:cNvSpPr>
             <a:spLocks noGrp="1"/>
           </p:cNvSpPr>
@@ -368,22 +337,16 @@
           <a:lstStyle/>
           <a:p>
             <a:r>
-              <a:rPr lang="en-US"/>
-              <a:t>Click to edit Master title style</a:t>
-            </a:r>
-            <a:endParaRPr lang="en-GB"/>
-          </a:p>
-        </p:txBody>
-      </p:sp>
-      <p:sp>
-        <p:nvSpPr>
-          <p:cNvPr id="3" name="Vertical Text Placeholder 2">
-            <a:extLst>
-              <a:ext uri="{FF2B5EF4-FFF2-40B4-BE49-F238E27FC236}">
-                <a16:creationId xmlns:a16="http://schemas.microsoft.com/office/drawing/2014/main" id="{F54D42CC-9C0E-47B3-B8D6-85AB7183B7FD}"/>
-              </a:ext>
-            </a:extLst>
-          </p:cNvPr>
+              <a:rPr lang="da-DK"/>
+              <a:t>Klik for at redigere titeltypografien i masteren</a:t>
+            </a:r>
+            <a:endParaRPr lang="en-US" dirty="0"/>
+          </a:p>
+        </p:txBody>
+      </p:sp>
+      <p:sp>
+        <p:nvSpPr>
+          <p:cNvPr id="3" name="Vertical Text Placeholder 2"/>
           <p:cNvSpPr>
             <a:spLocks noGrp="1"/>
           </p:cNvSpPr>
@@ -398,50 +361,44 @@
           <a:p>
             <a:pPr lvl="0"/>
             <a:r>
-              <a:rPr lang="en-US"/>
-              <a:t>Click to edit Master text styles</a:t>
+              <a:rPr lang="da-DK"/>
+              <a:t>Klik for at redigere teksttypografierne i masteren</a:t>
             </a:r>
           </a:p>
           <a:p>
             <a:pPr lvl="1"/>
             <a:r>
-              <a:rPr lang="en-US"/>
-              <a:t>Second level</a:t>
+              <a:rPr lang="da-DK"/>
+              <a:t>Andet niveau</a:t>
             </a:r>
           </a:p>
           <a:p>
             <a:pPr lvl="2"/>
             <a:r>
-              <a:rPr lang="en-US"/>
-              <a:t>Third level</a:t>
+              <a:rPr lang="da-DK"/>
+              <a:t>Tredje niveau</a:t>
             </a:r>
           </a:p>
           <a:p>
             <a:pPr lvl="3"/>
             <a:r>
-              <a:rPr lang="en-US"/>
-              <a:t>Fourth level</a:t>
+              <a:rPr lang="da-DK"/>
+              <a:t>Fjerde niveau</a:t>
             </a:r>
           </a:p>
           <a:p>
             <a:pPr lvl="4"/>
             <a:r>
-              <a:rPr lang="en-US"/>
-              <a:t>Fifth level</a:t>
-            </a:r>
-            <a:endParaRPr lang="en-GB"/>
-          </a:p>
-        </p:txBody>
-      </p:sp>
-      <p:sp>
-        <p:nvSpPr>
-          <p:cNvPr id="4" name="Date Placeholder 3">
-            <a:extLst>
-              <a:ext uri="{FF2B5EF4-FFF2-40B4-BE49-F238E27FC236}">
-                <a16:creationId xmlns:a16="http://schemas.microsoft.com/office/drawing/2014/main" id="{B965ECC9-B559-4590-A417-860ED6B0A96F}"/>
-              </a:ext>
-            </a:extLst>
-          </p:cNvPr>
+              <a:rPr lang="da-DK"/>
+              <a:t>Femte niveau</a:t>
+            </a:r>
+            <a:endParaRPr lang="en-US" dirty="0"/>
+          </a:p>
+        </p:txBody>
+      </p:sp>
+      <p:sp>
+        <p:nvSpPr>
+          <p:cNvPr id="4" name="Date Placeholder 3"/>
           <p:cNvSpPr>
             <a:spLocks noGrp="1"/>
           </p:cNvSpPr>
@@ -464,13 +421,7 @@
       </p:sp>
       <p:sp>
         <p:nvSpPr>
-          <p:cNvPr id="5" name="Footer Placeholder 4">
-            <a:extLst>
-              <a:ext uri="{FF2B5EF4-FFF2-40B4-BE49-F238E27FC236}">
-                <a16:creationId xmlns:a16="http://schemas.microsoft.com/office/drawing/2014/main" id="{FD0B2E41-B4B6-4010-9FC3-4D77CAE3D2E3}"/>
-              </a:ext>
-            </a:extLst>
-          </p:cNvPr>
+          <p:cNvPr id="5" name="Footer Placeholder 4"/>
           <p:cNvSpPr>
             <a:spLocks noGrp="1"/>
           </p:cNvSpPr>
@@ -489,13 +440,7 @@
       </p:sp>
       <p:sp>
         <p:nvSpPr>
-          <p:cNvPr id="6" name="Slide Number Placeholder 5">
-            <a:extLst>
-              <a:ext uri="{FF2B5EF4-FFF2-40B4-BE49-F238E27FC236}">
-                <a16:creationId xmlns:a16="http://schemas.microsoft.com/office/drawing/2014/main" id="{C4E6C5B1-4DF5-45D2-B79E-4E556572F6CD}"/>
-              </a:ext>
-            </a:extLst>
-          </p:cNvPr>
+          <p:cNvPr id="6" name="Slide Number Placeholder 5"/>
           <p:cNvSpPr>
             <a:spLocks noGrp="1"/>
           </p:cNvSpPr>
@@ -519,7 +464,7 @@
     </p:spTree>
     <p:extLst>
       <p:ext uri="{BB962C8B-B14F-4D97-AF65-F5344CB8AC3E}">
-        <p14:creationId xmlns:p14="http://schemas.microsoft.com/office/powerpoint/2010/main" val="2326838842"/>
+        <p14:creationId xmlns:p14="http://schemas.microsoft.com/office/powerpoint/2010/main" val="3231185450"/>
       </p:ext>
     </p:extLst>
   </p:cSld>
@@ -531,7 +476,7 @@
 
 <file path=ppt/slideLayouts/slideLayout11.xml><?xml version="1.0" encoding="utf-8"?>
 <p:sldLayout xmlns:a="http://schemas.openxmlformats.org/drawingml/2006/main" xmlns:r="http://schemas.openxmlformats.org/officeDocument/2006/relationships" xmlns:p="http://schemas.openxmlformats.org/presentationml/2006/main" type="vertTitleAndTx" preserve="1">
-  <p:cSld name="Vertical Title and Text">
+  <p:cSld name="Lodret titel og tekst">
     <p:spTree>
       <p:nvGrpSpPr>
         <p:cNvPr id="1" name=""/>
@@ -548,13 +493,7 @@
       </p:grpSpPr>
       <p:sp>
         <p:nvSpPr>
-          <p:cNvPr id="2" name="Vertical Title 1">
-            <a:extLst>
-              <a:ext uri="{FF2B5EF4-FFF2-40B4-BE49-F238E27FC236}">
-                <a16:creationId xmlns:a16="http://schemas.microsoft.com/office/drawing/2014/main" id="{23D28726-1B68-4A98-BB1B-B54BC9E30CA8}"/>
-              </a:ext>
-            </a:extLst>
-          </p:cNvPr>
+          <p:cNvPr id="2" name="Vertical Title 1"/>
           <p:cNvSpPr>
             <a:spLocks noGrp="1"/>
           </p:cNvSpPr>
@@ -564,8 +503,8 @@
         </p:nvSpPr>
         <p:spPr>
           <a:xfrm>
-            <a:off x="8724900" y="365125"/>
-            <a:ext cx="2628900" cy="5811838"/>
+            <a:off x="7213947" y="287536"/>
+            <a:ext cx="2173635" cy="4576822"/>
           </a:xfrm>
         </p:spPr>
         <p:txBody>
@@ -573,22 +512,16 @@
           <a:lstStyle/>
           <a:p>
             <a:r>
-              <a:rPr lang="en-US"/>
-              <a:t>Click to edit Master title style</a:t>
-            </a:r>
-            <a:endParaRPr lang="en-GB"/>
-          </a:p>
-        </p:txBody>
-      </p:sp>
-      <p:sp>
-        <p:nvSpPr>
-          <p:cNvPr id="3" name="Vertical Text Placeholder 2">
-            <a:extLst>
-              <a:ext uri="{FF2B5EF4-FFF2-40B4-BE49-F238E27FC236}">
-                <a16:creationId xmlns:a16="http://schemas.microsoft.com/office/drawing/2014/main" id="{2A4727FA-2E19-4E3E-B7C5-F3BC0C98F7A4}"/>
-              </a:ext>
-            </a:extLst>
-          </p:cNvPr>
+              <a:rPr lang="da-DK"/>
+              <a:t>Klik for at redigere titeltypografien i masteren</a:t>
+            </a:r>
+            <a:endParaRPr lang="en-US" dirty="0"/>
+          </a:p>
+        </p:txBody>
+      </p:sp>
+      <p:sp>
+        <p:nvSpPr>
+          <p:cNvPr id="3" name="Vertical Text Placeholder 2"/>
           <p:cNvSpPr>
             <a:spLocks noGrp="1"/>
           </p:cNvSpPr>
@@ -598,8 +531,8 @@
         </p:nvSpPr>
         <p:spPr>
           <a:xfrm>
-            <a:off x="838200" y="365125"/>
-            <a:ext cx="7734300" cy="5811838"/>
+            <a:off x="693043" y="287536"/>
+            <a:ext cx="6394896" cy="4576822"/>
           </a:xfrm>
         </p:spPr>
         <p:txBody>
@@ -608,50 +541,44 @@
           <a:p>
             <a:pPr lvl="0"/>
             <a:r>
-              <a:rPr lang="en-US"/>
-              <a:t>Click to edit Master text styles</a:t>
+              <a:rPr lang="da-DK"/>
+              <a:t>Klik for at redigere teksttypografierne i masteren</a:t>
             </a:r>
           </a:p>
           <a:p>
             <a:pPr lvl="1"/>
             <a:r>
-              <a:rPr lang="en-US"/>
-              <a:t>Second level</a:t>
+              <a:rPr lang="da-DK"/>
+              <a:t>Andet niveau</a:t>
             </a:r>
           </a:p>
           <a:p>
             <a:pPr lvl="2"/>
             <a:r>
-              <a:rPr lang="en-US"/>
-              <a:t>Third level</a:t>
+              <a:rPr lang="da-DK"/>
+              <a:t>Tredje niveau</a:t>
             </a:r>
           </a:p>
           <a:p>
             <a:pPr lvl="3"/>
             <a:r>
-              <a:rPr lang="en-US"/>
-              <a:t>Fourth level</a:t>
+              <a:rPr lang="da-DK"/>
+              <a:t>Fjerde niveau</a:t>
             </a:r>
           </a:p>
           <a:p>
             <a:pPr lvl="4"/>
             <a:r>
-              <a:rPr lang="en-US"/>
-              <a:t>Fifth level</a:t>
-            </a:r>
-            <a:endParaRPr lang="en-GB"/>
-          </a:p>
-        </p:txBody>
-      </p:sp>
-      <p:sp>
-        <p:nvSpPr>
-          <p:cNvPr id="4" name="Date Placeholder 3">
-            <a:extLst>
-              <a:ext uri="{FF2B5EF4-FFF2-40B4-BE49-F238E27FC236}">
-                <a16:creationId xmlns:a16="http://schemas.microsoft.com/office/drawing/2014/main" id="{F84CAF15-17ED-444A-BD2B-B252BBC9BB0E}"/>
-              </a:ext>
-            </a:extLst>
-          </p:cNvPr>
+              <a:rPr lang="da-DK"/>
+              <a:t>Femte niveau</a:t>
+            </a:r>
+            <a:endParaRPr lang="en-US" dirty="0"/>
+          </a:p>
+        </p:txBody>
+      </p:sp>
+      <p:sp>
+        <p:nvSpPr>
+          <p:cNvPr id="4" name="Date Placeholder 3"/>
           <p:cNvSpPr>
             <a:spLocks noGrp="1"/>
           </p:cNvSpPr>
@@ -674,13 +601,7 @@
       </p:sp>
       <p:sp>
         <p:nvSpPr>
-          <p:cNvPr id="5" name="Footer Placeholder 4">
-            <a:extLst>
-              <a:ext uri="{FF2B5EF4-FFF2-40B4-BE49-F238E27FC236}">
-                <a16:creationId xmlns:a16="http://schemas.microsoft.com/office/drawing/2014/main" id="{C21D2D2E-48B3-49B9-A018-1C5DAB8474B1}"/>
-              </a:ext>
-            </a:extLst>
-          </p:cNvPr>
+          <p:cNvPr id="5" name="Footer Placeholder 4"/>
           <p:cNvSpPr>
             <a:spLocks noGrp="1"/>
           </p:cNvSpPr>
@@ -699,13 +620,7 @@
       </p:sp>
       <p:sp>
         <p:nvSpPr>
-          <p:cNvPr id="6" name="Slide Number Placeholder 5">
-            <a:extLst>
-              <a:ext uri="{FF2B5EF4-FFF2-40B4-BE49-F238E27FC236}">
-                <a16:creationId xmlns:a16="http://schemas.microsoft.com/office/drawing/2014/main" id="{1235956D-4610-4279-9273-5F00A717BE7A}"/>
-              </a:ext>
-            </a:extLst>
-          </p:cNvPr>
+          <p:cNvPr id="6" name="Slide Number Placeholder 5"/>
           <p:cNvSpPr>
             <a:spLocks noGrp="1"/>
           </p:cNvSpPr>
@@ -729,7 +644,7 @@
     </p:spTree>
     <p:extLst>
       <p:ext uri="{BB962C8B-B14F-4D97-AF65-F5344CB8AC3E}">
-        <p14:creationId xmlns:p14="http://schemas.microsoft.com/office/powerpoint/2010/main" val="1853915241"/>
+        <p14:creationId xmlns:p14="http://schemas.microsoft.com/office/powerpoint/2010/main" val="515899426"/>
       </p:ext>
     </p:extLst>
   </p:cSld>
@@ -741,7 +656,7 @@
 
 <file path=ppt/slideLayouts/slideLayout2.xml><?xml version="1.0" encoding="utf-8"?>
 <p:sldLayout xmlns:a="http://schemas.openxmlformats.org/drawingml/2006/main" xmlns:r="http://schemas.openxmlformats.org/officeDocument/2006/relationships" xmlns:p="http://schemas.openxmlformats.org/presentationml/2006/main" type="obj" preserve="1">
-  <p:cSld name="Title and Content">
+  <p:cSld name="Titel og indholdsobjekt">
     <p:spTree>
       <p:nvGrpSpPr>
         <p:cNvPr id="1" name=""/>
@@ -758,13 +673,7 @@
       </p:grpSpPr>
       <p:sp>
         <p:nvSpPr>
-          <p:cNvPr id="2" name="Title 1">
-            <a:extLst>
-              <a:ext uri="{FF2B5EF4-FFF2-40B4-BE49-F238E27FC236}">
-                <a16:creationId xmlns:a16="http://schemas.microsoft.com/office/drawing/2014/main" id="{C2716928-B46A-4637-8F6C-78F7C877B9F9}"/>
-              </a:ext>
-            </a:extLst>
-          </p:cNvPr>
+          <p:cNvPr id="2" name="Title 1"/>
           <p:cNvSpPr>
             <a:spLocks noGrp="1"/>
           </p:cNvSpPr>
@@ -778,22 +687,16 @@
           <a:lstStyle/>
           <a:p>
             <a:r>
-              <a:rPr lang="en-US"/>
-              <a:t>Click to edit Master title style</a:t>
-            </a:r>
-            <a:endParaRPr lang="en-GB"/>
-          </a:p>
-        </p:txBody>
-      </p:sp>
-      <p:sp>
-        <p:nvSpPr>
-          <p:cNvPr id="3" name="Content Placeholder 2">
-            <a:extLst>
-              <a:ext uri="{FF2B5EF4-FFF2-40B4-BE49-F238E27FC236}">
-                <a16:creationId xmlns:a16="http://schemas.microsoft.com/office/drawing/2014/main" id="{9EC99281-A8DA-4C49-8323-7A845FFBDE44}"/>
-              </a:ext>
-            </a:extLst>
-          </p:cNvPr>
+              <a:rPr lang="da-DK"/>
+              <a:t>Klik for at redigere titeltypografien i masteren</a:t>
+            </a:r>
+            <a:endParaRPr lang="en-US" dirty="0"/>
+          </a:p>
+        </p:txBody>
+      </p:sp>
+      <p:sp>
+        <p:nvSpPr>
+          <p:cNvPr id="3" name="Content Placeholder 2"/>
           <p:cNvSpPr>
             <a:spLocks noGrp="1"/>
           </p:cNvSpPr>
@@ -808,50 +711,44 @@
           <a:p>
             <a:pPr lvl="0"/>
             <a:r>
-              <a:rPr lang="en-US"/>
-              <a:t>Click to edit Master text styles</a:t>
+              <a:rPr lang="da-DK"/>
+              <a:t>Klik for at redigere teksttypografierne i masteren</a:t>
             </a:r>
           </a:p>
           <a:p>
             <a:pPr lvl="1"/>
             <a:r>
-              <a:rPr lang="en-US"/>
-              <a:t>Second level</a:t>
+              <a:rPr lang="da-DK"/>
+              <a:t>Andet niveau</a:t>
             </a:r>
           </a:p>
           <a:p>
             <a:pPr lvl="2"/>
             <a:r>
-              <a:rPr lang="en-US"/>
-              <a:t>Third level</a:t>
+              <a:rPr lang="da-DK"/>
+              <a:t>Tredje niveau</a:t>
             </a:r>
           </a:p>
           <a:p>
             <a:pPr lvl="3"/>
             <a:r>
-              <a:rPr lang="en-US"/>
-              <a:t>Fourth level</a:t>
+              <a:rPr lang="da-DK"/>
+              <a:t>Fjerde niveau</a:t>
             </a:r>
           </a:p>
           <a:p>
             <a:pPr lvl="4"/>
             <a:r>
-              <a:rPr lang="en-US"/>
-              <a:t>Fifth level</a:t>
-            </a:r>
-            <a:endParaRPr lang="en-GB"/>
-          </a:p>
-        </p:txBody>
-      </p:sp>
-      <p:sp>
-        <p:nvSpPr>
-          <p:cNvPr id="4" name="Date Placeholder 3">
-            <a:extLst>
-              <a:ext uri="{FF2B5EF4-FFF2-40B4-BE49-F238E27FC236}">
-                <a16:creationId xmlns:a16="http://schemas.microsoft.com/office/drawing/2014/main" id="{3CA03C94-B737-42DD-8D86-4F90BEF91F3C}"/>
-              </a:ext>
-            </a:extLst>
-          </p:cNvPr>
+              <a:rPr lang="da-DK"/>
+              <a:t>Femte niveau</a:t>
+            </a:r>
+            <a:endParaRPr lang="en-US" dirty="0"/>
+          </a:p>
+        </p:txBody>
+      </p:sp>
+      <p:sp>
+        <p:nvSpPr>
+          <p:cNvPr id="4" name="Date Placeholder 3"/>
           <p:cNvSpPr>
             <a:spLocks noGrp="1"/>
           </p:cNvSpPr>
@@ -874,13 +771,7 @@
       </p:sp>
       <p:sp>
         <p:nvSpPr>
-          <p:cNvPr id="5" name="Footer Placeholder 4">
-            <a:extLst>
-              <a:ext uri="{FF2B5EF4-FFF2-40B4-BE49-F238E27FC236}">
-                <a16:creationId xmlns:a16="http://schemas.microsoft.com/office/drawing/2014/main" id="{83A7D7B2-678A-4621-9039-4B15AA5DF51B}"/>
-              </a:ext>
-            </a:extLst>
-          </p:cNvPr>
+          <p:cNvPr id="5" name="Footer Placeholder 4"/>
           <p:cNvSpPr>
             <a:spLocks noGrp="1"/>
           </p:cNvSpPr>
@@ -899,13 +790,7 @@
       </p:sp>
       <p:sp>
         <p:nvSpPr>
-          <p:cNvPr id="6" name="Slide Number Placeholder 5">
-            <a:extLst>
-              <a:ext uri="{FF2B5EF4-FFF2-40B4-BE49-F238E27FC236}">
-                <a16:creationId xmlns:a16="http://schemas.microsoft.com/office/drawing/2014/main" id="{4D560960-BB9A-4631-BAE3-2FDA2B9D1CF4}"/>
-              </a:ext>
-            </a:extLst>
-          </p:cNvPr>
+          <p:cNvPr id="6" name="Slide Number Placeholder 5"/>
           <p:cNvSpPr>
             <a:spLocks noGrp="1"/>
           </p:cNvSpPr>
@@ -929,7 +814,7 @@
     </p:spTree>
     <p:extLst>
       <p:ext uri="{BB962C8B-B14F-4D97-AF65-F5344CB8AC3E}">
-        <p14:creationId xmlns:p14="http://schemas.microsoft.com/office/powerpoint/2010/main" val="3279522843"/>
+        <p14:creationId xmlns:p14="http://schemas.microsoft.com/office/powerpoint/2010/main" val="3738604009"/>
       </p:ext>
     </p:extLst>
   </p:cSld>
@@ -941,7 +826,7 @@
 
 <file path=ppt/slideLayouts/slideLayout3.xml><?xml version="1.0" encoding="utf-8"?>
 <p:sldLayout xmlns:a="http://schemas.openxmlformats.org/drawingml/2006/main" xmlns:r="http://schemas.openxmlformats.org/officeDocument/2006/relationships" xmlns:p="http://schemas.openxmlformats.org/presentationml/2006/main" type="secHead" preserve="1">
-  <p:cSld name="Section Header">
+  <p:cSld name="Afsnitsoverskrift">
     <p:spTree>
       <p:nvGrpSpPr>
         <p:cNvPr id="1" name=""/>
@@ -958,13 +843,7 @@
       </p:grpSpPr>
       <p:sp>
         <p:nvSpPr>
-          <p:cNvPr id="2" name="Title 1">
-            <a:extLst>
-              <a:ext uri="{FF2B5EF4-FFF2-40B4-BE49-F238E27FC236}">
-                <a16:creationId xmlns:a16="http://schemas.microsoft.com/office/drawing/2014/main" id="{F0E8364E-AFFE-455B-B9F7-2C2BF4EE851D}"/>
-              </a:ext>
-            </a:extLst>
-          </p:cNvPr>
+          <p:cNvPr id="2" name="Title 1"/>
           <p:cNvSpPr>
             <a:spLocks noGrp="1"/>
           </p:cNvSpPr>
@@ -974,35 +853,29 @@
         </p:nvSpPr>
         <p:spPr>
           <a:xfrm>
-            <a:off x="831850" y="1709738"/>
-            <a:ext cx="10515600" cy="2852737"/>
+            <a:off x="687793" y="1346419"/>
+            <a:ext cx="8694539" cy="2246530"/>
           </a:xfrm>
         </p:spPr>
         <p:txBody>
           <a:bodyPr anchor="b"/>
           <a:lstStyle>
             <a:lvl1pPr>
-              <a:defRPr sz="6000"/>
+              <a:defRPr sz="4725"/>
             </a:lvl1pPr>
           </a:lstStyle>
           <a:p>
             <a:r>
-              <a:rPr lang="en-US"/>
-              <a:t>Click to edit Master title style</a:t>
-            </a:r>
-            <a:endParaRPr lang="en-GB"/>
-          </a:p>
-        </p:txBody>
-      </p:sp>
-      <p:sp>
-        <p:nvSpPr>
-          <p:cNvPr id="3" name="Text Placeholder 2">
-            <a:extLst>
-              <a:ext uri="{FF2B5EF4-FFF2-40B4-BE49-F238E27FC236}">
-                <a16:creationId xmlns:a16="http://schemas.microsoft.com/office/drawing/2014/main" id="{796B2EF0-7E7B-466E-BEAF-0B1963B7AB7E}"/>
-              </a:ext>
-            </a:extLst>
-          </p:cNvPr>
+              <a:rPr lang="da-DK"/>
+              <a:t>Klik for at redigere titeltypografien i masteren</a:t>
+            </a:r>
+            <a:endParaRPr lang="en-US" dirty="0"/>
+          </a:p>
+        </p:txBody>
+      </p:sp>
+      <p:sp>
+        <p:nvSpPr>
+          <p:cNvPr id="3" name="Text Placeholder 2"/>
           <p:cNvSpPr>
             <a:spLocks noGrp="1"/>
           </p:cNvSpPr>
@@ -1012,8 +885,8 @@
         </p:nvSpPr>
         <p:spPr>
           <a:xfrm>
-            <a:off x="831850" y="4589463"/>
-            <a:ext cx="10515600" cy="1500187"/>
+            <a:off x="687793" y="3614203"/>
+            <a:ext cx="8694539" cy="1181397"/>
           </a:xfrm>
         </p:spPr>
         <p:txBody>
@@ -1021,7 +894,7 @@
           <a:lstStyle>
             <a:lvl1pPr marL="0" indent="0">
               <a:buNone/>
-              <a:defRPr sz="2400">
+              <a:defRPr sz="1890">
                 <a:solidFill>
                   <a:schemeClr val="tx1">
                     <a:tint val="75000"/>
@@ -1029,9 +902,9 @@
                 </a:solidFill>
               </a:defRPr>
             </a:lvl1pPr>
-            <a:lvl2pPr marL="457200" indent="0">
-              <a:buNone/>
-              <a:defRPr sz="2000">
+            <a:lvl2pPr marL="360045" indent="0">
+              <a:buNone/>
+              <a:defRPr sz="1575">
                 <a:solidFill>
                   <a:schemeClr val="tx1">
                     <a:tint val="75000"/>
@@ -1039,9 +912,9 @@
                 </a:solidFill>
               </a:defRPr>
             </a:lvl2pPr>
-            <a:lvl3pPr marL="914400" indent="0">
-              <a:buNone/>
-              <a:defRPr sz="1800">
+            <a:lvl3pPr marL="720090" indent="0">
+              <a:buNone/>
+              <a:defRPr sz="1418">
                 <a:solidFill>
                   <a:schemeClr val="tx1">
                     <a:tint val="75000"/>
@@ -1049,9 +922,9 @@
                 </a:solidFill>
               </a:defRPr>
             </a:lvl3pPr>
-            <a:lvl4pPr marL="1371600" indent="0">
-              <a:buNone/>
-              <a:defRPr sz="1600">
+            <a:lvl4pPr marL="1080135" indent="0">
+              <a:buNone/>
+              <a:defRPr sz="1260">
                 <a:solidFill>
                   <a:schemeClr val="tx1">
                     <a:tint val="75000"/>
@@ -1059,9 +932,9 @@
                 </a:solidFill>
               </a:defRPr>
             </a:lvl4pPr>
-            <a:lvl5pPr marL="1828800" indent="0">
-              <a:buNone/>
-              <a:defRPr sz="1600">
+            <a:lvl5pPr marL="1440180" indent="0">
+              <a:buNone/>
+              <a:defRPr sz="1260">
                 <a:solidFill>
                   <a:schemeClr val="tx1">
                     <a:tint val="75000"/>
@@ -1069,9 +942,9 @@
                 </a:solidFill>
               </a:defRPr>
             </a:lvl5pPr>
-            <a:lvl6pPr marL="2286000" indent="0">
-              <a:buNone/>
-              <a:defRPr sz="1600">
+            <a:lvl6pPr marL="1800225" indent="0">
+              <a:buNone/>
+              <a:defRPr sz="1260">
                 <a:solidFill>
                   <a:schemeClr val="tx1">
                     <a:tint val="75000"/>
@@ -1079,9 +952,9 @@
                 </a:solidFill>
               </a:defRPr>
             </a:lvl6pPr>
-            <a:lvl7pPr marL="2743200" indent="0">
-              <a:buNone/>
-              <a:defRPr sz="1600">
+            <a:lvl7pPr marL="2160270" indent="0">
+              <a:buNone/>
+              <a:defRPr sz="1260">
                 <a:solidFill>
                   <a:schemeClr val="tx1">
                     <a:tint val="75000"/>
@@ -1089,9 +962,9 @@
                 </a:solidFill>
               </a:defRPr>
             </a:lvl7pPr>
-            <a:lvl8pPr marL="3200400" indent="0">
-              <a:buNone/>
-              <a:defRPr sz="1600">
+            <a:lvl8pPr marL="2520315" indent="0">
+              <a:buNone/>
+              <a:defRPr sz="1260">
                 <a:solidFill>
                   <a:schemeClr val="tx1">
                     <a:tint val="75000"/>
@@ -1099,9 +972,9 @@
                 </a:solidFill>
               </a:defRPr>
             </a:lvl8pPr>
-            <a:lvl9pPr marL="3657600" indent="0">
-              <a:buNone/>
-              <a:defRPr sz="1600">
+            <a:lvl9pPr marL="2880360" indent="0">
+              <a:buNone/>
+              <a:defRPr sz="1260">
                 <a:solidFill>
                   <a:schemeClr val="tx1">
                     <a:tint val="75000"/>
@@ -1113,21 +986,15 @@
           <a:p>
             <a:pPr lvl="0"/>
             <a:r>
-              <a:rPr lang="en-US"/>
-              <a:t>Click to edit Master text styles</a:t>
-            </a:r>
-          </a:p>
-        </p:txBody>
-      </p:sp>
-      <p:sp>
-        <p:nvSpPr>
-          <p:cNvPr id="4" name="Date Placeholder 3">
-            <a:extLst>
-              <a:ext uri="{FF2B5EF4-FFF2-40B4-BE49-F238E27FC236}">
-                <a16:creationId xmlns:a16="http://schemas.microsoft.com/office/drawing/2014/main" id="{7058CC87-2855-4F1C-9DB2-7D917A5419D9}"/>
-              </a:ext>
-            </a:extLst>
-          </p:cNvPr>
+              <a:rPr lang="da-DK"/>
+              <a:t>Klik for at redigere teksttypografierne i masteren</a:t>
+            </a:r>
+          </a:p>
+        </p:txBody>
+      </p:sp>
+      <p:sp>
+        <p:nvSpPr>
+          <p:cNvPr id="4" name="Date Placeholder 3"/>
           <p:cNvSpPr>
             <a:spLocks noGrp="1"/>
           </p:cNvSpPr>
@@ -1150,13 +1017,7 @@
       </p:sp>
       <p:sp>
         <p:nvSpPr>
-          <p:cNvPr id="5" name="Footer Placeholder 4">
-            <a:extLst>
-              <a:ext uri="{FF2B5EF4-FFF2-40B4-BE49-F238E27FC236}">
-                <a16:creationId xmlns:a16="http://schemas.microsoft.com/office/drawing/2014/main" id="{CE051346-C3D4-4399-9C84-0D4E2E8A453B}"/>
-              </a:ext>
-            </a:extLst>
-          </p:cNvPr>
+          <p:cNvPr id="5" name="Footer Placeholder 4"/>
           <p:cNvSpPr>
             <a:spLocks noGrp="1"/>
           </p:cNvSpPr>
@@ -1175,13 +1036,7 @@
       </p:sp>
       <p:sp>
         <p:nvSpPr>
-          <p:cNvPr id="6" name="Slide Number Placeholder 5">
-            <a:extLst>
-              <a:ext uri="{FF2B5EF4-FFF2-40B4-BE49-F238E27FC236}">
-                <a16:creationId xmlns:a16="http://schemas.microsoft.com/office/drawing/2014/main" id="{7F6985D2-B389-4981-8980-8A29F446D929}"/>
-              </a:ext>
-            </a:extLst>
-          </p:cNvPr>
+          <p:cNvPr id="6" name="Slide Number Placeholder 5"/>
           <p:cNvSpPr>
             <a:spLocks noGrp="1"/>
           </p:cNvSpPr>
@@ -1205,7 +1060,7 @@
     </p:spTree>
     <p:extLst>
       <p:ext uri="{BB962C8B-B14F-4D97-AF65-F5344CB8AC3E}">
-        <p14:creationId xmlns:p14="http://schemas.microsoft.com/office/powerpoint/2010/main" val="3777161713"/>
+        <p14:creationId xmlns:p14="http://schemas.microsoft.com/office/powerpoint/2010/main" val="1045750160"/>
       </p:ext>
     </p:extLst>
   </p:cSld>
@@ -1217,7 +1072,7 @@
 
 <file path=ppt/slideLayouts/slideLayout4.xml><?xml version="1.0" encoding="utf-8"?>
 <p:sldLayout xmlns:a="http://schemas.openxmlformats.org/drawingml/2006/main" xmlns:r="http://schemas.openxmlformats.org/officeDocument/2006/relationships" xmlns:p="http://schemas.openxmlformats.org/presentationml/2006/main" type="twoObj" preserve="1">
-  <p:cSld name="Two Content">
+  <p:cSld name="To indholdsobjekter">
     <p:spTree>
       <p:nvGrpSpPr>
         <p:cNvPr id="1" name=""/>
@@ -1234,13 +1089,7 @@
       </p:grpSpPr>
       <p:sp>
         <p:nvSpPr>
-          <p:cNvPr id="2" name="Title 1">
-            <a:extLst>
-              <a:ext uri="{FF2B5EF4-FFF2-40B4-BE49-F238E27FC236}">
-                <a16:creationId xmlns:a16="http://schemas.microsoft.com/office/drawing/2014/main" id="{ABE3F367-FD08-490D-9295-ABFA88132FD3}"/>
-              </a:ext>
-            </a:extLst>
-          </p:cNvPr>
+          <p:cNvPr id="2" name="Title 1"/>
           <p:cNvSpPr>
             <a:spLocks noGrp="1"/>
           </p:cNvSpPr>
@@ -1254,22 +1103,16 @@
           <a:lstStyle/>
           <a:p>
             <a:r>
-              <a:rPr lang="en-US"/>
-              <a:t>Click to edit Master title style</a:t>
-            </a:r>
-            <a:endParaRPr lang="en-GB"/>
-          </a:p>
-        </p:txBody>
-      </p:sp>
-      <p:sp>
-        <p:nvSpPr>
-          <p:cNvPr id="3" name="Content Placeholder 2">
-            <a:extLst>
-              <a:ext uri="{FF2B5EF4-FFF2-40B4-BE49-F238E27FC236}">
-                <a16:creationId xmlns:a16="http://schemas.microsoft.com/office/drawing/2014/main" id="{027693DE-D023-4600-8624-2A1107B65446}"/>
-              </a:ext>
-            </a:extLst>
-          </p:cNvPr>
+              <a:rPr lang="da-DK"/>
+              <a:t>Klik for at redigere titeltypografien i masteren</a:t>
+            </a:r>
+            <a:endParaRPr lang="en-US" dirty="0"/>
+          </a:p>
+        </p:txBody>
+      </p:sp>
+      <p:sp>
+        <p:nvSpPr>
+          <p:cNvPr id="3" name="Content Placeholder 2"/>
           <p:cNvSpPr>
             <a:spLocks noGrp="1"/>
           </p:cNvSpPr>
@@ -1279,8 +1122,8 @@
         </p:nvSpPr>
         <p:spPr>
           <a:xfrm>
-            <a:off x="838200" y="1825625"/>
-            <a:ext cx="5181600" cy="4351338"/>
+            <a:off x="693043" y="1437680"/>
+            <a:ext cx="4284266" cy="3426679"/>
           </a:xfrm>
         </p:spPr>
         <p:txBody>
@@ -1289,50 +1132,44 @@
           <a:p>
             <a:pPr lvl="0"/>
             <a:r>
-              <a:rPr lang="en-US"/>
-              <a:t>Click to edit Master text styles</a:t>
+              <a:rPr lang="da-DK"/>
+              <a:t>Klik for at redigere teksttypografierne i masteren</a:t>
             </a:r>
           </a:p>
           <a:p>
             <a:pPr lvl="1"/>
             <a:r>
-              <a:rPr lang="en-US"/>
-              <a:t>Second level</a:t>
+              <a:rPr lang="da-DK"/>
+              <a:t>Andet niveau</a:t>
             </a:r>
           </a:p>
           <a:p>
             <a:pPr lvl="2"/>
             <a:r>
-              <a:rPr lang="en-US"/>
-              <a:t>Third level</a:t>
+              <a:rPr lang="da-DK"/>
+              <a:t>Tredje niveau</a:t>
             </a:r>
           </a:p>
           <a:p>
             <a:pPr lvl="3"/>
             <a:r>
-              <a:rPr lang="en-US"/>
-              <a:t>Fourth level</a:t>
+              <a:rPr lang="da-DK"/>
+              <a:t>Fjerde niveau</a:t>
             </a:r>
           </a:p>
           <a:p>
             <a:pPr lvl="4"/>
             <a:r>
-              <a:rPr lang="en-US"/>
-              <a:t>Fifth level</a:t>
-            </a:r>
-            <a:endParaRPr lang="en-GB"/>
-          </a:p>
-        </p:txBody>
-      </p:sp>
-      <p:sp>
-        <p:nvSpPr>
-          <p:cNvPr id="4" name="Content Placeholder 3">
-            <a:extLst>
-              <a:ext uri="{FF2B5EF4-FFF2-40B4-BE49-F238E27FC236}">
-                <a16:creationId xmlns:a16="http://schemas.microsoft.com/office/drawing/2014/main" id="{FB3CAA0E-5F5E-41A3-B61E-7533B3F0B8E3}"/>
-              </a:ext>
-            </a:extLst>
-          </p:cNvPr>
+              <a:rPr lang="da-DK"/>
+              <a:t>Femte niveau</a:t>
+            </a:r>
+            <a:endParaRPr lang="en-US" dirty="0"/>
+          </a:p>
+        </p:txBody>
+      </p:sp>
+      <p:sp>
+        <p:nvSpPr>
+          <p:cNvPr id="4" name="Content Placeholder 3"/>
           <p:cNvSpPr>
             <a:spLocks noGrp="1"/>
           </p:cNvSpPr>
@@ -1342,8 +1179,8 @@
         </p:nvSpPr>
         <p:spPr>
           <a:xfrm>
-            <a:off x="6172200" y="1825625"/>
-            <a:ext cx="5181600" cy="4351338"/>
+            <a:off x="5103316" y="1437680"/>
+            <a:ext cx="4284266" cy="3426679"/>
           </a:xfrm>
         </p:spPr>
         <p:txBody>
@@ -1352,50 +1189,44 @@
           <a:p>
             <a:pPr lvl="0"/>
             <a:r>
-              <a:rPr lang="en-US"/>
-              <a:t>Click to edit Master text styles</a:t>
+              <a:rPr lang="da-DK"/>
+              <a:t>Klik for at redigere teksttypografierne i masteren</a:t>
             </a:r>
           </a:p>
           <a:p>
             <a:pPr lvl="1"/>
             <a:r>
-              <a:rPr lang="en-US"/>
-              <a:t>Second level</a:t>
+              <a:rPr lang="da-DK"/>
+              <a:t>Andet niveau</a:t>
             </a:r>
           </a:p>
           <a:p>
             <a:pPr lvl="2"/>
             <a:r>
-              <a:rPr lang="en-US"/>
-              <a:t>Third level</a:t>
+              <a:rPr lang="da-DK"/>
+              <a:t>Tredje niveau</a:t>
             </a:r>
           </a:p>
           <a:p>
             <a:pPr lvl="3"/>
             <a:r>
-              <a:rPr lang="en-US"/>
-              <a:t>Fourth level</a:t>
+              <a:rPr lang="da-DK"/>
+              <a:t>Fjerde niveau</a:t>
             </a:r>
           </a:p>
           <a:p>
             <a:pPr lvl="4"/>
             <a:r>
-              <a:rPr lang="en-US"/>
-              <a:t>Fifth level</a:t>
-            </a:r>
-            <a:endParaRPr lang="en-GB"/>
-          </a:p>
-        </p:txBody>
-      </p:sp>
-      <p:sp>
-        <p:nvSpPr>
-          <p:cNvPr id="5" name="Date Placeholder 4">
-            <a:extLst>
-              <a:ext uri="{FF2B5EF4-FFF2-40B4-BE49-F238E27FC236}">
-                <a16:creationId xmlns:a16="http://schemas.microsoft.com/office/drawing/2014/main" id="{8D7703D0-CC16-4F86-A8F7-1FA3ECB8B2C2}"/>
-              </a:ext>
-            </a:extLst>
-          </p:cNvPr>
+              <a:rPr lang="da-DK"/>
+              <a:t>Femte niveau</a:t>
+            </a:r>
+            <a:endParaRPr lang="en-US" dirty="0"/>
+          </a:p>
+        </p:txBody>
+      </p:sp>
+      <p:sp>
+        <p:nvSpPr>
+          <p:cNvPr id="5" name="Date Placeholder 4"/>
           <p:cNvSpPr>
             <a:spLocks noGrp="1"/>
           </p:cNvSpPr>
@@ -1418,13 +1249,7 @@
       </p:sp>
       <p:sp>
         <p:nvSpPr>
-          <p:cNvPr id="6" name="Footer Placeholder 5">
-            <a:extLst>
-              <a:ext uri="{FF2B5EF4-FFF2-40B4-BE49-F238E27FC236}">
-                <a16:creationId xmlns:a16="http://schemas.microsoft.com/office/drawing/2014/main" id="{C10EBCB0-FB2D-46AE-B795-39A9D3C618D9}"/>
-              </a:ext>
-            </a:extLst>
-          </p:cNvPr>
+          <p:cNvPr id="6" name="Footer Placeholder 5"/>
           <p:cNvSpPr>
             <a:spLocks noGrp="1"/>
           </p:cNvSpPr>
@@ -1443,13 +1268,7 @@
       </p:sp>
       <p:sp>
         <p:nvSpPr>
-          <p:cNvPr id="7" name="Slide Number Placeholder 6">
-            <a:extLst>
-              <a:ext uri="{FF2B5EF4-FFF2-40B4-BE49-F238E27FC236}">
-                <a16:creationId xmlns:a16="http://schemas.microsoft.com/office/drawing/2014/main" id="{721AB439-3267-446F-A934-A25D2BCE3131}"/>
-              </a:ext>
-            </a:extLst>
-          </p:cNvPr>
+          <p:cNvPr id="7" name="Slide Number Placeholder 6"/>
           <p:cNvSpPr>
             <a:spLocks noGrp="1"/>
           </p:cNvSpPr>
@@ -1473,7 +1292,7 @@
     </p:spTree>
     <p:extLst>
       <p:ext uri="{BB962C8B-B14F-4D97-AF65-F5344CB8AC3E}">
-        <p14:creationId xmlns:p14="http://schemas.microsoft.com/office/powerpoint/2010/main" val="4196343597"/>
+        <p14:creationId xmlns:p14="http://schemas.microsoft.com/office/powerpoint/2010/main" val="3476380486"/>
       </p:ext>
     </p:extLst>
   </p:cSld>
@@ -1485,7 +1304,7 @@
 
 <file path=ppt/slideLayouts/slideLayout5.xml><?xml version="1.0" encoding="utf-8"?>
 <p:sldLayout xmlns:a="http://schemas.openxmlformats.org/drawingml/2006/main" xmlns:r="http://schemas.openxmlformats.org/officeDocument/2006/relationships" xmlns:p="http://schemas.openxmlformats.org/presentationml/2006/main" type="twoTxTwoObj" preserve="1">
-  <p:cSld name="Comparison">
+  <p:cSld name="Sammenligning">
     <p:spTree>
       <p:nvGrpSpPr>
         <p:cNvPr id="1" name=""/>
@@ -1502,13 +1321,7 @@
       </p:grpSpPr>
       <p:sp>
         <p:nvSpPr>
-          <p:cNvPr id="2" name="Title 1">
-            <a:extLst>
-              <a:ext uri="{FF2B5EF4-FFF2-40B4-BE49-F238E27FC236}">
-                <a16:creationId xmlns:a16="http://schemas.microsoft.com/office/drawing/2014/main" id="{D7F58C2B-69CF-461D-BCB2-A2803D5BFEC8}"/>
-              </a:ext>
-            </a:extLst>
-          </p:cNvPr>
+          <p:cNvPr id="2" name="Title 1"/>
           <p:cNvSpPr>
             <a:spLocks noGrp="1"/>
           </p:cNvSpPr>
@@ -1518,8 +1331,8 @@
         </p:nvSpPr>
         <p:spPr>
           <a:xfrm>
-            <a:off x="839788" y="365125"/>
-            <a:ext cx="10515600" cy="1325563"/>
+            <a:off x="694356" y="287536"/>
+            <a:ext cx="8694539" cy="1043881"/>
           </a:xfrm>
         </p:spPr>
         <p:txBody>
@@ -1527,22 +1340,16 @@
           <a:lstStyle/>
           <a:p>
             <a:r>
-              <a:rPr lang="en-US"/>
-              <a:t>Click to edit Master title style</a:t>
-            </a:r>
-            <a:endParaRPr lang="en-GB"/>
-          </a:p>
-        </p:txBody>
-      </p:sp>
-      <p:sp>
-        <p:nvSpPr>
-          <p:cNvPr id="3" name="Text Placeholder 2">
-            <a:extLst>
-              <a:ext uri="{FF2B5EF4-FFF2-40B4-BE49-F238E27FC236}">
-                <a16:creationId xmlns:a16="http://schemas.microsoft.com/office/drawing/2014/main" id="{2187E4F8-9D86-41A7-895C-E95BB9BB7049}"/>
-              </a:ext>
-            </a:extLst>
-          </p:cNvPr>
+              <a:rPr lang="da-DK"/>
+              <a:t>Klik for at redigere titeltypografien i masteren</a:t>
+            </a:r>
+            <a:endParaRPr lang="en-US" dirty="0"/>
+          </a:p>
+        </p:txBody>
+      </p:sp>
+      <p:sp>
+        <p:nvSpPr>
+          <p:cNvPr id="3" name="Text Placeholder 2"/>
           <p:cNvSpPr>
             <a:spLocks noGrp="1"/>
           </p:cNvSpPr>
@@ -1552,8 +1359,8 @@
         </p:nvSpPr>
         <p:spPr>
           <a:xfrm>
-            <a:off x="839788" y="1681163"/>
-            <a:ext cx="5157787" cy="823912"/>
+            <a:off x="694357" y="1323916"/>
+            <a:ext cx="4264576" cy="648831"/>
           </a:xfrm>
         </p:spPr>
         <p:txBody>
@@ -1561,59 +1368,53 @@
           <a:lstStyle>
             <a:lvl1pPr marL="0" indent="0">
               <a:buNone/>
-              <a:defRPr sz="2400" b="1"/>
+              <a:defRPr sz="1890" b="1"/>
             </a:lvl1pPr>
-            <a:lvl2pPr marL="457200" indent="0">
-              <a:buNone/>
-              <a:defRPr sz="2000" b="1"/>
+            <a:lvl2pPr marL="360045" indent="0">
+              <a:buNone/>
+              <a:defRPr sz="1575" b="1"/>
             </a:lvl2pPr>
-            <a:lvl3pPr marL="914400" indent="0">
-              <a:buNone/>
-              <a:defRPr sz="1800" b="1"/>
+            <a:lvl3pPr marL="720090" indent="0">
+              <a:buNone/>
+              <a:defRPr sz="1418" b="1"/>
             </a:lvl3pPr>
-            <a:lvl4pPr marL="1371600" indent="0">
-              <a:buNone/>
-              <a:defRPr sz="1600" b="1"/>
+            <a:lvl4pPr marL="1080135" indent="0">
+              <a:buNone/>
+              <a:defRPr sz="1260" b="1"/>
             </a:lvl4pPr>
-            <a:lvl5pPr marL="1828800" indent="0">
-              <a:buNone/>
-              <a:defRPr sz="1600" b="1"/>
+            <a:lvl5pPr marL="1440180" indent="0">
+              <a:buNone/>
+              <a:defRPr sz="1260" b="1"/>
             </a:lvl5pPr>
-            <a:lvl6pPr marL="2286000" indent="0">
-              <a:buNone/>
-              <a:defRPr sz="1600" b="1"/>
+            <a:lvl6pPr marL="1800225" indent="0">
+              <a:buNone/>
+              <a:defRPr sz="1260" b="1"/>
             </a:lvl6pPr>
-            <a:lvl7pPr marL="2743200" indent="0">
-              <a:buNone/>
-              <a:defRPr sz="1600" b="1"/>
+            <a:lvl7pPr marL="2160270" indent="0">
+              <a:buNone/>
+              <a:defRPr sz="1260" b="1"/>
             </a:lvl7pPr>
-            <a:lvl8pPr marL="3200400" indent="0">
-              <a:buNone/>
-              <a:defRPr sz="1600" b="1"/>
+            <a:lvl8pPr marL="2520315" indent="0">
+              <a:buNone/>
+              <a:defRPr sz="1260" b="1"/>
             </a:lvl8pPr>
-            <a:lvl9pPr marL="3657600" indent="0">
-              <a:buNone/>
-              <a:defRPr sz="1600" b="1"/>
+            <a:lvl9pPr marL="2880360" indent="0">
+              <a:buNone/>
+              <a:defRPr sz="1260" b="1"/>
             </a:lvl9pPr>
           </a:lstStyle>
           <a:p>
             <a:pPr lvl="0"/>
             <a:r>
-              <a:rPr lang="en-US"/>
-              <a:t>Click to edit Master text styles</a:t>
-            </a:r>
-          </a:p>
-        </p:txBody>
-      </p:sp>
-      <p:sp>
-        <p:nvSpPr>
-          <p:cNvPr id="4" name="Content Placeholder 3">
-            <a:extLst>
-              <a:ext uri="{FF2B5EF4-FFF2-40B4-BE49-F238E27FC236}">
-                <a16:creationId xmlns:a16="http://schemas.microsoft.com/office/drawing/2014/main" id="{3155507D-AB07-40C5-9699-03C1D54BA0B6}"/>
-              </a:ext>
-            </a:extLst>
-          </p:cNvPr>
+              <a:rPr lang="da-DK"/>
+              <a:t>Klik for at redigere teksttypografierne i masteren</a:t>
+            </a:r>
+          </a:p>
+        </p:txBody>
+      </p:sp>
+      <p:sp>
+        <p:nvSpPr>
+          <p:cNvPr id="4" name="Content Placeholder 3"/>
           <p:cNvSpPr>
             <a:spLocks noGrp="1"/>
           </p:cNvSpPr>
@@ -1623,8 +1424,8 @@
         </p:nvSpPr>
         <p:spPr>
           <a:xfrm>
-            <a:off x="839788" y="2505075"/>
-            <a:ext cx="5157787" cy="3684588"/>
+            <a:off x="694357" y="1972747"/>
+            <a:ext cx="4264576" cy="2901613"/>
           </a:xfrm>
         </p:spPr>
         <p:txBody>
@@ -1633,50 +1434,44 @@
           <a:p>
             <a:pPr lvl="0"/>
             <a:r>
-              <a:rPr lang="en-US"/>
-              <a:t>Click to edit Master text styles</a:t>
+              <a:rPr lang="da-DK"/>
+              <a:t>Klik for at redigere teksttypografierne i masteren</a:t>
             </a:r>
           </a:p>
           <a:p>
             <a:pPr lvl="1"/>
             <a:r>
-              <a:rPr lang="en-US"/>
-              <a:t>Second level</a:t>
+              <a:rPr lang="da-DK"/>
+              <a:t>Andet niveau</a:t>
             </a:r>
           </a:p>
           <a:p>
             <a:pPr lvl="2"/>
             <a:r>
-              <a:rPr lang="en-US"/>
-              <a:t>Third level</a:t>
+              <a:rPr lang="da-DK"/>
+              <a:t>Tredje niveau</a:t>
             </a:r>
           </a:p>
           <a:p>
             <a:pPr lvl="3"/>
             <a:r>
-              <a:rPr lang="en-US"/>
-              <a:t>Fourth level</a:t>
+              <a:rPr lang="da-DK"/>
+              <a:t>Fjerde niveau</a:t>
             </a:r>
           </a:p>
           <a:p>
             <a:pPr lvl="4"/>
             <a:r>
-              <a:rPr lang="en-US"/>
-              <a:t>Fifth level</a:t>
-            </a:r>
-            <a:endParaRPr lang="en-GB"/>
-          </a:p>
-        </p:txBody>
-      </p:sp>
-      <p:sp>
-        <p:nvSpPr>
-          <p:cNvPr id="5" name="Text Placeholder 4">
-            <a:extLst>
-              <a:ext uri="{FF2B5EF4-FFF2-40B4-BE49-F238E27FC236}">
-                <a16:creationId xmlns:a16="http://schemas.microsoft.com/office/drawing/2014/main" id="{25DF8584-9300-4556-A560-F08F3BE6BC85}"/>
-              </a:ext>
-            </a:extLst>
-          </p:cNvPr>
+              <a:rPr lang="da-DK"/>
+              <a:t>Femte niveau</a:t>
+            </a:r>
+            <a:endParaRPr lang="en-US" dirty="0"/>
+          </a:p>
+        </p:txBody>
+      </p:sp>
+      <p:sp>
+        <p:nvSpPr>
+          <p:cNvPr id="5" name="Text Placeholder 4"/>
           <p:cNvSpPr>
             <a:spLocks noGrp="1"/>
           </p:cNvSpPr>
@@ -1686,8 +1481,8 @@
         </p:nvSpPr>
         <p:spPr>
           <a:xfrm>
-            <a:off x="6172200" y="1681163"/>
-            <a:ext cx="5183188" cy="823912"/>
+            <a:off x="5103316" y="1323916"/>
+            <a:ext cx="4285579" cy="648831"/>
           </a:xfrm>
         </p:spPr>
         <p:txBody>
@@ -1695,59 +1490,53 @@
           <a:lstStyle>
             <a:lvl1pPr marL="0" indent="0">
               <a:buNone/>
-              <a:defRPr sz="2400" b="1"/>
+              <a:defRPr sz="1890" b="1"/>
             </a:lvl1pPr>
-            <a:lvl2pPr marL="457200" indent="0">
-              <a:buNone/>
-              <a:defRPr sz="2000" b="1"/>
+            <a:lvl2pPr marL="360045" indent="0">
+              <a:buNone/>
+              <a:defRPr sz="1575" b="1"/>
             </a:lvl2pPr>
-            <a:lvl3pPr marL="914400" indent="0">
-              <a:buNone/>
-              <a:defRPr sz="1800" b="1"/>
+            <a:lvl3pPr marL="720090" indent="0">
+              <a:buNone/>
+              <a:defRPr sz="1418" b="1"/>
             </a:lvl3pPr>
-            <a:lvl4pPr marL="1371600" indent="0">
-              <a:buNone/>
-              <a:defRPr sz="1600" b="1"/>
+            <a:lvl4pPr marL="1080135" indent="0">
+              <a:buNone/>
+              <a:defRPr sz="1260" b="1"/>
             </a:lvl4pPr>
-            <a:lvl5pPr marL="1828800" indent="0">
-              <a:buNone/>
-              <a:defRPr sz="1600" b="1"/>
+            <a:lvl5pPr marL="1440180" indent="0">
+              <a:buNone/>
+              <a:defRPr sz="1260" b="1"/>
             </a:lvl5pPr>
-            <a:lvl6pPr marL="2286000" indent="0">
-              <a:buNone/>
-              <a:defRPr sz="1600" b="1"/>
+            <a:lvl6pPr marL="1800225" indent="0">
+              <a:buNone/>
+              <a:defRPr sz="1260" b="1"/>
             </a:lvl6pPr>
-            <a:lvl7pPr marL="2743200" indent="0">
-              <a:buNone/>
-              <a:defRPr sz="1600" b="1"/>
+            <a:lvl7pPr marL="2160270" indent="0">
+              <a:buNone/>
+              <a:defRPr sz="1260" b="1"/>
             </a:lvl7pPr>
-            <a:lvl8pPr marL="3200400" indent="0">
-              <a:buNone/>
-              <a:defRPr sz="1600" b="1"/>
+            <a:lvl8pPr marL="2520315" indent="0">
+              <a:buNone/>
+              <a:defRPr sz="1260" b="1"/>
             </a:lvl8pPr>
-            <a:lvl9pPr marL="3657600" indent="0">
-              <a:buNone/>
-              <a:defRPr sz="1600" b="1"/>
+            <a:lvl9pPr marL="2880360" indent="0">
+              <a:buNone/>
+              <a:defRPr sz="1260" b="1"/>
             </a:lvl9pPr>
           </a:lstStyle>
           <a:p>
             <a:pPr lvl="0"/>
             <a:r>
-              <a:rPr lang="en-US"/>
-              <a:t>Click to edit Master text styles</a:t>
-            </a:r>
-          </a:p>
-        </p:txBody>
-      </p:sp>
-      <p:sp>
-        <p:nvSpPr>
-          <p:cNvPr id="6" name="Content Placeholder 5">
-            <a:extLst>
-              <a:ext uri="{FF2B5EF4-FFF2-40B4-BE49-F238E27FC236}">
-                <a16:creationId xmlns:a16="http://schemas.microsoft.com/office/drawing/2014/main" id="{1D857EFB-C7FA-414A-878F-3AC7404DC383}"/>
-              </a:ext>
-            </a:extLst>
-          </p:cNvPr>
+              <a:rPr lang="da-DK"/>
+              <a:t>Klik for at redigere teksttypografierne i masteren</a:t>
+            </a:r>
+          </a:p>
+        </p:txBody>
+      </p:sp>
+      <p:sp>
+        <p:nvSpPr>
+          <p:cNvPr id="6" name="Content Placeholder 5"/>
           <p:cNvSpPr>
             <a:spLocks noGrp="1"/>
           </p:cNvSpPr>
@@ -1757,8 +1546,8 @@
         </p:nvSpPr>
         <p:spPr>
           <a:xfrm>
-            <a:off x="6172200" y="2505075"/>
-            <a:ext cx="5183188" cy="3684588"/>
+            <a:off x="5103316" y="1972747"/>
+            <a:ext cx="4285579" cy="2901613"/>
           </a:xfrm>
         </p:spPr>
         <p:txBody>
@@ -1767,50 +1556,44 @@
           <a:p>
             <a:pPr lvl="0"/>
             <a:r>
-              <a:rPr lang="en-US"/>
-              <a:t>Click to edit Master text styles</a:t>
+              <a:rPr lang="da-DK"/>
+              <a:t>Klik for at redigere teksttypografierne i masteren</a:t>
             </a:r>
           </a:p>
           <a:p>
             <a:pPr lvl="1"/>
             <a:r>
-              <a:rPr lang="en-US"/>
-              <a:t>Second level</a:t>
+              <a:rPr lang="da-DK"/>
+              <a:t>Andet niveau</a:t>
             </a:r>
           </a:p>
           <a:p>
             <a:pPr lvl="2"/>
             <a:r>
-              <a:rPr lang="en-US"/>
-              <a:t>Third level</a:t>
+              <a:rPr lang="da-DK"/>
+              <a:t>Tredje niveau</a:t>
             </a:r>
           </a:p>
           <a:p>
             <a:pPr lvl="3"/>
             <a:r>
-              <a:rPr lang="en-US"/>
-              <a:t>Fourth level</a:t>
+              <a:rPr lang="da-DK"/>
+              <a:t>Fjerde niveau</a:t>
             </a:r>
           </a:p>
           <a:p>
             <a:pPr lvl="4"/>
             <a:r>
-              <a:rPr lang="en-US"/>
-              <a:t>Fifth level</a:t>
-            </a:r>
-            <a:endParaRPr lang="en-GB"/>
-          </a:p>
-        </p:txBody>
-      </p:sp>
-      <p:sp>
-        <p:nvSpPr>
-          <p:cNvPr id="7" name="Date Placeholder 6">
-            <a:extLst>
-              <a:ext uri="{FF2B5EF4-FFF2-40B4-BE49-F238E27FC236}">
-                <a16:creationId xmlns:a16="http://schemas.microsoft.com/office/drawing/2014/main" id="{74FD218D-5430-421D-8A1A-839A0474C228}"/>
-              </a:ext>
-            </a:extLst>
-          </p:cNvPr>
+              <a:rPr lang="da-DK"/>
+              <a:t>Femte niveau</a:t>
+            </a:r>
+            <a:endParaRPr lang="en-US" dirty="0"/>
+          </a:p>
+        </p:txBody>
+      </p:sp>
+      <p:sp>
+        <p:nvSpPr>
+          <p:cNvPr id="7" name="Date Placeholder 6"/>
           <p:cNvSpPr>
             <a:spLocks noGrp="1"/>
           </p:cNvSpPr>
@@ -1833,13 +1616,7 @@
       </p:sp>
       <p:sp>
         <p:nvSpPr>
-          <p:cNvPr id="8" name="Footer Placeholder 7">
-            <a:extLst>
-              <a:ext uri="{FF2B5EF4-FFF2-40B4-BE49-F238E27FC236}">
-                <a16:creationId xmlns:a16="http://schemas.microsoft.com/office/drawing/2014/main" id="{CAE53F6D-32EE-4E3B-B8C2-454975F291B7}"/>
-              </a:ext>
-            </a:extLst>
-          </p:cNvPr>
+          <p:cNvPr id="8" name="Footer Placeholder 7"/>
           <p:cNvSpPr>
             <a:spLocks noGrp="1"/>
           </p:cNvSpPr>
@@ -1858,13 +1635,7 @@
       </p:sp>
       <p:sp>
         <p:nvSpPr>
-          <p:cNvPr id="9" name="Slide Number Placeholder 8">
-            <a:extLst>
-              <a:ext uri="{FF2B5EF4-FFF2-40B4-BE49-F238E27FC236}">
-                <a16:creationId xmlns:a16="http://schemas.microsoft.com/office/drawing/2014/main" id="{2C1C8E7D-5B66-4122-9835-BEEDD1924CD5}"/>
-              </a:ext>
-            </a:extLst>
-          </p:cNvPr>
+          <p:cNvPr id="9" name="Slide Number Placeholder 8"/>
           <p:cNvSpPr>
             <a:spLocks noGrp="1"/>
           </p:cNvSpPr>
@@ -1888,7 +1659,7 @@
     </p:spTree>
     <p:extLst>
       <p:ext uri="{BB962C8B-B14F-4D97-AF65-F5344CB8AC3E}">
-        <p14:creationId xmlns:p14="http://schemas.microsoft.com/office/powerpoint/2010/main" val="1386973152"/>
+        <p14:creationId xmlns:p14="http://schemas.microsoft.com/office/powerpoint/2010/main" val="4015092711"/>
       </p:ext>
     </p:extLst>
   </p:cSld>
@@ -1900,7 +1671,7 @@
 
 <file path=ppt/slideLayouts/slideLayout6.xml><?xml version="1.0" encoding="utf-8"?>
 <p:sldLayout xmlns:a="http://schemas.openxmlformats.org/drawingml/2006/main" xmlns:r="http://schemas.openxmlformats.org/officeDocument/2006/relationships" xmlns:p="http://schemas.openxmlformats.org/presentationml/2006/main" type="titleOnly" preserve="1">
-  <p:cSld name="Title Only">
+  <p:cSld name="Kun titel">
     <p:spTree>
       <p:nvGrpSpPr>
         <p:cNvPr id="1" name=""/>
@@ -1917,13 +1688,7 @@
       </p:grpSpPr>
       <p:sp>
         <p:nvSpPr>
-          <p:cNvPr id="2" name="Title 1">
-            <a:extLst>
-              <a:ext uri="{FF2B5EF4-FFF2-40B4-BE49-F238E27FC236}">
-                <a16:creationId xmlns:a16="http://schemas.microsoft.com/office/drawing/2014/main" id="{12E5C17C-4D61-4113-BDD2-F94409E8AAD2}"/>
-              </a:ext>
-            </a:extLst>
-          </p:cNvPr>
+          <p:cNvPr id="2" name="Title 1"/>
           <p:cNvSpPr>
             <a:spLocks noGrp="1"/>
           </p:cNvSpPr>
@@ -1937,22 +1702,16 @@
           <a:lstStyle/>
           <a:p>
             <a:r>
-              <a:rPr lang="en-US"/>
-              <a:t>Click to edit Master title style</a:t>
-            </a:r>
-            <a:endParaRPr lang="en-GB"/>
-          </a:p>
-        </p:txBody>
-      </p:sp>
-      <p:sp>
-        <p:nvSpPr>
-          <p:cNvPr id="3" name="Date Placeholder 2">
-            <a:extLst>
-              <a:ext uri="{FF2B5EF4-FFF2-40B4-BE49-F238E27FC236}">
-                <a16:creationId xmlns:a16="http://schemas.microsoft.com/office/drawing/2014/main" id="{A62124A4-E1B8-400E-A6BC-E5403B41545A}"/>
-              </a:ext>
-            </a:extLst>
-          </p:cNvPr>
+              <a:rPr lang="da-DK"/>
+              <a:t>Klik for at redigere titeltypografien i masteren</a:t>
+            </a:r>
+            <a:endParaRPr lang="en-US" dirty="0"/>
+          </a:p>
+        </p:txBody>
+      </p:sp>
+      <p:sp>
+        <p:nvSpPr>
+          <p:cNvPr id="3" name="Date Placeholder 2"/>
           <p:cNvSpPr>
             <a:spLocks noGrp="1"/>
           </p:cNvSpPr>
@@ -1975,13 +1734,7 @@
       </p:sp>
       <p:sp>
         <p:nvSpPr>
-          <p:cNvPr id="4" name="Footer Placeholder 3">
-            <a:extLst>
-              <a:ext uri="{FF2B5EF4-FFF2-40B4-BE49-F238E27FC236}">
-                <a16:creationId xmlns:a16="http://schemas.microsoft.com/office/drawing/2014/main" id="{466D3DC4-CB6D-42B2-AE1C-E52F0A69599F}"/>
-              </a:ext>
-            </a:extLst>
-          </p:cNvPr>
+          <p:cNvPr id="4" name="Footer Placeholder 3"/>
           <p:cNvSpPr>
             <a:spLocks noGrp="1"/>
           </p:cNvSpPr>
@@ -2000,13 +1753,7 @@
       </p:sp>
       <p:sp>
         <p:nvSpPr>
-          <p:cNvPr id="5" name="Slide Number Placeholder 4">
-            <a:extLst>
-              <a:ext uri="{FF2B5EF4-FFF2-40B4-BE49-F238E27FC236}">
-                <a16:creationId xmlns:a16="http://schemas.microsoft.com/office/drawing/2014/main" id="{FE76C2BF-4EF0-4C5D-AFC5-82D098B16F74}"/>
-              </a:ext>
-            </a:extLst>
-          </p:cNvPr>
+          <p:cNvPr id="5" name="Slide Number Placeholder 4"/>
           <p:cNvSpPr>
             <a:spLocks noGrp="1"/>
           </p:cNvSpPr>
@@ -2030,7 +1777,7 @@
     </p:spTree>
     <p:extLst>
       <p:ext uri="{BB962C8B-B14F-4D97-AF65-F5344CB8AC3E}">
-        <p14:creationId xmlns:p14="http://schemas.microsoft.com/office/powerpoint/2010/main" val="1282131922"/>
+        <p14:creationId xmlns:p14="http://schemas.microsoft.com/office/powerpoint/2010/main" val="516773609"/>
       </p:ext>
     </p:extLst>
   </p:cSld>
@@ -2042,7 +1789,7 @@
 
 <file path=ppt/slideLayouts/slideLayout7.xml><?xml version="1.0" encoding="utf-8"?>
 <p:sldLayout xmlns:a="http://schemas.openxmlformats.org/drawingml/2006/main" xmlns:r="http://schemas.openxmlformats.org/officeDocument/2006/relationships" xmlns:p="http://schemas.openxmlformats.org/presentationml/2006/main" type="blank" preserve="1">
-  <p:cSld name="Blank">
+  <p:cSld name="Tom">
     <p:spTree>
       <p:nvGrpSpPr>
         <p:cNvPr id="1" name=""/>
@@ -2059,13 +1806,7 @@
       </p:grpSpPr>
       <p:sp>
         <p:nvSpPr>
-          <p:cNvPr id="2" name="Date Placeholder 1">
-            <a:extLst>
-              <a:ext uri="{FF2B5EF4-FFF2-40B4-BE49-F238E27FC236}">
-                <a16:creationId xmlns:a16="http://schemas.microsoft.com/office/drawing/2014/main" id="{F50D2D1B-D7D1-42C3-A56D-28BC4424E804}"/>
-              </a:ext>
-            </a:extLst>
-          </p:cNvPr>
+          <p:cNvPr id="2" name="Date Placeholder 1"/>
           <p:cNvSpPr>
             <a:spLocks noGrp="1"/>
           </p:cNvSpPr>
@@ -2088,13 +1829,7 @@
       </p:sp>
       <p:sp>
         <p:nvSpPr>
-          <p:cNvPr id="3" name="Footer Placeholder 2">
-            <a:extLst>
-              <a:ext uri="{FF2B5EF4-FFF2-40B4-BE49-F238E27FC236}">
-                <a16:creationId xmlns:a16="http://schemas.microsoft.com/office/drawing/2014/main" id="{B81B431B-880D-4034-838C-0508F7CA7787}"/>
-              </a:ext>
-            </a:extLst>
-          </p:cNvPr>
+          <p:cNvPr id="3" name="Footer Placeholder 2"/>
           <p:cNvSpPr>
             <a:spLocks noGrp="1"/>
           </p:cNvSpPr>
@@ -2113,13 +1848,7 @@
       </p:sp>
       <p:sp>
         <p:nvSpPr>
-          <p:cNvPr id="4" name="Slide Number Placeholder 3">
-            <a:extLst>
-              <a:ext uri="{FF2B5EF4-FFF2-40B4-BE49-F238E27FC236}">
-                <a16:creationId xmlns:a16="http://schemas.microsoft.com/office/drawing/2014/main" id="{80162B7B-7C6E-4696-8A0C-753CA87047A3}"/>
-              </a:ext>
-            </a:extLst>
-          </p:cNvPr>
+          <p:cNvPr id="4" name="Slide Number Placeholder 3"/>
           <p:cNvSpPr>
             <a:spLocks noGrp="1"/>
           </p:cNvSpPr>
@@ -2143,7 +1872,7 @@
     </p:spTree>
     <p:extLst>
       <p:ext uri="{BB962C8B-B14F-4D97-AF65-F5344CB8AC3E}">
-        <p14:creationId xmlns:p14="http://schemas.microsoft.com/office/powerpoint/2010/main" val="2013519705"/>
+        <p14:creationId xmlns:p14="http://schemas.microsoft.com/office/powerpoint/2010/main" val="2990890079"/>
       </p:ext>
     </p:extLst>
   </p:cSld>
@@ -2155,7 +1884,7 @@
 
 <file path=ppt/slideLayouts/slideLayout8.xml><?xml version="1.0" encoding="utf-8"?>
 <p:sldLayout xmlns:a="http://schemas.openxmlformats.org/drawingml/2006/main" xmlns:r="http://schemas.openxmlformats.org/officeDocument/2006/relationships" xmlns:p="http://schemas.openxmlformats.org/presentationml/2006/main" type="objTx" preserve="1">
-  <p:cSld name="Content with Caption">
+  <p:cSld name="Indhold med billedtekst">
     <p:spTree>
       <p:nvGrpSpPr>
         <p:cNvPr id="1" name=""/>
@@ -2172,13 +1901,7 @@
       </p:grpSpPr>
       <p:sp>
         <p:nvSpPr>
-          <p:cNvPr id="2" name="Title 1">
-            <a:extLst>
-              <a:ext uri="{FF2B5EF4-FFF2-40B4-BE49-F238E27FC236}">
-                <a16:creationId xmlns:a16="http://schemas.microsoft.com/office/drawing/2014/main" id="{D472DBAC-CBAB-4264-A3EA-7271FEC818B9}"/>
-              </a:ext>
-            </a:extLst>
-          </p:cNvPr>
+          <p:cNvPr id="2" name="Title 1"/>
           <p:cNvSpPr>
             <a:spLocks noGrp="1"/>
           </p:cNvSpPr>
@@ -2188,35 +1911,29 @@
         </p:nvSpPr>
         <p:spPr>
           <a:xfrm>
-            <a:off x="839788" y="457200"/>
-            <a:ext cx="3932237" cy="1600200"/>
+            <a:off x="694356" y="360045"/>
+            <a:ext cx="3251264" cy="1260158"/>
           </a:xfrm>
         </p:spPr>
         <p:txBody>
           <a:bodyPr anchor="b"/>
           <a:lstStyle>
             <a:lvl1pPr>
-              <a:defRPr sz="3200"/>
+              <a:defRPr sz="2520"/>
             </a:lvl1pPr>
           </a:lstStyle>
           <a:p>
             <a:r>
-              <a:rPr lang="en-US"/>
-              <a:t>Click to edit Master title style</a:t>
-            </a:r>
-            <a:endParaRPr lang="en-GB"/>
-          </a:p>
-        </p:txBody>
-      </p:sp>
-      <p:sp>
-        <p:nvSpPr>
-          <p:cNvPr id="3" name="Content Placeholder 2">
-            <a:extLst>
-              <a:ext uri="{FF2B5EF4-FFF2-40B4-BE49-F238E27FC236}">
-                <a16:creationId xmlns:a16="http://schemas.microsoft.com/office/drawing/2014/main" id="{3D308E5C-AFF3-4F32-AE75-25CC1460FEC2}"/>
-              </a:ext>
-            </a:extLst>
-          </p:cNvPr>
+              <a:rPr lang="da-DK"/>
+              <a:t>Klik for at redigere titeltypografien i masteren</a:t>
+            </a:r>
+            <a:endParaRPr lang="en-US" dirty="0"/>
+          </a:p>
+        </p:txBody>
+      </p:sp>
+      <p:sp>
+        <p:nvSpPr>
+          <p:cNvPr id="3" name="Content Placeholder 2"/>
           <p:cNvSpPr>
             <a:spLocks noGrp="1"/>
           </p:cNvSpPr>
@@ -2226,88 +1943,82 @@
         </p:nvSpPr>
         <p:spPr>
           <a:xfrm>
-            <a:off x="5183188" y="987425"/>
-            <a:ext cx="6172200" cy="4873625"/>
+            <a:off x="4285579" y="777597"/>
+            <a:ext cx="5103316" cy="3837980"/>
           </a:xfrm>
         </p:spPr>
         <p:txBody>
           <a:bodyPr/>
           <a:lstStyle>
             <a:lvl1pPr>
-              <a:defRPr sz="3200"/>
+              <a:defRPr sz="2520"/>
             </a:lvl1pPr>
             <a:lvl2pPr>
-              <a:defRPr sz="2800"/>
+              <a:defRPr sz="2205"/>
             </a:lvl2pPr>
             <a:lvl3pPr>
-              <a:defRPr sz="2400"/>
+              <a:defRPr sz="1890"/>
             </a:lvl3pPr>
             <a:lvl4pPr>
-              <a:defRPr sz="2000"/>
+              <a:defRPr sz="1575"/>
             </a:lvl4pPr>
             <a:lvl5pPr>
-              <a:defRPr sz="2000"/>
+              <a:defRPr sz="1575"/>
             </a:lvl5pPr>
             <a:lvl6pPr>
-              <a:defRPr sz="2000"/>
+              <a:defRPr sz="1575"/>
             </a:lvl6pPr>
             <a:lvl7pPr>
-              <a:defRPr sz="2000"/>
+              <a:defRPr sz="1575"/>
             </a:lvl7pPr>
             <a:lvl8pPr>
-              <a:defRPr sz="2000"/>
+              <a:defRPr sz="1575"/>
             </a:lvl8pPr>
             <a:lvl9pPr>
-              <a:defRPr sz="2000"/>
+              <a:defRPr sz="1575"/>
             </a:lvl9pPr>
           </a:lstStyle>
           <a:p>
             <a:pPr lvl="0"/>
             <a:r>
-              <a:rPr lang="en-US"/>
-              <a:t>Click to edit Master text styles</a:t>
+              <a:rPr lang="da-DK"/>
+              <a:t>Klik for at redigere teksttypografierne i masteren</a:t>
             </a:r>
           </a:p>
           <a:p>
             <a:pPr lvl="1"/>
             <a:r>
-              <a:rPr lang="en-US"/>
-              <a:t>Second level</a:t>
+              <a:rPr lang="da-DK"/>
+              <a:t>Andet niveau</a:t>
             </a:r>
           </a:p>
           <a:p>
             <a:pPr lvl="2"/>
             <a:r>
-              <a:rPr lang="en-US"/>
-              <a:t>Third level</a:t>
+              <a:rPr lang="da-DK"/>
+              <a:t>Tredje niveau</a:t>
             </a:r>
           </a:p>
           <a:p>
             <a:pPr lvl="3"/>
             <a:r>
-              <a:rPr lang="en-US"/>
-              <a:t>Fourth level</a:t>
+              <a:rPr lang="da-DK"/>
+              <a:t>Fjerde niveau</a:t>
             </a:r>
           </a:p>
           <a:p>
             <a:pPr lvl="4"/>
             <a:r>
-              <a:rPr lang="en-US"/>
-              <a:t>Fifth level</a:t>
-            </a:r>
-            <a:endParaRPr lang="en-GB"/>
-          </a:p>
-        </p:txBody>
-      </p:sp>
-      <p:sp>
-        <p:nvSpPr>
-          <p:cNvPr id="4" name="Text Placeholder 3">
-            <a:extLst>
-              <a:ext uri="{FF2B5EF4-FFF2-40B4-BE49-F238E27FC236}">
-                <a16:creationId xmlns:a16="http://schemas.microsoft.com/office/drawing/2014/main" id="{E25B5183-6A08-4F01-8D15-9D164AB06216}"/>
-              </a:ext>
-            </a:extLst>
-          </p:cNvPr>
+              <a:rPr lang="da-DK"/>
+              <a:t>Femte niveau</a:t>
+            </a:r>
+            <a:endParaRPr lang="en-US" dirty="0"/>
+          </a:p>
+        </p:txBody>
+      </p:sp>
+      <p:sp>
+        <p:nvSpPr>
+          <p:cNvPr id="4" name="Text Placeholder 3"/>
           <p:cNvSpPr>
             <a:spLocks noGrp="1"/>
           </p:cNvSpPr>
@@ -2317,8 +2028,8 @@
         </p:nvSpPr>
         <p:spPr>
           <a:xfrm>
-            <a:off x="839788" y="2057400"/>
-            <a:ext cx="3932237" cy="3811588"/>
+            <a:off x="694356" y="1620202"/>
+            <a:ext cx="3251264" cy="3001626"/>
           </a:xfrm>
         </p:spPr>
         <p:txBody>
@@ -2326,59 +2037,53 @@
           <a:lstStyle>
             <a:lvl1pPr marL="0" indent="0">
               <a:buNone/>
-              <a:defRPr sz="1600"/>
+              <a:defRPr sz="1260"/>
             </a:lvl1pPr>
-            <a:lvl2pPr marL="457200" indent="0">
-              <a:buNone/>
-              <a:defRPr sz="1400"/>
+            <a:lvl2pPr marL="360045" indent="0">
+              <a:buNone/>
+              <a:defRPr sz="1103"/>
             </a:lvl2pPr>
-            <a:lvl3pPr marL="914400" indent="0">
-              <a:buNone/>
-              <a:defRPr sz="1200"/>
+            <a:lvl3pPr marL="720090" indent="0">
+              <a:buNone/>
+              <a:defRPr sz="945"/>
             </a:lvl3pPr>
-            <a:lvl4pPr marL="1371600" indent="0">
-              <a:buNone/>
-              <a:defRPr sz="1000"/>
+            <a:lvl4pPr marL="1080135" indent="0">
+              <a:buNone/>
+              <a:defRPr sz="788"/>
             </a:lvl4pPr>
-            <a:lvl5pPr marL="1828800" indent="0">
-              <a:buNone/>
-              <a:defRPr sz="1000"/>
+            <a:lvl5pPr marL="1440180" indent="0">
+              <a:buNone/>
+              <a:defRPr sz="788"/>
             </a:lvl5pPr>
-            <a:lvl6pPr marL="2286000" indent="0">
-              <a:buNone/>
-              <a:defRPr sz="1000"/>
+            <a:lvl6pPr marL="1800225" indent="0">
+              <a:buNone/>
+              <a:defRPr sz="788"/>
             </a:lvl6pPr>
-            <a:lvl7pPr marL="2743200" indent="0">
-              <a:buNone/>
-              <a:defRPr sz="1000"/>
+            <a:lvl7pPr marL="2160270" indent="0">
+              <a:buNone/>
+              <a:defRPr sz="788"/>
             </a:lvl7pPr>
-            <a:lvl8pPr marL="3200400" indent="0">
-              <a:buNone/>
-              <a:defRPr sz="1000"/>
+            <a:lvl8pPr marL="2520315" indent="0">
+              <a:buNone/>
+              <a:defRPr sz="788"/>
             </a:lvl8pPr>
-            <a:lvl9pPr marL="3657600" indent="0">
-              <a:buNone/>
-              <a:defRPr sz="1000"/>
+            <a:lvl9pPr marL="2880360" indent="0">
+              <a:buNone/>
+              <a:defRPr sz="788"/>
             </a:lvl9pPr>
           </a:lstStyle>
           <a:p>
             <a:pPr lvl="0"/>
             <a:r>
-              <a:rPr lang="en-US"/>
-              <a:t>Click to edit Master text styles</a:t>
-            </a:r>
-          </a:p>
-        </p:txBody>
-      </p:sp>
-      <p:sp>
-        <p:nvSpPr>
-          <p:cNvPr id="5" name="Date Placeholder 4">
-            <a:extLst>
-              <a:ext uri="{FF2B5EF4-FFF2-40B4-BE49-F238E27FC236}">
-                <a16:creationId xmlns:a16="http://schemas.microsoft.com/office/drawing/2014/main" id="{234AB872-C1B5-46E6-AAC7-A82B1073FE23}"/>
-              </a:ext>
-            </a:extLst>
-          </p:cNvPr>
+              <a:rPr lang="da-DK"/>
+              <a:t>Klik for at redigere teksttypografierne i masteren</a:t>
+            </a:r>
+          </a:p>
+        </p:txBody>
+      </p:sp>
+      <p:sp>
+        <p:nvSpPr>
+          <p:cNvPr id="5" name="Date Placeholder 4"/>
           <p:cNvSpPr>
             <a:spLocks noGrp="1"/>
           </p:cNvSpPr>
@@ -2401,13 +2106,7 @@
       </p:sp>
       <p:sp>
         <p:nvSpPr>
-          <p:cNvPr id="6" name="Footer Placeholder 5">
-            <a:extLst>
-              <a:ext uri="{FF2B5EF4-FFF2-40B4-BE49-F238E27FC236}">
-                <a16:creationId xmlns:a16="http://schemas.microsoft.com/office/drawing/2014/main" id="{890D8942-95FB-4AD2-85C1-D329E3E91068}"/>
-              </a:ext>
-            </a:extLst>
-          </p:cNvPr>
+          <p:cNvPr id="6" name="Footer Placeholder 5"/>
           <p:cNvSpPr>
             <a:spLocks noGrp="1"/>
           </p:cNvSpPr>
@@ -2426,13 +2125,7 @@
       </p:sp>
       <p:sp>
         <p:nvSpPr>
-          <p:cNvPr id="7" name="Slide Number Placeholder 6">
-            <a:extLst>
-              <a:ext uri="{FF2B5EF4-FFF2-40B4-BE49-F238E27FC236}">
-                <a16:creationId xmlns:a16="http://schemas.microsoft.com/office/drawing/2014/main" id="{EDDF191A-15A3-44A5-B9E7-59B7C94DD92B}"/>
-              </a:ext>
-            </a:extLst>
-          </p:cNvPr>
+          <p:cNvPr id="7" name="Slide Number Placeholder 6"/>
           <p:cNvSpPr>
             <a:spLocks noGrp="1"/>
           </p:cNvSpPr>
@@ -2456,7 +2149,7 @@
     </p:spTree>
     <p:extLst>
       <p:ext uri="{BB962C8B-B14F-4D97-AF65-F5344CB8AC3E}">
-        <p14:creationId xmlns:p14="http://schemas.microsoft.com/office/powerpoint/2010/main" val="2329076077"/>
+        <p14:creationId xmlns:p14="http://schemas.microsoft.com/office/powerpoint/2010/main" val="407384523"/>
       </p:ext>
     </p:extLst>
   </p:cSld>
@@ -2468,7 +2161,7 @@
 
 <file path=ppt/slideLayouts/slideLayout9.xml><?xml version="1.0" encoding="utf-8"?>
 <p:sldLayout xmlns:a="http://schemas.openxmlformats.org/drawingml/2006/main" xmlns:r="http://schemas.openxmlformats.org/officeDocument/2006/relationships" xmlns:p="http://schemas.openxmlformats.org/presentationml/2006/main" type="picTx" preserve="1">
-  <p:cSld name="Picture with Caption">
+  <p:cSld name="Billede med billedtekst">
     <p:spTree>
       <p:nvGrpSpPr>
         <p:cNvPr id="1" name=""/>
@@ -2485,13 +2178,7 @@
       </p:grpSpPr>
       <p:sp>
         <p:nvSpPr>
-          <p:cNvPr id="2" name="Title 1">
-            <a:extLst>
-              <a:ext uri="{FF2B5EF4-FFF2-40B4-BE49-F238E27FC236}">
-                <a16:creationId xmlns:a16="http://schemas.microsoft.com/office/drawing/2014/main" id="{77BA2042-91A2-469B-B2D6-2CA1C9DE9305}"/>
-              </a:ext>
-            </a:extLst>
-          </p:cNvPr>
+          <p:cNvPr id="2" name="Title 1"/>
           <p:cNvSpPr>
             <a:spLocks noGrp="1"/>
           </p:cNvSpPr>
@@ -2501,37 +2188,31 @@
         </p:nvSpPr>
         <p:spPr>
           <a:xfrm>
-            <a:off x="839788" y="457200"/>
-            <a:ext cx="3932237" cy="1600200"/>
+            <a:off x="694356" y="360045"/>
+            <a:ext cx="3251264" cy="1260158"/>
           </a:xfrm>
         </p:spPr>
         <p:txBody>
           <a:bodyPr anchor="b"/>
           <a:lstStyle>
             <a:lvl1pPr>
-              <a:defRPr sz="3200"/>
+              <a:defRPr sz="2520"/>
             </a:lvl1pPr>
           </a:lstStyle>
           <a:p>
             <a:r>
-              <a:rPr lang="en-US"/>
-              <a:t>Click to edit Master title style</a:t>
-            </a:r>
-            <a:endParaRPr lang="en-GB"/>
-          </a:p>
-        </p:txBody>
-      </p:sp>
-      <p:sp>
-        <p:nvSpPr>
-          <p:cNvPr id="3" name="Picture Placeholder 2">
-            <a:extLst>
-              <a:ext uri="{FF2B5EF4-FFF2-40B4-BE49-F238E27FC236}">
-                <a16:creationId xmlns:a16="http://schemas.microsoft.com/office/drawing/2014/main" id="{48644876-4475-49E0-A10D-92A6D53355AF}"/>
-              </a:ext>
-            </a:extLst>
-          </p:cNvPr>
-          <p:cNvSpPr>
-            <a:spLocks noGrp="1"/>
+              <a:rPr lang="da-DK"/>
+              <a:t>Klik for at redigere titeltypografien i masteren</a:t>
+            </a:r>
+            <a:endParaRPr lang="en-US" dirty="0"/>
+          </a:p>
+        </p:txBody>
+      </p:sp>
+      <p:sp>
+        <p:nvSpPr>
+          <p:cNvPr id="3" name="Picture Placeholder 2"/>
+          <p:cNvSpPr>
+            <a:spLocks noGrp="1" noChangeAspect="1"/>
           </p:cNvSpPr>
           <p:nvPr>
             <p:ph type="pic" idx="1"/>
@@ -2539,64 +2220,62 @@
         </p:nvSpPr>
         <p:spPr>
           <a:xfrm>
-            <a:off x="5183188" y="987425"/>
-            <a:ext cx="6172200" cy="4873625"/>
+            <a:off x="4285579" y="777597"/>
+            <a:ext cx="5103316" cy="3837980"/>
           </a:xfrm>
         </p:spPr>
         <p:txBody>
-          <a:bodyPr/>
+          <a:bodyPr anchor="t"/>
           <a:lstStyle>
             <a:lvl1pPr marL="0" indent="0">
               <a:buNone/>
-              <a:defRPr sz="3200"/>
+              <a:defRPr sz="2520"/>
             </a:lvl1pPr>
-            <a:lvl2pPr marL="457200" indent="0">
-              <a:buNone/>
-              <a:defRPr sz="2800"/>
+            <a:lvl2pPr marL="360045" indent="0">
+              <a:buNone/>
+              <a:defRPr sz="2205"/>
             </a:lvl2pPr>
-            <a:lvl3pPr marL="914400" indent="0">
-              <a:buNone/>
-              <a:defRPr sz="2400"/>
+            <a:lvl3pPr marL="720090" indent="0">
+              <a:buNone/>
+              <a:defRPr sz="1890"/>
             </a:lvl3pPr>
-            <a:lvl4pPr marL="1371600" indent="0">
-              <a:buNone/>
-              <a:defRPr sz="2000"/>
+            <a:lvl4pPr marL="1080135" indent="0">
+              <a:buNone/>
+              <a:defRPr sz="1575"/>
             </a:lvl4pPr>
-            <a:lvl5pPr marL="1828800" indent="0">
-              <a:buNone/>
-              <a:defRPr sz="2000"/>
+            <a:lvl5pPr marL="1440180" indent="0">
+              <a:buNone/>
+              <a:defRPr sz="1575"/>
             </a:lvl5pPr>
-            <a:lvl6pPr marL="2286000" indent="0">
-              <a:buNone/>
-              <a:defRPr sz="2000"/>
+            <a:lvl6pPr marL="1800225" indent="0">
+              <a:buNone/>
+              <a:defRPr sz="1575"/>
             </a:lvl6pPr>
-            <a:lvl7pPr marL="2743200" indent="0">
-              <a:buNone/>
-              <a:defRPr sz="2000"/>
+            <a:lvl7pPr marL="2160270" indent="0">
+              <a:buNone/>
+              <a:defRPr sz="1575"/>
             </a:lvl7pPr>
-            <a:lvl8pPr marL="3200400" indent="0">
-              <a:buNone/>
-              <a:defRPr sz="2000"/>
+            <a:lvl8pPr marL="2520315" indent="0">
+              <a:buNone/>
+              <a:defRPr sz="1575"/>
             </a:lvl8pPr>
-            <a:lvl9pPr marL="3657600" indent="0">
-              <a:buNone/>
-              <a:defRPr sz="2000"/>
+            <a:lvl9pPr marL="2880360" indent="0">
+              <a:buNone/>
+              <a:defRPr sz="1575"/>
             </a:lvl9pPr>
           </a:lstStyle>
           <a:p>
-            <a:endParaRPr lang="en-GB"/>
-          </a:p>
-        </p:txBody>
-      </p:sp>
-      <p:sp>
-        <p:nvSpPr>
-          <p:cNvPr id="4" name="Text Placeholder 3">
-            <a:extLst>
-              <a:ext uri="{FF2B5EF4-FFF2-40B4-BE49-F238E27FC236}">
-                <a16:creationId xmlns:a16="http://schemas.microsoft.com/office/drawing/2014/main" id="{9FB56171-E18B-4175-A29C-670FBC4E99F1}"/>
-              </a:ext>
-            </a:extLst>
-          </p:cNvPr>
+            <a:r>
+              <a:rPr lang="da-DK"/>
+              <a:t>Klik på ikonet for at tilføje et billede</a:t>
+            </a:r>
+            <a:endParaRPr lang="en-US" dirty="0"/>
+          </a:p>
+        </p:txBody>
+      </p:sp>
+      <p:sp>
+        <p:nvSpPr>
+          <p:cNvPr id="4" name="Text Placeholder 3"/>
           <p:cNvSpPr>
             <a:spLocks noGrp="1"/>
           </p:cNvSpPr>
@@ -2606,8 +2285,8 @@
         </p:nvSpPr>
         <p:spPr>
           <a:xfrm>
-            <a:off x="839788" y="2057400"/>
-            <a:ext cx="3932237" cy="3811588"/>
+            <a:off x="694356" y="1620202"/>
+            <a:ext cx="3251264" cy="3001626"/>
           </a:xfrm>
         </p:spPr>
         <p:txBody>
@@ -2615,59 +2294,53 @@
           <a:lstStyle>
             <a:lvl1pPr marL="0" indent="0">
               <a:buNone/>
-              <a:defRPr sz="1600"/>
+              <a:defRPr sz="1260"/>
             </a:lvl1pPr>
-            <a:lvl2pPr marL="457200" indent="0">
-              <a:buNone/>
-              <a:defRPr sz="1400"/>
+            <a:lvl2pPr marL="360045" indent="0">
+              <a:buNone/>
+              <a:defRPr sz="1103"/>
             </a:lvl2pPr>
-            <a:lvl3pPr marL="914400" indent="0">
-              <a:buNone/>
-              <a:defRPr sz="1200"/>
+            <a:lvl3pPr marL="720090" indent="0">
+              <a:buNone/>
+              <a:defRPr sz="945"/>
             </a:lvl3pPr>
-            <a:lvl4pPr marL="1371600" indent="0">
-              <a:buNone/>
-              <a:defRPr sz="1000"/>
+            <a:lvl4pPr marL="1080135" indent="0">
+              <a:buNone/>
+              <a:defRPr sz="788"/>
             </a:lvl4pPr>
-            <a:lvl5pPr marL="1828800" indent="0">
-              <a:buNone/>
-              <a:defRPr sz="1000"/>
+            <a:lvl5pPr marL="1440180" indent="0">
+              <a:buNone/>
+              <a:defRPr sz="788"/>
             </a:lvl5pPr>
-            <a:lvl6pPr marL="2286000" indent="0">
-              <a:buNone/>
-              <a:defRPr sz="1000"/>
+            <a:lvl6pPr marL="1800225" indent="0">
+              <a:buNone/>
+              <a:defRPr sz="788"/>
             </a:lvl6pPr>
-            <a:lvl7pPr marL="2743200" indent="0">
-              <a:buNone/>
-              <a:defRPr sz="1000"/>
+            <a:lvl7pPr marL="2160270" indent="0">
+              <a:buNone/>
+              <a:defRPr sz="788"/>
             </a:lvl7pPr>
-            <a:lvl8pPr marL="3200400" indent="0">
-              <a:buNone/>
-              <a:defRPr sz="1000"/>
+            <a:lvl8pPr marL="2520315" indent="0">
+              <a:buNone/>
+              <a:defRPr sz="788"/>
             </a:lvl8pPr>
-            <a:lvl9pPr marL="3657600" indent="0">
-              <a:buNone/>
-              <a:defRPr sz="1000"/>
+            <a:lvl9pPr marL="2880360" indent="0">
+              <a:buNone/>
+              <a:defRPr sz="788"/>
             </a:lvl9pPr>
           </a:lstStyle>
           <a:p>
             <a:pPr lvl="0"/>
             <a:r>
-              <a:rPr lang="en-US"/>
-              <a:t>Click to edit Master text styles</a:t>
-            </a:r>
-          </a:p>
-        </p:txBody>
-      </p:sp>
-      <p:sp>
-        <p:nvSpPr>
-          <p:cNvPr id="5" name="Date Placeholder 4">
-            <a:extLst>
-              <a:ext uri="{FF2B5EF4-FFF2-40B4-BE49-F238E27FC236}">
-                <a16:creationId xmlns:a16="http://schemas.microsoft.com/office/drawing/2014/main" id="{50355DD4-90F2-45FF-8AE0-15BD1B3FE4A7}"/>
-              </a:ext>
-            </a:extLst>
-          </p:cNvPr>
+              <a:rPr lang="da-DK"/>
+              <a:t>Klik for at redigere teksttypografierne i masteren</a:t>
+            </a:r>
+          </a:p>
+        </p:txBody>
+      </p:sp>
+      <p:sp>
+        <p:nvSpPr>
+          <p:cNvPr id="5" name="Date Placeholder 4"/>
           <p:cNvSpPr>
             <a:spLocks noGrp="1"/>
           </p:cNvSpPr>
@@ -2690,13 +2363,7 @@
       </p:sp>
       <p:sp>
         <p:nvSpPr>
-          <p:cNvPr id="6" name="Footer Placeholder 5">
-            <a:extLst>
-              <a:ext uri="{FF2B5EF4-FFF2-40B4-BE49-F238E27FC236}">
-                <a16:creationId xmlns:a16="http://schemas.microsoft.com/office/drawing/2014/main" id="{87B0CCAB-8F5C-4171-B88A-84C7944593EC}"/>
-              </a:ext>
-            </a:extLst>
-          </p:cNvPr>
+          <p:cNvPr id="6" name="Footer Placeholder 5"/>
           <p:cNvSpPr>
             <a:spLocks noGrp="1"/>
           </p:cNvSpPr>
@@ -2715,13 +2382,7 @@
       </p:sp>
       <p:sp>
         <p:nvSpPr>
-          <p:cNvPr id="7" name="Slide Number Placeholder 6">
-            <a:extLst>
-              <a:ext uri="{FF2B5EF4-FFF2-40B4-BE49-F238E27FC236}">
-                <a16:creationId xmlns:a16="http://schemas.microsoft.com/office/drawing/2014/main" id="{8277925E-8314-4FF7-A56F-4FC50E2244B9}"/>
-              </a:ext>
-            </a:extLst>
-          </p:cNvPr>
+          <p:cNvPr id="7" name="Slide Number Placeholder 6"/>
           <p:cNvSpPr>
             <a:spLocks noGrp="1"/>
           </p:cNvSpPr>
@@ -2745,7 +2406,7 @@
     </p:spTree>
     <p:extLst>
       <p:ext uri="{BB962C8B-B14F-4D97-AF65-F5344CB8AC3E}">
-        <p14:creationId xmlns:p14="http://schemas.microsoft.com/office/powerpoint/2010/main" val="2262895590"/>
+        <p14:creationId xmlns:p14="http://schemas.microsoft.com/office/powerpoint/2010/main" val="3118723850"/>
       </p:ext>
     </p:extLst>
   </p:cSld>
@@ -2779,13 +2440,7 @@
       </p:grpSpPr>
       <p:sp>
         <p:nvSpPr>
-          <p:cNvPr id="2" name="Title Placeholder 1">
-            <a:extLst>
-              <a:ext uri="{FF2B5EF4-FFF2-40B4-BE49-F238E27FC236}">
-                <a16:creationId xmlns:a16="http://schemas.microsoft.com/office/drawing/2014/main" id="{7F39A6BD-6309-4E44-A508-9F2BDA246D2B}"/>
-              </a:ext>
-            </a:extLst>
-          </p:cNvPr>
+          <p:cNvPr id="2" name="Title Placeholder 1"/>
           <p:cNvSpPr>
             <a:spLocks noGrp="1"/>
           </p:cNvSpPr>
@@ -2795,8 +2450,8 @@
         </p:nvSpPr>
         <p:spPr>
           <a:xfrm>
-            <a:off x="838200" y="365125"/>
-            <a:ext cx="10515600" cy="1325563"/>
+            <a:off x="693043" y="287536"/>
+            <a:ext cx="8694539" cy="1043881"/>
           </a:xfrm>
           <a:prstGeom prst="rect">
             <a:avLst/>
@@ -2809,22 +2464,16 @@
           <a:lstStyle/>
           <a:p>
             <a:r>
-              <a:rPr lang="en-US"/>
-              <a:t>Click to edit Master title style</a:t>
-            </a:r>
-            <a:endParaRPr lang="en-GB"/>
-          </a:p>
-        </p:txBody>
-      </p:sp>
-      <p:sp>
-        <p:nvSpPr>
-          <p:cNvPr id="3" name="Text Placeholder 2">
-            <a:extLst>
-              <a:ext uri="{FF2B5EF4-FFF2-40B4-BE49-F238E27FC236}">
-                <a16:creationId xmlns:a16="http://schemas.microsoft.com/office/drawing/2014/main" id="{9BA9C6A3-EF79-44B9-BCEA-8C97E9AAAF79}"/>
-              </a:ext>
-            </a:extLst>
-          </p:cNvPr>
+              <a:rPr lang="da-DK"/>
+              <a:t>Klik for at redigere titeltypografien i masteren</a:t>
+            </a:r>
+            <a:endParaRPr lang="en-US" dirty="0"/>
+          </a:p>
+        </p:txBody>
+      </p:sp>
+      <p:sp>
+        <p:nvSpPr>
+          <p:cNvPr id="3" name="Text Placeholder 2"/>
           <p:cNvSpPr>
             <a:spLocks noGrp="1"/>
           </p:cNvSpPr>
@@ -2834,8 +2483,8 @@
         </p:nvSpPr>
         <p:spPr>
           <a:xfrm>
-            <a:off x="838200" y="1825625"/>
-            <a:ext cx="10515600" cy="4351338"/>
+            <a:off x="693043" y="1437680"/>
+            <a:ext cx="8694539" cy="3426679"/>
           </a:xfrm>
           <a:prstGeom prst="rect">
             <a:avLst/>
@@ -2849,50 +2498,44 @@
           <a:p>
             <a:pPr lvl="0"/>
             <a:r>
-              <a:rPr lang="en-US"/>
-              <a:t>Click to edit Master text styles</a:t>
+              <a:rPr lang="da-DK"/>
+              <a:t>Klik for at redigere teksttypografierne i masteren</a:t>
             </a:r>
           </a:p>
           <a:p>
             <a:pPr lvl="1"/>
             <a:r>
-              <a:rPr lang="en-US"/>
-              <a:t>Second level</a:t>
+              <a:rPr lang="da-DK"/>
+              <a:t>Andet niveau</a:t>
             </a:r>
           </a:p>
           <a:p>
             <a:pPr lvl="2"/>
             <a:r>
-              <a:rPr lang="en-US"/>
-              <a:t>Third level</a:t>
+              <a:rPr lang="da-DK"/>
+              <a:t>Tredje niveau</a:t>
             </a:r>
           </a:p>
           <a:p>
             <a:pPr lvl="3"/>
             <a:r>
-              <a:rPr lang="en-US"/>
-              <a:t>Fourth level</a:t>
+              <a:rPr lang="da-DK"/>
+              <a:t>Fjerde niveau</a:t>
             </a:r>
           </a:p>
           <a:p>
             <a:pPr lvl="4"/>
             <a:r>
-              <a:rPr lang="en-US"/>
-              <a:t>Fifth level</a:t>
-            </a:r>
-            <a:endParaRPr lang="en-GB"/>
-          </a:p>
-        </p:txBody>
-      </p:sp>
-      <p:sp>
-        <p:nvSpPr>
-          <p:cNvPr id="4" name="Date Placeholder 3">
-            <a:extLst>
-              <a:ext uri="{FF2B5EF4-FFF2-40B4-BE49-F238E27FC236}">
-                <a16:creationId xmlns:a16="http://schemas.microsoft.com/office/drawing/2014/main" id="{0D7F4EE6-E9A5-4319-ABBA-7A2F6D94BB21}"/>
-              </a:ext>
-            </a:extLst>
-          </p:cNvPr>
+              <a:rPr lang="da-DK"/>
+              <a:t>Femte niveau</a:t>
+            </a:r>
+            <a:endParaRPr lang="en-US" dirty="0"/>
+          </a:p>
+        </p:txBody>
+      </p:sp>
+      <p:sp>
+        <p:nvSpPr>
+          <p:cNvPr id="4" name="Date Placeholder 3"/>
           <p:cNvSpPr>
             <a:spLocks noGrp="1"/>
           </p:cNvSpPr>
@@ -2902,8 +2545,8 @@
         </p:nvSpPr>
         <p:spPr>
           <a:xfrm>
-            <a:off x="838200" y="6356350"/>
-            <a:ext cx="2743200" cy="365125"/>
+            <a:off x="693043" y="5005626"/>
+            <a:ext cx="2268141" cy="287536"/>
           </a:xfrm>
           <a:prstGeom prst="rect">
             <a:avLst/>
@@ -2913,7 +2556,7 @@
           <a:bodyPr vert="horz" lIns="91440" tIns="45720" rIns="91440" bIns="45720" rtlCol="0" anchor="ctr"/>
           <a:lstStyle>
             <a:lvl1pPr algn="l">
-              <a:defRPr sz="1200">
+              <a:defRPr sz="945">
                 <a:solidFill>
                   <a:schemeClr val="tx1">
                     <a:tint val="75000"/>
@@ -2933,13 +2576,7 @@
       </p:sp>
       <p:sp>
         <p:nvSpPr>
-          <p:cNvPr id="5" name="Footer Placeholder 4">
-            <a:extLst>
-              <a:ext uri="{FF2B5EF4-FFF2-40B4-BE49-F238E27FC236}">
-                <a16:creationId xmlns:a16="http://schemas.microsoft.com/office/drawing/2014/main" id="{16FDC3B8-4983-437E-8969-95687CCC8381}"/>
-              </a:ext>
-            </a:extLst>
-          </p:cNvPr>
+          <p:cNvPr id="5" name="Footer Placeholder 4"/>
           <p:cNvSpPr>
             <a:spLocks noGrp="1"/>
           </p:cNvSpPr>
@@ -2949,8 +2586,8 @@
         </p:nvSpPr>
         <p:spPr>
           <a:xfrm>
-            <a:off x="4038600" y="6356350"/>
-            <a:ext cx="4114800" cy="365125"/>
+            <a:off x="3339207" y="5005626"/>
+            <a:ext cx="3402211" cy="287536"/>
           </a:xfrm>
           <a:prstGeom prst="rect">
             <a:avLst/>
@@ -2960,7 +2597,7 @@
           <a:bodyPr vert="horz" lIns="91440" tIns="45720" rIns="91440" bIns="45720" rtlCol="0" anchor="ctr"/>
           <a:lstStyle>
             <a:lvl1pPr algn="ctr">
-              <a:defRPr sz="1200">
+              <a:defRPr sz="945">
                 <a:solidFill>
                   <a:schemeClr val="tx1">
                     <a:tint val="75000"/>
@@ -2976,13 +2613,7 @@
       </p:sp>
       <p:sp>
         <p:nvSpPr>
-          <p:cNvPr id="6" name="Slide Number Placeholder 5">
-            <a:extLst>
-              <a:ext uri="{FF2B5EF4-FFF2-40B4-BE49-F238E27FC236}">
-                <a16:creationId xmlns:a16="http://schemas.microsoft.com/office/drawing/2014/main" id="{71EAE4F2-421E-4D0A-A66D-EF94BE86E3ED}"/>
-              </a:ext>
-            </a:extLst>
-          </p:cNvPr>
+          <p:cNvPr id="6" name="Slide Number Placeholder 5"/>
           <p:cNvSpPr>
             <a:spLocks noGrp="1"/>
           </p:cNvSpPr>
@@ -2992,8 +2623,8 @@
         </p:nvSpPr>
         <p:spPr>
           <a:xfrm>
-            <a:off x="8610600" y="6356350"/>
-            <a:ext cx="2743200" cy="365125"/>
+            <a:off x="7119441" y="5005626"/>
+            <a:ext cx="2268141" cy="287536"/>
           </a:xfrm>
           <a:prstGeom prst="rect">
             <a:avLst/>
@@ -3003,7 +2634,7 @@
           <a:bodyPr vert="horz" lIns="91440" tIns="45720" rIns="91440" bIns="45720" rtlCol="0" anchor="ctr"/>
           <a:lstStyle>
             <a:lvl1pPr algn="r">
-              <a:defRPr sz="1200">
+              <a:defRPr sz="945">
                 <a:solidFill>
                   <a:schemeClr val="tx1">
                     <a:tint val="75000"/>
@@ -3024,27 +2655,27 @@
     </p:spTree>
     <p:extLst>
       <p:ext uri="{BB962C8B-B14F-4D97-AF65-F5344CB8AC3E}">
-        <p14:creationId xmlns:p14="http://schemas.microsoft.com/office/powerpoint/2010/main" val="632687024"/>
+        <p14:creationId xmlns:p14="http://schemas.microsoft.com/office/powerpoint/2010/main" val="3510566990"/>
       </p:ext>
     </p:extLst>
   </p:cSld>
   <p:clrMap bg1="lt1" tx1="dk1" bg2="lt2" tx2="dk2" accent1="accent1" accent2="accent2" accent3="accent3" accent4="accent4" accent5="accent5" accent6="accent6" hlink="hlink" folHlink="folHlink"/>
   <p:sldLayoutIdLst>
-    <p:sldLayoutId id="2147483649" r:id="rId1"/>
-    <p:sldLayoutId id="2147483650" r:id="rId2"/>
-    <p:sldLayoutId id="2147483651" r:id="rId3"/>
-    <p:sldLayoutId id="2147483652" r:id="rId4"/>
-    <p:sldLayoutId id="2147483653" r:id="rId5"/>
-    <p:sldLayoutId id="2147483654" r:id="rId6"/>
-    <p:sldLayoutId id="2147483655" r:id="rId7"/>
-    <p:sldLayoutId id="2147483656" r:id="rId8"/>
-    <p:sldLayoutId id="2147483657" r:id="rId9"/>
-    <p:sldLayoutId id="2147483658" r:id="rId10"/>
-    <p:sldLayoutId id="2147483659" r:id="rId11"/>
+    <p:sldLayoutId id="2147483661" r:id="rId1"/>
+    <p:sldLayoutId id="2147483662" r:id="rId2"/>
+    <p:sldLayoutId id="2147483663" r:id="rId3"/>
+    <p:sldLayoutId id="2147483664" r:id="rId4"/>
+    <p:sldLayoutId id="2147483665" r:id="rId5"/>
+    <p:sldLayoutId id="2147483666" r:id="rId6"/>
+    <p:sldLayoutId id="2147483667" r:id="rId7"/>
+    <p:sldLayoutId id="2147483668" r:id="rId8"/>
+    <p:sldLayoutId id="2147483669" r:id="rId9"/>
+    <p:sldLayoutId id="2147483670" r:id="rId10"/>
+    <p:sldLayoutId id="2147483671" r:id="rId11"/>
   </p:sldLayoutIdLst>
   <p:txStyles>
     <p:titleStyle>
-      <a:lvl1pPr algn="l" defTabSz="914400" rtl="0" eaLnBrk="1" latinLnBrk="0" hangingPunct="1">
+      <a:lvl1pPr algn="l" defTabSz="720090" rtl="0" eaLnBrk="1" latinLnBrk="0" hangingPunct="1">
         <a:lnSpc>
           <a:spcPct val="90000"/>
         </a:lnSpc>
@@ -3052,7 +2683,7 @@
           <a:spcPct val="0"/>
         </a:spcBef>
         <a:buNone/>
-        <a:defRPr sz="4400" kern="1200">
+        <a:defRPr sz="3465" kern="1200">
           <a:solidFill>
             <a:schemeClr val="tx1"/>
           </a:solidFill>
@@ -3063,16 +2694,16 @@
       </a:lvl1pPr>
     </p:titleStyle>
     <p:bodyStyle>
-      <a:lvl1pPr marL="228600" indent="-228600" algn="l" defTabSz="914400" rtl="0" eaLnBrk="1" latinLnBrk="0" hangingPunct="1">
+      <a:lvl1pPr marL="180023" indent="-180023" algn="l" defTabSz="720090" rtl="0" eaLnBrk="1" latinLnBrk="0" hangingPunct="1">
         <a:lnSpc>
           <a:spcPct val="90000"/>
         </a:lnSpc>
         <a:spcBef>
-          <a:spcPts val="1000"/>
+          <a:spcPts val="788"/>
         </a:spcBef>
         <a:buFont typeface="Arial" panose="020B0604020202020204" pitchFamily="34" charset="0"/>
         <a:buChar char="•"/>
-        <a:defRPr sz="2800" kern="1200">
+        <a:defRPr sz="2205" kern="1200">
           <a:solidFill>
             <a:schemeClr val="tx1"/>
           </a:solidFill>
@@ -3081,16 +2712,16 @@
           <a:cs typeface="+mn-cs"/>
         </a:defRPr>
       </a:lvl1pPr>
-      <a:lvl2pPr marL="685800" indent="-228600" algn="l" defTabSz="914400" rtl="0" eaLnBrk="1" latinLnBrk="0" hangingPunct="1">
+      <a:lvl2pPr marL="540068" indent="-180023" algn="l" defTabSz="720090" rtl="0" eaLnBrk="1" latinLnBrk="0" hangingPunct="1">
         <a:lnSpc>
           <a:spcPct val="90000"/>
         </a:lnSpc>
         <a:spcBef>
-          <a:spcPts val="500"/>
+          <a:spcPts val="394"/>
         </a:spcBef>
         <a:buFont typeface="Arial" panose="020B0604020202020204" pitchFamily="34" charset="0"/>
         <a:buChar char="•"/>
-        <a:defRPr sz="2400" kern="1200">
+        <a:defRPr sz="1890" kern="1200">
           <a:solidFill>
             <a:schemeClr val="tx1"/>
           </a:solidFill>
@@ -3099,16 +2730,16 @@
           <a:cs typeface="+mn-cs"/>
         </a:defRPr>
       </a:lvl2pPr>
-      <a:lvl3pPr marL="1143000" indent="-228600" algn="l" defTabSz="914400" rtl="0" eaLnBrk="1" latinLnBrk="0" hangingPunct="1">
+      <a:lvl3pPr marL="900113" indent="-180023" algn="l" defTabSz="720090" rtl="0" eaLnBrk="1" latinLnBrk="0" hangingPunct="1">
         <a:lnSpc>
           <a:spcPct val="90000"/>
         </a:lnSpc>
         <a:spcBef>
-          <a:spcPts val="500"/>
+          <a:spcPts val="394"/>
         </a:spcBef>
         <a:buFont typeface="Arial" panose="020B0604020202020204" pitchFamily="34" charset="0"/>
         <a:buChar char="•"/>
-        <a:defRPr sz="2000" kern="1200">
+        <a:defRPr sz="1575" kern="1200">
           <a:solidFill>
             <a:schemeClr val="tx1"/>
           </a:solidFill>
@@ -3117,16 +2748,16 @@
           <a:cs typeface="+mn-cs"/>
         </a:defRPr>
       </a:lvl3pPr>
-      <a:lvl4pPr marL="1600200" indent="-228600" algn="l" defTabSz="914400" rtl="0" eaLnBrk="1" latinLnBrk="0" hangingPunct="1">
+      <a:lvl4pPr marL="1260158" indent="-180023" algn="l" defTabSz="720090" rtl="0" eaLnBrk="1" latinLnBrk="0" hangingPunct="1">
         <a:lnSpc>
           <a:spcPct val="90000"/>
         </a:lnSpc>
         <a:spcBef>
-          <a:spcPts val="500"/>
+          <a:spcPts val="394"/>
         </a:spcBef>
         <a:buFont typeface="Arial" panose="020B0604020202020204" pitchFamily="34" charset="0"/>
         <a:buChar char="•"/>
-        <a:defRPr sz="1800" kern="1200">
+        <a:defRPr sz="1418" kern="1200">
           <a:solidFill>
             <a:schemeClr val="tx1"/>
           </a:solidFill>
@@ -3135,16 +2766,16 @@
           <a:cs typeface="+mn-cs"/>
         </a:defRPr>
       </a:lvl4pPr>
-      <a:lvl5pPr marL="2057400" indent="-228600" algn="l" defTabSz="914400" rtl="0" eaLnBrk="1" latinLnBrk="0" hangingPunct="1">
+      <a:lvl5pPr marL="1620203" indent="-180023" algn="l" defTabSz="720090" rtl="0" eaLnBrk="1" latinLnBrk="0" hangingPunct="1">
         <a:lnSpc>
           <a:spcPct val="90000"/>
         </a:lnSpc>
         <a:spcBef>
-          <a:spcPts val="500"/>
+          <a:spcPts val="394"/>
         </a:spcBef>
         <a:buFont typeface="Arial" panose="020B0604020202020204" pitchFamily="34" charset="0"/>
         <a:buChar char="•"/>
-        <a:defRPr sz="1800" kern="1200">
+        <a:defRPr sz="1418" kern="1200">
           <a:solidFill>
             <a:schemeClr val="tx1"/>
           </a:solidFill>
@@ -3153,16 +2784,16 @@
           <a:cs typeface="+mn-cs"/>
         </a:defRPr>
       </a:lvl5pPr>
-      <a:lvl6pPr marL="2514600" indent="-228600" algn="l" defTabSz="914400" rtl="0" eaLnBrk="1" latinLnBrk="0" hangingPunct="1">
+      <a:lvl6pPr marL="1980248" indent="-180023" algn="l" defTabSz="720090" rtl="0" eaLnBrk="1" latinLnBrk="0" hangingPunct="1">
         <a:lnSpc>
           <a:spcPct val="90000"/>
         </a:lnSpc>
         <a:spcBef>
-          <a:spcPts val="500"/>
+          <a:spcPts val="394"/>
         </a:spcBef>
         <a:buFont typeface="Arial" panose="020B0604020202020204" pitchFamily="34" charset="0"/>
         <a:buChar char="•"/>
-        <a:defRPr sz="1800" kern="1200">
+        <a:defRPr sz="1418" kern="1200">
           <a:solidFill>
             <a:schemeClr val="tx1"/>
           </a:solidFill>
@@ -3171,16 +2802,16 @@
           <a:cs typeface="+mn-cs"/>
         </a:defRPr>
       </a:lvl6pPr>
-      <a:lvl7pPr marL="2971800" indent="-228600" algn="l" defTabSz="914400" rtl="0" eaLnBrk="1" latinLnBrk="0" hangingPunct="1">
+      <a:lvl7pPr marL="2340293" indent="-180023" algn="l" defTabSz="720090" rtl="0" eaLnBrk="1" latinLnBrk="0" hangingPunct="1">
         <a:lnSpc>
           <a:spcPct val="90000"/>
         </a:lnSpc>
         <a:spcBef>
-          <a:spcPts val="500"/>
+          <a:spcPts val="394"/>
         </a:spcBef>
         <a:buFont typeface="Arial" panose="020B0604020202020204" pitchFamily="34" charset="0"/>
         <a:buChar char="•"/>
-        <a:defRPr sz="1800" kern="1200">
+        <a:defRPr sz="1418" kern="1200">
           <a:solidFill>
             <a:schemeClr val="tx1"/>
           </a:solidFill>
@@ -3189,16 +2820,16 @@
           <a:cs typeface="+mn-cs"/>
         </a:defRPr>
       </a:lvl7pPr>
-      <a:lvl8pPr marL="3429000" indent="-228600" algn="l" defTabSz="914400" rtl="0" eaLnBrk="1" latinLnBrk="0" hangingPunct="1">
+      <a:lvl8pPr marL="2700338" indent="-180023" algn="l" defTabSz="720090" rtl="0" eaLnBrk="1" latinLnBrk="0" hangingPunct="1">
         <a:lnSpc>
           <a:spcPct val="90000"/>
         </a:lnSpc>
         <a:spcBef>
-          <a:spcPts val="500"/>
+          <a:spcPts val="394"/>
         </a:spcBef>
         <a:buFont typeface="Arial" panose="020B0604020202020204" pitchFamily="34" charset="0"/>
         <a:buChar char="•"/>
-        <a:defRPr sz="1800" kern="1200">
+        <a:defRPr sz="1418" kern="1200">
           <a:solidFill>
             <a:schemeClr val="tx1"/>
           </a:solidFill>
@@ -3207,16 +2838,16 @@
           <a:cs typeface="+mn-cs"/>
         </a:defRPr>
       </a:lvl8pPr>
-      <a:lvl9pPr marL="3886200" indent="-228600" algn="l" defTabSz="914400" rtl="0" eaLnBrk="1" latinLnBrk="0" hangingPunct="1">
+      <a:lvl9pPr marL="3060383" indent="-180023" algn="l" defTabSz="720090" rtl="0" eaLnBrk="1" latinLnBrk="0" hangingPunct="1">
         <a:lnSpc>
           <a:spcPct val="90000"/>
         </a:lnSpc>
         <a:spcBef>
-          <a:spcPts val="500"/>
+          <a:spcPts val="394"/>
         </a:spcBef>
         <a:buFont typeface="Arial" panose="020B0604020202020204" pitchFamily="34" charset="0"/>
         <a:buChar char="•"/>
-        <a:defRPr sz="1800" kern="1200">
+        <a:defRPr sz="1418" kern="1200">
           <a:solidFill>
             <a:schemeClr val="tx1"/>
           </a:solidFill>
@@ -3228,10 +2859,10 @@
     </p:bodyStyle>
     <p:otherStyle>
       <a:defPPr>
-        <a:defRPr lang="LID4096"/>
+        <a:defRPr lang="en-US"/>
       </a:defPPr>
-      <a:lvl1pPr marL="0" algn="l" defTabSz="914400" rtl="0" eaLnBrk="1" latinLnBrk="0" hangingPunct="1">
-        <a:defRPr sz="1800" kern="1200">
+      <a:lvl1pPr marL="0" algn="l" defTabSz="720090" rtl="0" eaLnBrk="1" latinLnBrk="0" hangingPunct="1">
+        <a:defRPr sz="1418" kern="1200">
           <a:solidFill>
             <a:schemeClr val="tx1"/>
           </a:solidFill>
@@ -3240,8 +2871,8 @@
           <a:cs typeface="+mn-cs"/>
         </a:defRPr>
       </a:lvl1pPr>
-      <a:lvl2pPr marL="457200" algn="l" defTabSz="914400" rtl="0" eaLnBrk="1" latinLnBrk="0" hangingPunct="1">
-        <a:defRPr sz="1800" kern="1200">
+      <a:lvl2pPr marL="360045" algn="l" defTabSz="720090" rtl="0" eaLnBrk="1" latinLnBrk="0" hangingPunct="1">
+        <a:defRPr sz="1418" kern="1200">
           <a:solidFill>
             <a:schemeClr val="tx1"/>
           </a:solidFill>
@@ -3250,8 +2881,8 @@
           <a:cs typeface="+mn-cs"/>
         </a:defRPr>
       </a:lvl2pPr>
-      <a:lvl3pPr marL="914400" algn="l" defTabSz="914400" rtl="0" eaLnBrk="1" latinLnBrk="0" hangingPunct="1">
-        <a:defRPr sz="1800" kern="1200">
+      <a:lvl3pPr marL="720090" algn="l" defTabSz="720090" rtl="0" eaLnBrk="1" latinLnBrk="0" hangingPunct="1">
+        <a:defRPr sz="1418" kern="1200">
           <a:solidFill>
             <a:schemeClr val="tx1"/>
           </a:solidFill>
@@ -3260,8 +2891,8 @@
           <a:cs typeface="+mn-cs"/>
         </a:defRPr>
       </a:lvl3pPr>
-      <a:lvl4pPr marL="1371600" algn="l" defTabSz="914400" rtl="0" eaLnBrk="1" latinLnBrk="0" hangingPunct="1">
-        <a:defRPr sz="1800" kern="1200">
+      <a:lvl4pPr marL="1080135" algn="l" defTabSz="720090" rtl="0" eaLnBrk="1" latinLnBrk="0" hangingPunct="1">
+        <a:defRPr sz="1418" kern="1200">
           <a:solidFill>
             <a:schemeClr val="tx1"/>
           </a:solidFill>
@@ -3270,8 +2901,8 @@
           <a:cs typeface="+mn-cs"/>
         </a:defRPr>
       </a:lvl4pPr>
-      <a:lvl5pPr marL="1828800" algn="l" defTabSz="914400" rtl="0" eaLnBrk="1" latinLnBrk="0" hangingPunct="1">
-        <a:defRPr sz="1800" kern="1200">
+      <a:lvl5pPr marL="1440180" algn="l" defTabSz="720090" rtl="0" eaLnBrk="1" latinLnBrk="0" hangingPunct="1">
+        <a:defRPr sz="1418" kern="1200">
           <a:solidFill>
             <a:schemeClr val="tx1"/>
           </a:solidFill>
@@ -3280,8 +2911,8 @@
           <a:cs typeface="+mn-cs"/>
         </a:defRPr>
       </a:lvl5pPr>
-      <a:lvl6pPr marL="2286000" algn="l" defTabSz="914400" rtl="0" eaLnBrk="1" latinLnBrk="0" hangingPunct="1">
-        <a:defRPr sz="1800" kern="1200">
+      <a:lvl6pPr marL="1800225" algn="l" defTabSz="720090" rtl="0" eaLnBrk="1" latinLnBrk="0" hangingPunct="1">
+        <a:defRPr sz="1418" kern="1200">
           <a:solidFill>
             <a:schemeClr val="tx1"/>
           </a:solidFill>
@@ -3290,8 +2921,8 @@
           <a:cs typeface="+mn-cs"/>
         </a:defRPr>
       </a:lvl6pPr>
-      <a:lvl7pPr marL="2743200" algn="l" defTabSz="914400" rtl="0" eaLnBrk="1" latinLnBrk="0" hangingPunct="1">
-        <a:defRPr sz="1800" kern="1200">
+      <a:lvl7pPr marL="2160270" algn="l" defTabSz="720090" rtl="0" eaLnBrk="1" latinLnBrk="0" hangingPunct="1">
+        <a:defRPr sz="1418" kern="1200">
           <a:solidFill>
             <a:schemeClr val="tx1"/>
           </a:solidFill>
@@ -3300,8 +2931,8 @@
           <a:cs typeface="+mn-cs"/>
         </a:defRPr>
       </a:lvl7pPr>
-      <a:lvl8pPr marL="3200400" algn="l" defTabSz="914400" rtl="0" eaLnBrk="1" latinLnBrk="0" hangingPunct="1">
-        <a:defRPr sz="1800" kern="1200">
+      <a:lvl8pPr marL="2520315" algn="l" defTabSz="720090" rtl="0" eaLnBrk="1" latinLnBrk="0" hangingPunct="1">
+        <a:defRPr sz="1418" kern="1200">
           <a:solidFill>
             <a:schemeClr val="tx1"/>
           </a:solidFill>
@@ -3310,8 +2941,8 @@
           <a:cs typeface="+mn-cs"/>
         </a:defRPr>
       </a:lvl8pPr>
-      <a:lvl9pPr marL="3657600" algn="l" defTabSz="914400" rtl="0" eaLnBrk="1" latinLnBrk="0" hangingPunct="1">
-        <a:defRPr sz="1800" kern="1200">
+      <a:lvl9pPr marL="2880360" algn="l" defTabSz="720090" rtl="0" eaLnBrk="1" latinLnBrk="0" hangingPunct="1">
+        <a:defRPr sz="1418" kern="1200">
           <a:solidFill>
             <a:schemeClr val="tx1"/>
           </a:solidFill>
@@ -3369,7 +3000,7 @@
         </p:blipFill>
         <p:spPr>
           <a:xfrm>
-            <a:off x="1089287" y="996143"/>
+            <a:off x="89016" y="350604"/>
             <a:ext cx="3365503" cy="4712248"/>
           </a:xfrm>
           <a:prstGeom prst="rect">
@@ -3404,7 +3035,7 @@
         </p:blipFill>
         <p:spPr>
           <a:xfrm>
-            <a:off x="8245186" y="996143"/>
+            <a:off x="7244915" y="350604"/>
             <a:ext cx="2771201" cy="4712248"/>
           </a:xfrm>
           <a:prstGeom prst="rect">
@@ -3426,7 +3057,7 @@
         </p:nvSpPr>
         <p:spPr>
           <a:xfrm>
-            <a:off x="4474600" y="1060385"/>
+            <a:off x="3474328" y="414846"/>
             <a:ext cx="3653564" cy="446276"/>
           </a:xfrm>
           <a:prstGeom prst="rect">
@@ -3464,7 +3095,7 @@
         </p:nvSpPr>
         <p:spPr>
           <a:xfrm>
-            <a:off x="4474600" y="1704109"/>
+            <a:off x="3474329" y="1058571"/>
             <a:ext cx="3770585" cy="3851563"/>
           </a:xfrm>
           <a:prstGeom prst="rect">
@@ -3685,7 +3316,7 @@
 <file path=ppt/theme/theme1.xml><?xml version="1.0" encoding="utf-8"?>
 <a:theme xmlns:a="http://schemas.openxmlformats.org/drawingml/2006/main" name="Office Theme">
   <a:themeElements>
-    <a:clrScheme name="Office">
+    <a:clrScheme name="Office-tema">
       <a:dk1>
         <a:sysClr val="windowText" lastClr="000000"/>
       </a:dk1>
@@ -3723,7 +3354,7 @@
         <a:srgbClr val="954F72"/>
       </a:folHlink>
     </a:clrScheme>
-    <a:fontScheme name="Office">
+    <a:fontScheme name="Office-tema">
       <a:majorFont>
         <a:latin typeface="Calibri Light" panose="020F0302020204030204"/>
         <a:ea typeface=""/>
@@ -3758,23 +3389,6 @@
         <a:font script="Viet" typeface="Times New Roman"/>
         <a:font script="Uigh" typeface="Microsoft Uighur"/>
         <a:font script="Geor" typeface="Sylfaen"/>
-        <a:font script="Armn" typeface="Arial"/>
-        <a:font script="Bugi" typeface="Leelawadee UI"/>
-        <a:font script="Bopo" typeface="Microsoft JhengHei"/>
-        <a:font script="Java" typeface="Javanese Text"/>
-        <a:font script="Lisu" typeface="Segoe UI"/>
-        <a:font script="Mymr" typeface="Myanmar Text"/>
-        <a:font script="Nkoo" typeface="Ebrima"/>
-        <a:font script="Olck" typeface="Nirmala UI"/>
-        <a:font script="Osma" typeface="Ebrima"/>
-        <a:font script="Phag" typeface="Phagspa"/>
-        <a:font script="Syrn" typeface="Estrangelo Edessa"/>
-        <a:font script="Syrj" typeface="Estrangelo Edessa"/>
-        <a:font script="Syre" typeface="Estrangelo Edessa"/>
-        <a:font script="Sora" typeface="Nirmala UI"/>
-        <a:font script="Tale" typeface="Microsoft Tai Le"/>
-        <a:font script="Talu" typeface="Microsoft New Tai Lue"/>
-        <a:font script="Tfng" typeface="Ebrima"/>
       </a:majorFont>
       <a:minorFont>
         <a:latin typeface="Calibri" panose="020F0502020204030204"/>
@@ -3810,26 +3424,9 @@
         <a:font script="Viet" typeface="Arial"/>
         <a:font script="Uigh" typeface="Microsoft Uighur"/>
         <a:font script="Geor" typeface="Sylfaen"/>
-        <a:font script="Armn" typeface="Arial"/>
-        <a:font script="Bugi" typeface="Leelawadee UI"/>
-        <a:font script="Bopo" typeface="Microsoft JhengHei"/>
-        <a:font script="Java" typeface="Javanese Text"/>
-        <a:font script="Lisu" typeface="Segoe UI"/>
-        <a:font script="Mymr" typeface="Myanmar Text"/>
-        <a:font script="Nkoo" typeface="Ebrima"/>
-        <a:font script="Olck" typeface="Nirmala UI"/>
-        <a:font script="Osma" typeface="Ebrima"/>
-        <a:font script="Phag" typeface="Phagspa"/>
-        <a:font script="Syrn" typeface="Estrangelo Edessa"/>
-        <a:font script="Syrj" typeface="Estrangelo Edessa"/>
-        <a:font script="Syre" typeface="Estrangelo Edessa"/>
-        <a:font script="Sora" typeface="Nirmala UI"/>
-        <a:font script="Tale" typeface="Microsoft Tai Le"/>
-        <a:font script="Talu" typeface="Microsoft New Tai Lue"/>
-        <a:font script="Tfng" typeface="Ebrima"/>
       </a:minorFont>
     </a:fontScheme>
-    <a:fmtScheme name="Office">
+    <a:fmtScheme name="Office-tema">
       <a:fillStyleLst>
         <a:solidFill>
           <a:schemeClr val="phClr"/>

--- a/images/bruteforce-figure.pptx
+++ b/images/bruteforce-figure.pptx
@@ -2,12 +2,12 @@
 <file path=ppt/presentation.xml><?xml version="1.0" encoding="utf-8"?>
 <p:presentation xmlns:a="http://schemas.openxmlformats.org/drawingml/2006/main" xmlns:r="http://schemas.openxmlformats.org/officeDocument/2006/relationships" xmlns:p="http://schemas.openxmlformats.org/presentationml/2006/main" saveSubsetFonts="1">
   <p:sldMasterIdLst>
-    <p:sldMasterId id="2147483660" r:id="rId1"/>
+    <p:sldMasterId id="2147483672" r:id="rId1"/>
   </p:sldMasterIdLst>
   <p:sldIdLst>
     <p:sldId id="256" r:id="rId2"/>
   </p:sldIdLst>
-  <p:sldSz cx="10080625" cy="5400675"/>
+  <p:sldSz cx="10080625" cy="4679950"/>
   <p:notesSz cx="6858000" cy="9144000"/>
   <p:defaultTextStyle>
     <a:defPPr>
@@ -141,15 +141,15 @@
         </p:nvSpPr>
         <p:spPr>
           <a:xfrm>
-            <a:off x="1260078" y="883861"/>
-            <a:ext cx="7560469" cy="1880235"/>
+            <a:off x="1260078" y="765909"/>
+            <a:ext cx="7560469" cy="1629316"/>
           </a:xfrm>
         </p:spPr>
         <p:txBody>
           <a:bodyPr anchor="b"/>
           <a:lstStyle>
             <a:lvl1pPr algn="ctr">
-              <a:defRPr sz="4725"/>
+              <a:defRPr sz="4094"/>
             </a:lvl1pPr>
           </a:lstStyle>
           <a:p>
@@ -173,8 +173,8 @@
         </p:nvSpPr>
         <p:spPr>
           <a:xfrm>
-            <a:off x="1260078" y="2836605"/>
-            <a:ext cx="7560469" cy="1303913"/>
+            <a:off x="1260078" y="2458058"/>
+            <a:ext cx="7560469" cy="1129904"/>
           </a:xfrm>
         </p:spPr>
         <p:txBody>
@@ -182,39 +182,39 @@
           <a:lstStyle>
             <a:lvl1pPr marL="0" indent="0" algn="ctr">
               <a:buNone/>
-              <a:defRPr sz="1890"/>
+              <a:defRPr sz="1638"/>
             </a:lvl1pPr>
-            <a:lvl2pPr marL="360045" indent="0" algn="ctr">
-              <a:buNone/>
-              <a:defRPr sz="1575"/>
+            <a:lvl2pPr marL="311993" indent="0" algn="ctr">
+              <a:buNone/>
+              <a:defRPr sz="1365"/>
             </a:lvl2pPr>
-            <a:lvl3pPr marL="720090" indent="0" algn="ctr">
-              <a:buNone/>
-              <a:defRPr sz="1418"/>
+            <a:lvl3pPr marL="623987" indent="0" algn="ctr">
+              <a:buNone/>
+              <a:defRPr sz="1228"/>
             </a:lvl3pPr>
-            <a:lvl4pPr marL="1080135" indent="0" algn="ctr">
-              <a:buNone/>
-              <a:defRPr sz="1260"/>
+            <a:lvl4pPr marL="935980" indent="0" algn="ctr">
+              <a:buNone/>
+              <a:defRPr sz="1092"/>
             </a:lvl4pPr>
-            <a:lvl5pPr marL="1440180" indent="0" algn="ctr">
-              <a:buNone/>
-              <a:defRPr sz="1260"/>
+            <a:lvl5pPr marL="1247973" indent="0" algn="ctr">
+              <a:buNone/>
+              <a:defRPr sz="1092"/>
             </a:lvl5pPr>
-            <a:lvl6pPr marL="1800225" indent="0" algn="ctr">
-              <a:buNone/>
-              <a:defRPr sz="1260"/>
+            <a:lvl6pPr marL="1559966" indent="0" algn="ctr">
+              <a:buNone/>
+              <a:defRPr sz="1092"/>
             </a:lvl6pPr>
-            <a:lvl7pPr marL="2160270" indent="0" algn="ctr">
-              <a:buNone/>
-              <a:defRPr sz="1260"/>
+            <a:lvl7pPr marL="1871960" indent="0" algn="ctr">
+              <a:buNone/>
+              <a:defRPr sz="1092"/>
             </a:lvl7pPr>
-            <a:lvl8pPr marL="2520315" indent="0" algn="ctr">
-              <a:buNone/>
-              <a:defRPr sz="1260"/>
+            <a:lvl8pPr marL="2183953" indent="0" algn="ctr">
+              <a:buNone/>
+              <a:defRPr sz="1092"/>
             </a:lvl8pPr>
-            <a:lvl9pPr marL="2880360" indent="0" algn="ctr">
-              <a:buNone/>
-              <a:defRPr sz="1260"/>
+            <a:lvl9pPr marL="2495946" indent="0" algn="ctr">
+              <a:buNone/>
+              <a:defRPr sz="1092"/>
             </a:lvl9pPr>
           </a:lstStyle>
           <a:p>
@@ -243,7 +243,7 @@
           <a:p>
             <a:fld id="{51145F6E-05D5-4319-8EE0-2EF0727DBD2C}" type="datetimeFigureOut">
               <a:rPr lang="en-GB" smtClean="0"/>
-              <a:t>24/01/2022</a:t>
+              <a:t>27/01/2022</a:t>
             </a:fld>
             <a:endParaRPr lang="en-GB"/>
           </a:p>
@@ -294,7 +294,7 @@
     </p:spTree>
     <p:extLst>
       <p:ext uri="{BB962C8B-B14F-4D97-AF65-F5344CB8AC3E}">
-        <p14:creationId xmlns:p14="http://schemas.microsoft.com/office/powerpoint/2010/main" val="3959080882"/>
+        <p14:creationId xmlns:p14="http://schemas.microsoft.com/office/powerpoint/2010/main" val="3514211521"/>
       </p:ext>
     </p:extLst>
   </p:cSld>
@@ -413,7 +413,7 @@
           <a:p>
             <a:fld id="{51145F6E-05D5-4319-8EE0-2EF0727DBD2C}" type="datetimeFigureOut">
               <a:rPr lang="en-GB" smtClean="0"/>
-              <a:t>24/01/2022</a:t>
+              <a:t>27/01/2022</a:t>
             </a:fld>
             <a:endParaRPr lang="en-GB"/>
           </a:p>
@@ -464,7 +464,7 @@
     </p:spTree>
     <p:extLst>
       <p:ext uri="{BB962C8B-B14F-4D97-AF65-F5344CB8AC3E}">
-        <p14:creationId xmlns:p14="http://schemas.microsoft.com/office/powerpoint/2010/main" val="3231185450"/>
+        <p14:creationId xmlns:p14="http://schemas.microsoft.com/office/powerpoint/2010/main" val="2694336225"/>
       </p:ext>
     </p:extLst>
   </p:cSld>
@@ -503,8 +503,8 @@
         </p:nvSpPr>
         <p:spPr>
           <a:xfrm>
-            <a:off x="7213947" y="287536"/>
-            <a:ext cx="2173635" cy="4576822"/>
+            <a:off x="7213947" y="249164"/>
+            <a:ext cx="2173635" cy="3966041"/>
           </a:xfrm>
         </p:spPr>
         <p:txBody>
@@ -531,8 +531,8 @@
         </p:nvSpPr>
         <p:spPr>
           <a:xfrm>
-            <a:off x="693043" y="287536"/>
-            <a:ext cx="6394896" cy="4576822"/>
+            <a:off x="693043" y="249164"/>
+            <a:ext cx="6394896" cy="3966041"/>
           </a:xfrm>
         </p:spPr>
         <p:txBody>
@@ -593,7 +593,7 @@
           <a:p>
             <a:fld id="{51145F6E-05D5-4319-8EE0-2EF0727DBD2C}" type="datetimeFigureOut">
               <a:rPr lang="en-GB" smtClean="0"/>
-              <a:t>24/01/2022</a:t>
+              <a:t>27/01/2022</a:t>
             </a:fld>
             <a:endParaRPr lang="en-GB"/>
           </a:p>
@@ -644,7 +644,7 @@
     </p:spTree>
     <p:extLst>
       <p:ext uri="{BB962C8B-B14F-4D97-AF65-F5344CB8AC3E}">
-        <p14:creationId xmlns:p14="http://schemas.microsoft.com/office/powerpoint/2010/main" val="515899426"/>
+        <p14:creationId xmlns:p14="http://schemas.microsoft.com/office/powerpoint/2010/main" val="2283917003"/>
       </p:ext>
     </p:extLst>
   </p:cSld>
@@ -763,7 +763,7 @@
           <a:p>
             <a:fld id="{51145F6E-05D5-4319-8EE0-2EF0727DBD2C}" type="datetimeFigureOut">
               <a:rPr lang="en-GB" smtClean="0"/>
-              <a:t>24/01/2022</a:t>
+              <a:t>27/01/2022</a:t>
             </a:fld>
             <a:endParaRPr lang="en-GB"/>
           </a:p>
@@ -814,7 +814,7 @@
     </p:spTree>
     <p:extLst>
       <p:ext uri="{BB962C8B-B14F-4D97-AF65-F5344CB8AC3E}">
-        <p14:creationId xmlns:p14="http://schemas.microsoft.com/office/powerpoint/2010/main" val="3738604009"/>
+        <p14:creationId xmlns:p14="http://schemas.microsoft.com/office/powerpoint/2010/main" val="196156755"/>
       </p:ext>
     </p:extLst>
   </p:cSld>
@@ -853,15 +853,15 @@
         </p:nvSpPr>
         <p:spPr>
           <a:xfrm>
-            <a:off x="687793" y="1346419"/>
-            <a:ext cx="8694539" cy="2246530"/>
+            <a:off x="687793" y="1166738"/>
+            <a:ext cx="8694539" cy="1946729"/>
           </a:xfrm>
         </p:spPr>
         <p:txBody>
           <a:bodyPr anchor="b"/>
           <a:lstStyle>
             <a:lvl1pPr>
-              <a:defRPr sz="4725"/>
+              <a:defRPr sz="4094"/>
             </a:lvl1pPr>
           </a:lstStyle>
           <a:p>
@@ -885,8 +885,8 @@
         </p:nvSpPr>
         <p:spPr>
           <a:xfrm>
-            <a:off x="687793" y="3614203"/>
-            <a:ext cx="8694539" cy="1181397"/>
+            <a:off x="687793" y="3131884"/>
+            <a:ext cx="8694539" cy="1023739"/>
           </a:xfrm>
         </p:spPr>
         <p:txBody>
@@ -894,7 +894,7 @@
           <a:lstStyle>
             <a:lvl1pPr marL="0" indent="0">
               <a:buNone/>
-              <a:defRPr sz="1890">
+              <a:defRPr sz="1638">
                 <a:solidFill>
                   <a:schemeClr val="tx1">
                     <a:tint val="75000"/>
@@ -902,9 +902,9 @@
                 </a:solidFill>
               </a:defRPr>
             </a:lvl1pPr>
-            <a:lvl2pPr marL="360045" indent="0">
-              <a:buNone/>
-              <a:defRPr sz="1575">
+            <a:lvl2pPr marL="311993" indent="0">
+              <a:buNone/>
+              <a:defRPr sz="1365">
                 <a:solidFill>
                   <a:schemeClr val="tx1">
                     <a:tint val="75000"/>
@@ -912,9 +912,9 @@
                 </a:solidFill>
               </a:defRPr>
             </a:lvl2pPr>
-            <a:lvl3pPr marL="720090" indent="0">
-              <a:buNone/>
-              <a:defRPr sz="1418">
+            <a:lvl3pPr marL="623987" indent="0">
+              <a:buNone/>
+              <a:defRPr sz="1228">
                 <a:solidFill>
                   <a:schemeClr val="tx1">
                     <a:tint val="75000"/>
@@ -922,9 +922,9 @@
                 </a:solidFill>
               </a:defRPr>
             </a:lvl3pPr>
-            <a:lvl4pPr marL="1080135" indent="0">
-              <a:buNone/>
-              <a:defRPr sz="1260">
+            <a:lvl4pPr marL="935980" indent="0">
+              <a:buNone/>
+              <a:defRPr sz="1092">
                 <a:solidFill>
                   <a:schemeClr val="tx1">
                     <a:tint val="75000"/>
@@ -932,9 +932,9 @@
                 </a:solidFill>
               </a:defRPr>
             </a:lvl4pPr>
-            <a:lvl5pPr marL="1440180" indent="0">
-              <a:buNone/>
-              <a:defRPr sz="1260">
+            <a:lvl5pPr marL="1247973" indent="0">
+              <a:buNone/>
+              <a:defRPr sz="1092">
                 <a:solidFill>
                   <a:schemeClr val="tx1">
                     <a:tint val="75000"/>
@@ -942,9 +942,9 @@
                 </a:solidFill>
               </a:defRPr>
             </a:lvl5pPr>
-            <a:lvl6pPr marL="1800225" indent="0">
-              <a:buNone/>
-              <a:defRPr sz="1260">
+            <a:lvl6pPr marL="1559966" indent="0">
+              <a:buNone/>
+              <a:defRPr sz="1092">
                 <a:solidFill>
                   <a:schemeClr val="tx1">
                     <a:tint val="75000"/>
@@ -952,9 +952,9 @@
                 </a:solidFill>
               </a:defRPr>
             </a:lvl6pPr>
-            <a:lvl7pPr marL="2160270" indent="0">
-              <a:buNone/>
-              <a:defRPr sz="1260">
+            <a:lvl7pPr marL="1871960" indent="0">
+              <a:buNone/>
+              <a:defRPr sz="1092">
                 <a:solidFill>
                   <a:schemeClr val="tx1">
                     <a:tint val="75000"/>
@@ -962,9 +962,9 @@
                 </a:solidFill>
               </a:defRPr>
             </a:lvl7pPr>
-            <a:lvl8pPr marL="2520315" indent="0">
-              <a:buNone/>
-              <a:defRPr sz="1260">
+            <a:lvl8pPr marL="2183953" indent="0">
+              <a:buNone/>
+              <a:defRPr sz="1092">
                 <a:solidFill>
                   <a:schemeClr val="tx1">
                     <a:tint val="75000"/>
@@ -972,9 +972,9 @@
                 </a:solidFill>
               </a:defRPr>
             </a:lvl8pPr>
-            <a:lvl9pPr marL="2880360" indent="0">
-              <a:buNone/>
-              <a:defRPr sz="1260">
+            <a:lvl9pPr marL="2495946" indent="0">
+              <a:buNone/>
+              <a:defRPr sz="1092">
                 <a:solidFill>
                   <a:schemeClr val="tx1">
                     <a:tint val="75000"/>
@@ -1009,7 +1009,7 @@
           <a:p>
             <a:fld id="{51145F6E-05D5-4319-8EE0-2EF0727DBD2C}" type="datetimeFigureOut">
               <a:rPr lang="en-GB" smtClean="0"/>
-              <a:t>24/01/2022</a:t>
+              <a:t>27/01/2022</a:t>
             </a:fld>
             <a:endParaRPr lang="en-GB"/>
           </a:p>
@@ -1060,7 +1060,7 @@
     </p:spTree>
     <p:extLst>
       <p:ext uri="{BB962C8B-B14F-4D97-AF65-F5344CB8AC3E}">
-        <p14:creationId xmlns:p14="http://schemas.microsoft.com/office/powerpoint/2010/main" val="1045750160"/>
+        <p14:creationId xmlns:p14="http://schemas.microsoft.com/office/powerpoint/2010/main" val="1038631148"/>
       </p:ext>
     </p:extLst>
   </p:cSld>
@@ -1122,8 +1122,8 @@
         </p:nvSpPr>
         <p:spPr>
           <a:xfrm>
-            <a:off x="693043" y="1437680"/>
-            <a:ext cx="4284266" cy="3426679"/>
+            <a:off x="693043" y="1245820"/>
+            <a:ext cx="4284266" cy="2969385"/>
           </a:xfrm>
         </p:spPr>
         <p:txBody>
@@ -1179,8 +1179,8 @@
         </p:nvSpPr>
         <p:spPr>
           <a:xfrm>
-            <a:off x="5103316" y="1437680"/>
-            <a:ext cx="4284266" cy="3426679"/>
+            <a:off x="5103316" y="1245820"/>
+            <a:ext cx="4284266" cy="2969385"/>
           </a:xfrm>
         </p:spPr>
         <p:txBody>
@@ -1241,7 +1241,7 @@
           <a:p>
             <a:fld id="{51145F6E-05D5-4319-8EE0-2EF0727DBD2C}" type="datetimeFigureOut">
               <a:rPr lang="en-GB" smtClean="0"/>
-              <a:t>24/01/2022</a:t>
+              <a:t>27/01/2022</a:t>
             </a:fld>
             <a:endParaRPr lang="en-GB"/>
           </a:p>
@@ -1292,7 +1292,7 @@
     </p:spTree>
     <p:extLst>
       <p:ext uri="{BB962C8B-B14F-4D97-AF65-F5344CB8AC3E}">
-        <p14:creationId xmlns:p14="http://schemas.microsoft.com/office/powerpoint/2010/main" val="3476380486"/>
+        <p14:creationId xmlns:p14="http://schemas.microsoft.com/office/powerpoint/2010/main" val="3818019504"/>
       </p:ext>
     </p:extLst>
   </p:cSld>
@@ -1331,8 +1331,8 @@
         </p:nvSpPr>
         <p:spPr>
           <a:xfrm>
-            <a:off x="694356" y="287536"/>
-            <a:ext cx="8694539" cy="1043881"/>
+            <a:off x="694356" y="249164"/>
+            <a:ext cx="8694539" cy="904574"/>
           </a:xfrm>
         </p:spPr>
         <p:txBody>
@@ -1359,8 +1359,8 @@
         </p:nvSpPr>
         <p:spPr>
           <a:xfrm>
-            <a:off x="694357" y="1323916"/>
-            <a:ext cx="4264576" cy="648831"/>
+            <a:off x="694357" y="1147238"/>
+            <a:ext cx="4264576" cy="562244"/>
           </a:xfrm>
         </p:spPr>
         <p:txBody>
@@ -1368,39 +1368,39 @@
           <a:lstStyle>
             <a:lvl1pPr marL="0" indent="0">
               <a:buNone/>
-              <a:defRPr sz="1890" b="1"/>
+              <a:defRPr sz="1638" b="1"/>
             </a:lvl1pPr>
-            <a:lvl2pPr marL="360045" indent="0">
-              <a:buNone/>
-              <a:defRPr sz="1575" b="1"/>
+            <a:lvl2pPr marL="311993" indent="0">
+              <a:buNone/>
+              <a:defRPr sz="1365" b="1"/>
             </a:lvl2pPr>
-            <a:lvl3pPr marL="720090" indent="0">
-              <a:buNone/>
-              <a:defRPr sz="1418" b="1"/>
+            <a:lvl3pPr marL="623987" indent="0">
+              <a:buNone/>
+              <a:defRPr sz="1228" b="1"/>
             </a:lvl3pPr>
-            <a:lvl4pPr marL="1080135" indent="0">
-              <a:buNone/>
-              <a:defRPr sz="1260" b="1"/>
+            <a:lvl4pPr marL="935980" indent="0">
+              <a:buNone/>
+              <a:defRPr sz="1092" b="1"/>
             </a:lvl4pPr>
-            <a:lvl5pPr marL="1440180" indent="0">
-              <a:buNone/>
-              <a:defRPr sz="1260" b="1"/>
+            <a:lvl5pPr marL="1247973" indent="0">
+              <a:buNone/>
+              <a:defRPr sz="1092" b="1"/>
             </a:lvl5pPr>
-            <a:lvl6pPr marL="1800225" indent="0">
-              <a:buNone/>
-              <a:defRPr sz="1260" b="1"/>
+            <a:lvl6pPr marL="1559966" indent="0">
+              <a:buNone/>
+              <a:defRPr sz="1092" b="1"/>
             </a:lvl6pPr>
-            <a:lvl7pPr marL="2160270" indent="0">
-              <a:buNone/>
-              <a:defRPr sz="1260" b="1"/>
+            <a:lvl7pPr marL="1871960" indent="0">
+              <a:buNone/>
+              <a:defRPr sz="1092" b="1"/>
             </a:lvl7pPr>
-            <a:lvl8pPr marL="2520315" indent="0">
-              <a:buNone/>
-              <a:defRPr sz="1260" b="1"/>
+            <a:lvl8pPr marL="2183953" indent="0">
+              <a:buNone/>
+              <a:defRPr sz="1092" b="1"/>
             </a:lvl8pPr>
-            <a:lvl9pPr marL="2880360" indent="0">
-              <a:buNone/>
-              <a:defRPr sz="1260" b="1"/>
+            <a:lvl9pPr marL="2495946" indent="0">
+              <a:buNone/>
+              <a:defRPr sz="1092" b="1"/>
             </a:lvl9pPr>
           </a:lstStyle>
           <a:p>
@@ -1424,8 +1424,8 @@
         </p:nvSpPr>
         <p:spPr>
           <a:xfrm>
-            <a:off x="694357" y="1972747"/>
-            <a:ext cx="4264576" cy="2901613"/>
+            <a:off x="694357" y="1709482"/>
+            <a:ext cx="4264576" cy="2514390"/>
           </a:xfrm>
         </p:spPr>
         <p:txBody>
@@ -1481,8 +1481,8 @@
         </p:nvSpPr>
         <p:spPr>
           <a:xfrm>
-            <a:off x="5103316" y="1323916"/>
-            <a:ext cx="4285579" cy="648831"/>
+            <a:off x="5103316" y="1147238"/>
+            <a:ext cx="4285579" cy="562244"/>
           </a:xfrm>
         </p:spPr>
         <p:txBody>
@@ -1490,39 +1490,39 @@
           <a:lstStyle>
             <a:lvl1pPr marL="0" indent="0">
               <a:buNone/>
-              <a:defRPr sz="1890" b="1"/>
+              <a:defRPr sz="1638" b="1"/>
             </a:lvl1pPr>
-            <a:lvl2pPr marL="360045" indent="0">
-              <a:buNone/>
-              <a:defRPr sz="1575" b="1"/>
+            <a:lvl2pPr marL="311993" indent="0">
+              <a:buNone/>
+              <a:defRPr sz="1365" b="1"/>
             </a:lvl2pPr>
-            <a:lvl3pPr marL="720090" indent="0">
-              <a:buNone/>
-              <a:defRPr sz="1418" b="1"/>
+            <a:lvl3pPr marL="623987" indent="0">
+              <a:buNone/>
+              <a:defRPr sz="1228" b="1"/>
             </a:lvl3pPr>
-            <a:lvl4pPr marL="1080135" indent="0">
-              <a:buNone/>
-              <a:defRPr sz="1260" b="1"/>
+            <a:lvl4pPr marL="935980" indent="0">
+              <a:buNone/>
+              <a:defRPr sz="1092" b="1"/>
             </a:lvl4pPr>
-            <a:lvl5pPr marL="1440180" indent="0">
-              <a:buNone/>
-              <a:defRPr sz="1260" b="1"/>
+            <a:lvl5pPr marL="1247973" indent="0">
+              <a:buNone/>
+              <a:defRPr sz="1092" b="1"/>
             </a:lvl5pPr>
-            <a:lvl6pPr marL="1800225" indent="0">
-              <a:buNone/>
-              <a:defRPr sz="1260" b="1"/>
+            <a:lvl6pPr marL="1559966" indent="0">
+              <a:buNone/>
+              <a:defRPr sz="1092" b="1"/>
             </a:lvl6pPr>
-            <a:lvl7pPr marL="2160270" indent="0">
-              <a:buNone/>
-              <a:defRPr sz="1260" b="1"/>
+            <a:lvl7pPr marL="1871960" indent="0">
+              <a:buNone/>
+              <a:defRPr sz="1092" b="1"/>
             </a:lvl7pPr>
-            <a:lvl8pPr marL="2520315" indent="0">
-              <a:buNone/>
-              <a:defRPr sz="1260" b="1"/>
+            <a:lvl8pPr marL="2183953" indent="0">
+              <a:buNone/>
+              <a:defRPr sz="1092" b="1"/>
             </a:lvl8pPr>
-            <a:lvl9pPr marL="2880360" indent="0">
-              <a:buNone/>
-              <a:defRPr sz="1260" b="1"/>
+            <a:lvl9pPr marL="2495946" indent="0">
+              <a:buNone/>
+              <a:defRPr sz="1092" b="1"/>
             </a:lvl9pPr>
           </a:lstStyle>
           <a:p>
@@ -1546,8 +1546,8 @@
         </p:nvSpPr>
         <p:spPr>
           <a:xfrm>
-            <a:off x="5103316" y="1972747"/>
-            <a:ext cx="4285579" cy="2901613"/>
+            <a:off x="5103316" y="1709482"/>
+            <a:ext cx="4285579" cy="2514390"/>
           </a:xfrm>
         </p:spPr>
         <p:txBody>
@@ -1608,7 +1608,7 @@
           <a:p>
             <a:fld id="{51145F6E-05D5-4319-8EE0-2EF0727DBD2C}" type="datetimeFigureOut">
               <a:rPr lang="en-GB" smtClean="0"/>
-              <a:t>24/01/2022</a:t>
+              <a:t>27/01/2022</a:t>
             </a:fld>
             <a:endParaRPr lang="en-GB"/>
           </a:p>
@@ -1659,7 +1659,7 @@
     </p:spTree>
     <p:extLst>
       <p:ext uri="{BB962C8B-B14F-4D97-AF65-F5344CB8AC3E}">
-        <p14:creationId xmlns:p14="http://schemas.microsoft.com/office/powerpoint/2010/main" val="4015092711"/>
+        <p14:creationId xmlns:p14="http://schemas.microsoft.com/office/powerpoint/2010/main" val="1635176608"/>
       </p:ext>
     </p:extLst>
   </p:cSld>
@@ -1726,7 +1726,7 @@
           <a:p>
             <a:fld id="{51145F6E-05D5-4319-8EE0-2EF0727DBD2C}" type="datetimeFigureOut">
               <a:rPr lang="en-GB" smtClean="0"/>
-              <a:t>24/01/2022</a:t>
+              <a:t>27/01/2022</a:t>
             </a:fld>
             <a:endParaRPr lang="en-GB"/>
           </a:p>
@@ -1777,7 +1777,7 @@
     </p:spTree>
     <p:extLst>
       <p:ext uri="{BB962C8B-B14F-4D97-AF65-F5344CB8AC3E}">
-        <p14:creationId xmlns:p14="http://schemas.microsoft.com/office/powerpoint/2010/main" val="516773609"/>
+        <p14:creationId xmlns:p14="http://schemas.microsoft.com/office/powerpoint/2010/main" val="1126407378"/>
       </p:ext>
     </p:extLst>
   </p:cSld>
@@ -1821,7 +1821,7 @@
           <a:p>
             <a:fld id="{51145F6E-05D5-4319-8EE0-2EF0727DBD2C}" type="datetimeFigureOut">
               <a:rPr lang="en-GB" smtClean="0"/>
-              <a:t>24/01/2022</a:t>
+              <a:t>27/01/2022</a:t>
             </a:fld>
             <a:endParaRPr lang="en-GB"/>
           </a:p>
@@ -1872,7 +1872,7 @@
     </p:spTree>
     <p:extLst>
       <p:ext uri="{BB962C8B-B14F-4D97-AF65-F5344CB8AC3E}">
-        <p14:creationId xmlns:p14="http://schemas.microsoft.com/office/powerpoint/2010/main" val="2990890079"/>
+        <p14:creationId xmlns:p14="http://schemas.microsoft.com/office/powerpoint/2010/main" val="3839941737"/>
       </p:ext>
     </p:extLst>
   </p:cSld>
@@ -1911,15 +1911,15 @@
         </p:nvSpPr>
         <p:spPr>
           <a:xfrm>
-            <a:off x="694356" y="360045"/>
-            <a:ext cx="3251264" cy="1260158"/>
+            <a:off x="694356" y="311997"/>
+            <a:ext cx="3251264" cy="1091988"/>
           </a:xfrm>
         </p:spPr>
         <p:txBody>
           <a:bodyPr anchor="b"/>
           <a:lstStyle>
             <a:lvl1pPr>
-              <a:defRPr sz="2520"/>
+              <a:defRPr sz="2184"/>
             </a:lvl1pPr>
           </a:lstStyle>
           <a:p>
@@ -1943,39 +1943,39 @@
         </p:nvSpPr>
         <p:spPr>
           <a:xfrm>
-            <a:off x="4285579" y="777597"/>
-            <a:ext cx="5103316" cy="3837980"/>
+            <a:off x="4285579" y="673826"/>
+            <a:ext cx="5103316" cy="3325798"/>
           </a:xfrm>
         </p:spPr>
         <p:txBody>
           <a:bodyPr/>
           <a:lstStyle>
             <a:lvl1pPr>
-              <a:defRPr sz="2520"/>
+              <a:defRPr sz="2184"/>
             </a:lvl1pPr>
             <a:lvl2pPr>
-              <a:defRPr sz="2205"/>
+              <a:defRPr sz="1911"/>
             </a:lvl2pPr>
             <a:lvl3pPr>
-              <a:defRPr sz="1890"/>
+              <a:defRPr sz="1638"/>
             </a:lvl3pPr>
             <a:lvl4pPr>
-              <a:defRPr sz="1575"/>
+              <a:defRPr sz="1365"/>
             </a:lvl4pPr>
             <a:lvl5pPr>
-              <a:defRPr sz="1575"/>
+              <a:defRPr sz="1365"/>
             </a:lvl5pPr>
             <a:lvl6pPr>
-              <a:defRPr sz="1575"/>
+              <a:defRPr sz="1365"/>
             </a:lvl6pPr>
             <a:lvl7pPr>
-              <a:defRPr sz="1575"/>
+              <a:defRPr sz="1365"/>
             </a:lvl7pPr>
             <a:lvl8pPr>
-              <a:defRPr sz="1575"/>
+              <a:defRPr sz="1365"/>
             </a:lvl8pPr>
             <a:lvl9pPr>
-              <a:defRPr sz="1575"/>
+              <a:defRPr sz="1365"/>
             </a:lvl9pPr>
           </a:lstStyle>
           <a:p>
@@ -2028,8 +2028,8 @@
         </p:nvSpPr>
         <p:spPr>
           <a:xfrm>
-            <a:off x="694356" y="1620202"/>
-            <a:ext cx="3251264" cy="3001626"/>
+            <a:off x="694356" y="1403985"/>
+            <a:ext cx="3251264" cy="2601056"/>
           </a:xfrm>
         </p:spPr>
         <p:txBody>
@@ -2037,39 +2037,39 @@
           <a:lstStyle>
             <a:lvl1pPr marL="0" indent="0">
               <a:buNone/>
-              <a:defRPr sz="1260"/>
+              <a:defRPr sz="1092"/>
             </a:lvl1pPr>
-            <a:lvl2pPr marL="360045" indent="0">
-              <a:buNone/>
-              <a:defRPr sz="1103"/>
+            <a:lvl2pPr marL="311993" indent="0">
+              <a:buNone/>
+              <a:defRPr sz="955"/>
             </a:lvl2pPr>
-            <a:lvl3pPr marL="720090" indent="0">
-              <a:buNone/>
-              <a:defRPr sz="945"/>
+            <a:lvl3pPr marL="623987" indent="0">
+              <a:buNone/>
+              <a:defRPr sz="819"/>
             </a:lvl3pPr>
-            <a:lvl4pPr marL="1080135" indent="0">
-              <a:buNone/>
-              <a:defRPr sz="788"/>
+            <a:lvl4pPr marL="935980" indent="0">
+              <a:buNone/>
+              <a:defRPr sz="682"/>
             </a:lvl4pPr>
-            <a:lvl5pPr marL="1440180" indent="0">
-              <a:buNone/>
-              <a:defRPr sz="788"/>
+            <a:lvl5pPr marL="1247973" indent="0">
+              <a:buNone/>
+              <a:defRPr sz="682"/>
             </a:lvl5pPr>
-            <a:lvl6pPr marL="1800225" indent="0">
-              <a:buNone/>
-              <a:defRPr sz="788"/>
+            <a:lvl6pPr marL="1559966" indent="0">
+              <a:buNone/>
+              <a:defRPr sz="682"/>
             </a:lvl6pPr>
-            <a:lvl7pPr marL="2160270" indent="0">
-              <a:buNone/>
-              <a:defRPr sz="788"/>
+            <a:lvl7pPr marL="1871960" indent="0">
+              <a:buNone/>
+              <a:defRPr sz="682"/>
             </a:lvl7pPr>
-            <a:lvl8pPr marL="2520315" indent="0">
-              <a:buNone/>
-              <a:defRPr sz="788"/>
+            <a:lvl8pPr marL="2183953" indent="0">
+              <a:buNone/>
+              <a:defRPr sz="682"/>
             </a:lvl8pPr>
-            <a:lvl9pPr marL="2880360" indent="0">
-              <a:buNone/>
-              <a:defRPr sz="788"/>
+            <a:lvl9pPr marL="2495946" indent="0">
+              <a:buNone/>
+              <a:defRPr sz="682"/>
             </a:lvl9pPr>
           </a:lstStyle>
           <a:p>
@@ -2098,7 +2098,7 @@
           <a:p>
             <a:fld id="{51145F6E-05D5-4319-8EE0-2EF0727DBD2C}" type="datetimeFigureOut">
               <a:rPr lang="en-GB" smtClean="0"/>
-              <a:t>24/01/2022</a:t>
+              <a:t>27/01/2022</a:t>
             </a:fld>
             <a:endParaRPr lang="en-GB"/>
           </a:p>
@@ -2149,7 +2149,7 @@
     </p:spTree>
     <p:extLst>
       <p:ext uri="{BB962C8B-B14F-4D97-AF65-F5344CB8AC3E}">
-        <p14:creationId xmlns:p14="http://schemas.microsoft.com/office/powerpoint/2010/main" val="407384523"/>
+        <p14:creationId xmlns:p14="http://schemas.microsoft.com/office/powerpoint/2010/main" val="1089696287"/>
       </p:ext>
     </p:extLst>
   </p:cSld>
@@ -2188,15 +2188,15 @@
         </p:nvSpPr>
         <p:spPr>
           <a:xfrm>
-            <a:off x="694356" y="360045"/>
-            <a:ext cx="3251264" cy="1260158"/>
+            <a:off x="694356" y="311997"/>
+            <a:ext cx="3251264" cy="1091988"/>
           </a:xfrm>
         </p:spPr>
         <p:txBody>
           <a:bodyPr anchor="b"/>
           <a:lstStyle>
             <a:lvl1pPr>
-              <a:defRPr sz="2520"/>
+              <a:defRPr sz="2184"/>
             </a:lvl1pPr>
           </a:lstStyle>
           <a:p>
@@ -2220,8 +2220,8 @@
         </p:nvSpPr>
         <p:spPr>
           <a:xfrm>
-            <a:off x="4285579" y="777597"/>
-            <a:ext cx="5103316" cy="3837980"/>
+            <a:off x="4285579" y="673826"/>
+            <a:ext cx="5103316" cy="3325798"/>
           </a:xfrm>
         </p:spPr>
         <p:txBody>
@@ -2229,39 +2229,39 @@
           <a:lstStyle>
             <a:lvl1pPr marL="0" indent="0">
               <a:buNone/>
-              <a:defRPr sz="2520"/>
+              <a:defRPr sz="2184"/>
             </a:lvl1pPr>
-            <a:lvl2pPr marL="360045" indent="0">
-              <a:buNone/>
-              <a:defRPr sz="2205"/>
+            <a:lvl2pPr marL="311993" indent="0">
+              <a:buNone/>
+              <a:defRPr sz="1911"/>
             </a:lvl2pPr>
-            <a:lvl3pPr marL="720090" indent="0">
-              <a:buNone/>
-              <a:defRPr sz="1890"/>
+            <a:lvl3pPr marL="623987" indent="0">
+              <a:buNone/>
+              <a:defRPr sz="1638"/>
             </a:lvl3pPr>
-            <a:lvl4pPr marL="1080135" indent="0">
-              <a:buNone/>
-              <a:defRPr sz="1575"/>
+            <a:lvl4pPr marL="935980" indent="0">
+              <a:buNone/>
+              <a:defRPr sz="1365"/>
             </a:lvl4pPr>
-            <a:lvl5pPr marL="1440180" indent="0">
-              <a:buNone/>
-              <a:defRPr sz="1575"/>
+            <a:lvl5pPr marL="1247973" indent="0">
+              <a:buNone/>
+              <a:defRPr sz="1365"/>
             </a:lvl5pPr>
-            <a:lvl6pPr marL="1800225" indent="0">
-              <a:buNone/>
-              <a:defRPr sz="1575"/>
+            <a:lvl6pPr marL="1559966" indent="0">
+              <a:buNone/>
+              <a:defRPr sz="1365"/>
             </a:lvl6pPr>
-            <a:lvl7pPr marL="2160270" indent="0">
-              <a:buNone/>
-              <a:defRPr sz="1575"/>
+            <a:lvl7pPr marL="1871960" indent="0">
+              <a:buNone/>
+              <a:defRPr sz="1365"/>
             </a:lvl7pPr>
-            <a:lvl8pPr marL="2520315" indent="0">
-              <a:buNone/>
-              <a:defRPr sz="1575"/>
+            <a:lvl8pPr marL="2183953" indent="0">
+              <a:buNone/>
+              <a:defRPr sz="1365"/>
             </a:lvl8pPr>
-            <a:lvl9pPr marL="2880360" indent="0">
-              <a:buNone/>
-              <a:defRPr sz="1575"/>
+            <a:lvl9pPr marL="2495946" indent="0">
+              <a:buNone/>
+              <a:defRPr sz="1365"/>
             </a:lvl9pPr>
           </a:lstStyle>
           <a:p>
@@ -2285,8 +2285,8 @@
         </p:nvSpPr>
         <p:spPr>
           <a:xfrm>
-            <a:off x="694356" y="1620202"/>
-            <a:ext cx="3251264" cy="3001626"/>
+            <a:off x="694356" y="1403985"/>
+            <a:ext cx="3251264" cy="2601056"/>
           </a:xfrm>
         </p:spPr>
         <p:txBody>
@@ -2294,39 +2294,39 @@
           <a:lstStyle>
             <a:lvl1pPr marL="0" indent="0">
               <a:buNone/>
-              <a:defRPr sz="1260"/>
+              <a:defRPr sz="1092"/>
             </a:lvl1pPr>
-            <a:lvl2pPr marL="360045" indent="0">
-              <a:buNone/>
-              <a:defRPr sz="1103"/>
+            <a:lvl2pPr marL="311993" indent="0">
+              <a:buNone/>
+              <a:defRPr sz="955"/>
             </a:lvl2pPr>
-            <a:lvl3pPr marL="720090" indent="0">
-              <a:buNone/>
-              <a:defRPr sz="945"/>
+            <a:lvl3pPr marL="623987" indent="0">
+              <a:buNone/>
+              <a:defRPr sz="819"/>
             </a:lvl3pPr>
-            <a:lvl4pPr marL="1080135" indent="0">
-              <a:buNone/>
-              <a:defRPr sz="788"/>
+            <a:lvl4pPr marL="935980" indent="0">
+              <a:buNone/>
+              <a:defRPr sz="682"/>
             </a:lvl4pPr>
-            <a:lvl5pPr marL="1440180" indent="0">
-              <a:buNone/>
-              <a:defRPr sz="788"/>
+            <a:lvl5pPr marL="1247973" indent="0">
+              <a:buNone/>
+              <a:defRPr sz="682"/>
             </a:lvl5pPr>
-            <a:lvl6pPr marL="1800225" indent="0">
-              <a:buNone/>
-              <a:defRPr sz="788"/>
+            <a:lvl6pPr marL="1559966" indent="0">
+              <a:buNone/>
+              <a:defRPr sz="682"/>
             </a:lvl6pPr>
-            <a:lvl7pPr marL="2160270" indent="0">
-              <a:buNone/>
-              <a:defRPr sz="788"/>
+            <a:lvl7pPr marL="1871960" indent="0">
+              <a:buNone/>
+              <a:defRPr sz="682"/>
             </a:lvl7pPr>
-            <a:lvl8pPr marL="2520315" indent="0">
-              <a:buNone/>
-              <a:defRPr sz="788"/>
+            <a:lvl8pPr marL="2183953" indent="0">
+              <a:buNone/>
+              <a:defRPr sz="682"/>
             </a:lvl8pPr>
-            <a:lvl9pPr marL="2880360" indent="0">
-              <a:buNone/>
-              <a:defRPr sz="788"/>
+            <a:lvl9pPr marL="2495946" indent="0">
+              <a:buNone/>
+              <a:defRPr sz="682"/>
             </a:lvl9pPr>
           </a:lstStyle>
           <a:p>
@@ -2355,7 +2355,7 @@
           <a:p>
             <a:fld id="{51145F6E-05D5-4319-8EE0-2EF0727DBD2C}" type="datetimeFigureOut">
               <a:rPr lang="en-GB" smtClean="0"/>
-              <a:t>24/01/2022</a:t>
+              <a:t>27/01/2022</a:t>
             </a:fld>
             <a:endParaRPr lang="en-GB"/>
           </a:p>
@@ -2406,7 +2406,7 @@
     </p:spTree>
     <p:extLst>
       <p:ext uri="{BB962C8B-B14F-4D97-AF65-F5344CB8AC3E}">
-        <p14:creationId xmlns:p14="http://schemas.microsoft.com/office/powerpoint/2010/main" val="3118723850"/>
+        <p14:creationId xmlns:p14="http://schemas.microsoft.com/office/powerpoint/2010/main" val="902936230"/>
       </p:ext>
     </p:extLst>
   </p:cSld>
@@ -2450,8 +2450,8 @@
         </p:nvSpPr>
         <p:spPr>
           <a:xfrm>
-            <a:off x="693043" y="287536"/>
-            <a:ext cx="8694539" cy="1043881"/>
+            <a:off x="693043" y="249164"/>
+            <a:ext cx="8694539" cy="904574"/>
           </a:xfrm>
           <a:prstGeom prst="rect">
             <a:avLst/>
@@ -2483,8 +2483,8 @@
         </p:nvSpPr>
         <p:spPr>
           <a:xfrm>
-            <a:off x="693043" y="1437680"/>
-            <a:ext cx="8694539" cy="3426679"/>
+            <a:off x="693043" y="1245820"/>
+            <a:ext cx="8694539" cy="2969385"/>
           </a:xfrm>
           <a:prstGeom prst="rect">
             <a:avLst/>
@@ -2545,8 +2545,8 @@
         </p:nvSpPr>
         <p:spPr>
           <a:xfrm>
-            <a:off x="693043" y="5005626"/>
-            <a:ext cx="2268141" cy="287536"/>
+            <a:off x="693043" y="4337621"/>
+            <a:ext cx="2268141" cy="249164"/>
           </a:xfrm>
           <a:prstGeom prst="rect">
             <a:avLst/>
@@ -2556,7 +2556,7 @@
           <a:bodyPr vert="horz" lIns="91440" tIns="45720" rIns="91440" bIns="45720" rtlCol="0" anchor="ctr"/>
           <a:lstStyle>
             <a:lvl1pPr algn="l">
-              <a:defRPr sz="945">
+              <a:defRPr sz="819">
                 <a:solidFill>
                   <a:schemeClr val="tx1">
                     <a:tint val="75000"/>
@@ -2568,7 +2568,7 @@
           <a:p>
             <a:fld id="{51145F6E-05D5-4319-8EE0-2EF0727DBD2C}" type="datetimeFigureOut">
               <a:rPr lang="en-GB" smtClean="0"/>
-              <a:t>24/01/2022</a:t>
+              <a:t>27/01/2022</a:t>
             </a:fld>
             <a:endParaRPr lang="en-GB"/>
           </a:p>
@@ -2586,8 +2586,8 @@
         </p:nvSpPr>
         <p:spPr>
           <a:xfrm>
-            <a:off x="3339207" y="5005626"/>
-            <a:ext cx="3402211" cy="287536"/>
+            <a:off x="3339207" y="4337621"/>
+            <a:ext cx="3402211" cy="249164"/>
           </a:xfrm>
           <a:prstGeom prst="rect">
             <a:avLst/>
@@ -2597,7 +2597,7 @@
           <a:bodyPr vert="horz" lIns="91440" tIns="45720" rIns="91440" bIns="45720" rtlCol="0" anchor="ctr"/>
           <a:lstStyle>
             <a:lvl1pPr algn="ctr">
-              <a:defRPr sz="945">
+              <a:defRPr sz="819">
                 <a:solidFill>
                   <a:schemeClr val="tx1">
                     <a:tint val="75000"/>
@@ -2623,8 +2623,8 @@
         </p:nvSpPr>
         <p:spPr>
           <a:xfrm>
-            <a:off x="7119441" y="5005626"/>
-            <a:ext cx="2268141" cy="287536"/>
+            <a:off x="7119441" y="4337621"/>
+            <a:ext cx="2268141" cy="249164"/>
           </a:xfrm>
           <a:prstGeom prst="rect">
             <a:avLst/>
@@ -2634,7 +2634,7 @@
           <a:bodyPr vert="horz" lIns="91440" tIns="45720" rIns="91440" bIns="45720" rtlCol="0" anchor="ctr"/>
           <a:lstStyle>
             <a:lvl1pPr algn="r">
-              <a:defRPr sz="945">
+              <a:defRPr sz="819">
                 <a:solidFill>
                   <a:schemeClr val="tx1">
                     <a:tint val="75000"/>
@@ -2655,27 +2655,27 @@
     </p:spTree>
     <p:extLst>
       <p:ext uri="{BB962C8B-B14F-4D97-AF65-F5344CB8AC3E}">
-        <p14:creationId xmlns:p14="http://schemas.microsoft.com/office/powerpoint/2010/main" val="3510566990"/>
+        <p14:creationId xmlns:p14="http://schemas.microsoft.com/office/powerpoint/2010/main" val="1555288460"/>
       </p:ext>
     </p:extLst>
   </p:cSld>
   <p:clrMap bg1="lt1" tx1="dk1" bg2="lt2" tx2="dk2" accent1="accent1" accent2="accent2" accent3="accent3" accent4="accent4" accent5="accent5" accent6="accent6" hlink="hlink" folHlink="folHlink"/>
   <p:sldLayoutIdLst>
-    <p:sldLayoutId id="2147483661" r:id="rId1"/>
-    <p:sldLayoutId id="2147483662" r:id="rId2"/>
-    <p:sldLayoutId id="2147483663" r:id="rId3"/>
-    <p:sldLayoutId id="2147483664" r:id="rId4"/>
-    <p:sldLayoutId id="2147483665" r:id="rId5"/>
-    <p:sldLayoutId id="2147483666" r:id="rId6"/>
-    <p:sldLayoutId id="2147483667" r:id="rId7"/>
-    <p:sldLayoutId id="2147483668" r:id="rId8"/>
-    <p:sldLayoutId id="2147483669" r:id="rId9"/>
-    <p:sldLayoutId id="2147483670" r:id="rId10"/>
-    <p:sldLayoutId id="2147483671" r:id="rId11"/>
+    <p:sldLayoutId id="2147483673" r:id="rId1"/>
+    <p:sldLayoutId id="2147483674" r:id="rId2"/>
+    <p:sldLayoutId id="2147483675" r:id="rId3"/>
+    <p:sldLayoutId id="2147483676" r:id="rId4"/>
+    <p:sldLayoutId id="2147483677" r:id="rId5"/>
+    <p:sldLayoutId id="2147483678" r:id="rId6"/>
+    <p:sldLayoutId id="2147483679" r:id="rId7"/>
+    <p:sldLayoutId id="2147483680" r:id="rId8"/>
+    <p:sldLayoutId id="2147483681" r:id="rId9"/>
+    <p:sldLayoutId id="2147483682" r:id="rId10"/>
+    <p:sldLayoutId id="2147483683" r:id="rId11"/>
   </p:sldLayoutIdLst>
   <p:txStyles>
     <p:titleStyle>
-      <a:lvl1pPr algn="l" defTabSz="720090" rtl="0" eaLnBrk="1" latinLnBrk="0" hangingPunct="1">
+      <a:lvl1pPr algn="l" defTabSz="623987" rtl="0" eaLnBrk="1" latinLnBrk="0" hangingPunct="1">
         <a:lnSpc>
           <a:spcPct val="90000"/>
         </a:lnSpc>
@@ -2683,7 +2683,7 @@
           <a:spcPct val="0"/>
         </a:spcBef>
         <a:buNone/>
-        <a:defRPr sz="3465" kern="1200">
+        <a:defRPr sz="3003" kern="1200">
           <a:solidFill>
             <a:schemeClr val="tx1"/>
           </a:solidFill>
@@ -2694,16 +2694,16 @@
       </a:lvl1pPr>
     </p:titleStyle>
     <p:bodyStyle>
-      <a:lvl1pPr marL="180023" indent="-180023" algn="l" defTabSz="720090" rtl="0" eaLnBrk="1" latinLnBrk="0" hangingPunct="1">
+      <a:lvl1pPr marL="155997" indent="-155997" algn="l" defTabSz="623987" rtl="0" eaLnBrk="1" latinLnBrk="0" hangingPunct="1">
         <a:lnSpc>
           <a:spcPct val="90000"/>
         </a:lnSpc>
         <a:spcBef>
-          <a:spcPts val="788"/>
+          <a:spcPts val="682"/>
         </a:spcBef>
         <a:buFont typeface="Arial" panose="020B0604020202020204" pitchFamily="34" charset="0"/>
         <a:buChar char="•"/>
-        <a:defRPr sz="2205" kern="1200">
+        <a:defRPr sz="1911" kern="1200">
           <a:solidFill>
             <a:schemeClr val="tx1"/>
           </a:solidFill>
@@ -2712,16 +2712,16 @@
           <a:cs typeface="+mn-cs"/>
         </a:defRPr>
       </a:lvl1pPr>
-      <a:lvl2pPr marL="540068" indent="-180023" algn="l" defTabSz="720090" rtl="0" eaLnBrk="1" latinLnBrk="0" hangingPunct="1">
+      <a:lvl2pPr marL="467990" indent="-155997" algn="l" defTabSz="623987" rtl="0" eaLnBrk="1" latinLnBrk="0" hangingPunct="1">
         <a:lnSpc>
           <a:spcPct val="90000"/>
         </a:lnSpc>
         <a:spcBef>
-          <a:spcPts val="394"/>
+          <a:spcPts val="341"/>
         </a:spcBef>
         <a:buFont typeface="Arial" panose="020B0604020202020204" pitchFamily="34" charset="0"/>
         <a:buChar char="•"/>
-        <a:defRPr sz="1890" kern="1200">
+        <a:defRPr sz="1638" kern="1200">
           <a:solidFill>
             <a:schemeClr val="tx1"/>
           </a:solidFill>
@@ -2730,16 +2730,16 @@
           <a:cs typeface="+mn-cs"/>
         </a:defRPr>
       </a:lvl2pPr>
-      <a:lvl3pPr marL="900113" indent="-180023" algn="l" defTabSz="720090" rtl="0" eaLnBrk="1" latinLnBrk="0" hangingPunct="1">
+      <a:lvl3pPr marL="779983" indent="-155997" algn="l" defTabSz="623987" rtl="0" eaLnBrk="1" latinLnBrk="0" hangingPunct="1">
         <a:lnSpc>
           <a:spcPct val="90000"/>
         </a:lnSpc>
         <a:spcBef>
-          <a:spcPts val="394"/>
+          <a:spcPts val="341"/>
         </a:spcBef>
         <a:buFont typeface="Arial" panose="020B0604020202020204" pitchFamily="34" charset="0"/>
         <a:buChar char="•"/>
-        <a:defRPr sz="1575" kern="1200">
+        <a:defRPr sz="1365" kern="1200">
           <a:solidFill>
             <a:schemeClr val="tx1"/>
           </a:solidFill>
@@ -2748,16 +2748,16 @@
           <a:cs typeface="+mn-cs"/>
         </a:defRPr>
       </a:lvl3pPr>
-      <a:lvl4pPr marL="1260158" indent="-180023" algn="l" defTabSz="720090" rtl="0" eaLnBrk="1" latinLnBrk="0" hangingPunct="1">
+      <a:lvl4pPr marL="1091976" indent="-155997" algn="l" defTabSz="623987" rtl="0" eaLnBrk="1" latinLnBrk="0" hangingPunct="1">
         <a:lnSpc>
           <a:spcPct val="90000"/>
         </a:lnSpc>
         <a:spcBef>
-          <a:spcPts val="394"/>
+          <a:spcPts val="341"/>
         </a:spcBef>
         <a:buFont typeface="Arial" panose="020B0604020202020204" pitchFamily="34" charset="0"/>
         <a:buChar char="•"/>
-        <a:defRPr sz="1418" kern="1200">
+        <a:defRPr sz="1228" kern="1200">
           <a:solidFill>
             <a:schemeClr val="tx1"/>
           </a:solidFill>
@@ -2766,16 +2766,16 @@
           <a:cs typeface="+mn-cs"/>
         </a:defRPr>
       </a:lvl4pPr>
-      <a:lvl5pPr marL="1620203" indent="-180023" algn="l" defTabSz="720090" rtl="0" eaLnBrk="1" latinLnBrk="0" hangingPunct="1">
+      <a:lvl5pPr marL="1403970" indent="-155997" algn="l" defTabSz="623987" rtl="0" eaLnBrk="1" latinLnBrk="0" hangingPunct="1">
         <a:lnSpc>
           <a:spcPct val="90000"/>
         </a:lnSpc>
         <a:spcBef>
-          <a:spcPts val="394"/>
+          <a:spcPts val="341"/>
         </a:spcBef>
         <a:buFont typeface="Arial" panose="020B0604020202020204" pitchFamily="34" charset="0"/>
         <a:buChar char="•"/>
-        <a:defRPr sz="1418" kern="1200">
+        <a:defRPr sz="1228" kern="1200">
           <a:solidFill>
             <a:schemeClr val="tx1"/>
           </a:solidFill>
@@ -2784,16 +2784,16 @@
           <a:cs typeface="+mn-cs"/>
         </a:defRPr>
       </a:lvl5pPr>
-      <a:lvl6pPr marL="1980248" indent="-180023" algn="l" defTabSz="720090" rtl="0" eaLnBrk="1" latinLnBrk="0" hangingPunct="1">
+      <a:lvl6pPr marL="1715963" indent="-155997" algn="l" defTabSz="623987" rtl="0" eaLnBrk="1" latinLnBrk="0" hangingPunct="1">
         <a:lnSpc>
           <a:spcPct val="90000"/>
         </a:lnSpc>
         <a:spcBef>
-          <a:spcPts val="394"/>
+          <a:spcPts val="341"/>
         </a:spcBef>
         <a:buFont typeface="Arial" panose="020B0604020202020204" pitchFamily="34" charset="0"/>
         <a:buChar char="•"/>
-        <a:defRPr sz="1418" kern="1200">
+        <a:defRPr sz="1228" kern="1200">
           <a:solidFill>
             <a:schemeClr val="tx1"/>
           </a:solidFill>
@@ -2802,16 +2802,16 @@
           <a:cs typeface="+mn-cs"/>
         </a:defRPr>
       </a:lvl6pPr>
-      <a:lvl7pPr marL="2340293" indent="-180023" algn="l" defTabSz="720090" rtl="0" eaLnBrk="1" latinLnBrk="0" hangingPunct="1">
+      <a:lvl7pPr marL="2027956" indent="-155997" algn="l" defTabSz="623987" rtl="0" eaLnBrk="1" latinLnBrk="0" hangingPunct="1">
         <a:lnSpc>
           <a:spcPct val="90000"/>
         </a:lnSpc>
         <a:spcBef>
-          <a:spcPts val="394"/>
+          <a:spcPts val="341"/>
         </a:spcBef>
         <a:buFont typeface="Arial" panose="020B0604020202020204" pitchFamily="34" charset="0"/>
         <a:buChar char="•"/>
-        <a:defRPr sz="1418" kern="1200">
+        <a:defRPr sz="1228" kern="1200">
           <a:solidFill>
             <a:schemeClr val="tx1"/>
           </a:solidFill>
@@ -2820,16 +2820,16 @@
           <a:cs typeface="+mn-cs"/>
         </a:defRPr>
       </a:lvl7pPr>
-      <a:lvl8pPr marL="2700338" indent="-180023" algn="l" defTabSz="720090" rtl="0" eaLnBrk="1" latinLnBrk="0" hangingPunct="1">
+      <a:lvl8pPr marL="2339950" indent="-155997" algn="l" defTabSz="623987" rtl="0" eaLnBrk="1" latinLnBrk="0" hangingPunct="1">
         <a:lnSpc>
           <a:spcPct val="90000"/>
         </a:lnSpc>
         <a:spcBef>
-          <a:spcPts val="394"/>
+          <a:spcPts val="341"/>
         </a:spcBef>
         <a:buFont typeface="Arial" panose="020B0604020202020204" pitchFamily="34" charset="0"/>
         <a:buChar char="•"/>
-        <a:defRPr sz="1418" kern="1200">
+        <a:defRPr sz="1228" kern="1200">
           <a:solidFill>
             <a:schemeClr val="tx1"/>
           </a:solidFill>
@@ -2838,16 +2838,16 @@
           <a:cs typeface="+mn-cs"/>
         </a:defRPr>
       </a:lvl8pPr>
-      <a:lvl9pPr marL="3060383" indent="-180023" algn="l" defTabSz="720090" rtl="0" eaLnBrk="1" latinLnBrk="0" hangingPunct="1">
+      <a:lvl9pPr marL="2651943" indent="-155997" algn="l" defTabSz="623987" rtl="0" eaLnBrk="1" latinLnBrk="0" hangingPunct="1">
         <a:lnSpc>
           <a:spcPct val="90000"/>
         </a:lnSpc>
         <a:spcBef>
-          <a:spcPts val="394"/>
+          <a:spcPts val="341"/>
         </a:spcBef>
         <a:buFont typeface="Arial" panose="020B0604020202020204" pitchFamily="34" charset="0"/>
         <a:buChar char="•"/>
-        <a:defRPr sz="1418" kern="1200">
+        <a:defRPr sz="1228" kern="1200">
           <a:solidFill>
             <a:schemeClr val="tx1"/>
           </a:solidFill>
@@ -2861,8 +2861,8 @@
       <a:defPPr>
         <a:defRPr lang="en-US"/>
       </a:defPPr>
-      <a:lvl1pPr marL="0" algn="l" defTabSz="720090" rtl="0" eaLnBrk="1" latinLnBrk="0" hangingPunct="1">
-        <a:defRPr sz="1418" kern="1200">
+      <a:lvl1pPr marL="0" algn="l" defTabSz="623987" rtl="0" eaLnBrk="1" latinLnBrk="0" hangingPunct="1">
+        <a:defRPr sz="1228" kern="1200">
           <a:solidFill>
             <a:schemeClr val="tx1"/>
           </a:solidFill>
@@ -2871,8 +2871,8 @@
           <a:cs typeface="+mn-cs"/>
         </a:defRPr>
       </a:lvl1pPr>
-      <a:lvl2pPr marL="360045" algn="l" defTabSz="720090" rtl="0" eaLnBrk="1" latinLnBrk="0" hangingPunct="1">
-        <a:defRPr sz="1418" kern="1200">
+      <a:lvl2pPr marL="311993" algn="l" defTabSz="623987" rtl="0" eaLnBrk="1" latinLnBrk="0" hangingPunct="1">
+        <a:defRPr sz="1228" kern="1200">
           <a:solidFill>
             <a:schemeClr val="tx1"/>
           </a:solidFill>
@@ -2881,8 +2881,8 @@
           <a:cs typeface="+mn-cs"/>
         </a:defRPr>
       </a:lvl2pPr>
-      <a:lvl3pPr marL="720090" algn="l" defTabSz="720090" rtl="0" eaLnBrk="1" latinLnBrk="0" hangingPunct="1">
-        <a:defRPr sz="1418" kern="1200">
+      <a:lvl3pPr marL="623987" algn="l" defTabSz="623987" rtl="0" eaLnBrk="1" latinLnBrk="0" hangingPunct="1">
+        <a:defRPr sz="1228" kern="1200">
           <a:solidFill>
             <a:schemeClr val="tx1"/>
           </a:solidFill>
@@ -2891,8 +2891,8 @@
           <a:cs typeface="+mn-cs"/>
         </a:defRPr>
       </a:lvl3pPr>
-      <a:lvl4pPr marL="1080135" algn="l" defTabSz="720090" rtl="0" eaLnBrk="1" latinLnBrk="0" hangingPunct="1">
-        <a:defRPr sz="1418" kern="1200">
+      <a:lvl4pPr marL="935980" algn="l" defTabSz="623987" rtl="0" eaLnBrk="1" latinLnBrk="0" hangingPunct="1">
+        <a:defRPr sz="1228" kern="1200">
           <a:solidFill>
             <a:schemeClr val="tx1"/>
           </a:solidFill>
@@ -2901,8 +2901,8 @@
           <a:cs typeface="+mn-cs"/>
         </a:defRPr>
       </a:lvl4pPr>
-      <a:lvl5pPr marL="1440180" algn="l" defTabSz="720090" rtl="0" eaLnBrk="1" latinLnBrk="0" hangingPunct="1">
-        <a:defRPr sz="1418" kern="1200">
+      <a:lvl5pPr marL="1247973" algn="l" defTabSz="623987" rtl="0" eaLnBrk="1" latinLnBrk="0" hangingPunct="1">
+        <a:defRPr sz="1228" kern="1200">
           <a:solidFill>
             <a:schemeClr val="tx1"/>
           </a:solidFill>
@@ -2911,8 +2911,8 @@
           <a:cs typeface="+mn-cs"/>
         </a:defRPr>
       </a:lvl5pPr>
-      <a:lvl6pPr marL="1800225" algn="l" defTabSz="720090" rtl="0" eaLnBrk="1" latinLnBrk="0" hangingPunct="1">
-        <a:defRPr sz="1418" kern="1200">
+      <a:lvl6pPr marL="1559966" algn="l" defTabSz="623987" rtl="0" eaLnBrk="1" latinLnBrk="0" hangingPunct="1">
+        <a:defRPr sz="1228" kern="1200">
           <a:solidFill>
             <a:schemeClr val="tx1"/>
           </a:solidFill>
@@ -2921,8 +2921,8 @@
           <a:cs typeface="+mn-cs"/>
         </a:defRPr>
       </a:lvl6pPr>
-      <a:lvl7pPr marL="2160270" algn="l" defTabSz="720090" rtl="0" eaLnBrk="1" latinLnBrk="0" hangingPunct="1">
-        <a:defRPr sz="1418" kern="1200">
+      <a:lvl7pPr marL="1871960" algn="l" defTabSz="623987" rtl="0" eaLnBrk="1" latinLnBrk="0" hangingPunct="1">
+        <a:defRPr sz="1228" kern="1200">
           <a:solidFill>
             <a:schemeClr val="tx1"/>
           </a:solidFill>
@@ -2931,8 +2931,8 @@
           <a:cs typeface="+mn-cs"/>
         </a:defRPr>
       </a:lvl7pPr>
-      <a:lvl8pPr marL="2520315" algn="l" defTabSz="720090" rtl="0" eaLnBrk="1" latinLnBrk="0" hangingPunct="1">
-        <a:defRPr sz="1418" kern="1200">
+      <a:lvl8pPr marL="2183953" algn="l" defTabSz="623987" rtl="0" eaLnBrk="1" latinLnBrk="0" hangingPunct="1">
+        <a:defRPr sz="1228" kern="1200">
           <a:solidFill>
             <a:schemeClr val="tx1"/>
           </a:solidFill>
@@ -2941,8 +2941,8 @@
           <a:cs typeface="+mn-cs"/>
         </a:defRPr>
       </a:lvl8pPr>
-      <a:lvl9pPr marL="2880360" algn="l" defTabSz="720090" rtl="0" eaLnBrk="1" latinLnBrk="0" hangingPunct="1">
-        <a:defRPr sz="1418" kern="1200">
+      <a:lvl9pPr marL="2495946" algn="l" defTabSz="623987" rtl="0" eaLnBrk="1" latinLnBrk="0" hangingPunct="1">
+        <a:defRPr sz="1228" kern="1200">
           <a:solidFill>
             <a:schemeClr val="tx1"/>
           </a:solidFill>
@@ -3000,7 +3000,7 @@
         </p:blipFill>
         <p:spPr>
           <a:xfrm>
-            <a:off x="89016" y="350604"/>
+            <a:off x="89017" y="-9758"/>
             <a:ext cx="3365503" cy="4712248"/>
           </a:xfrm>
           <a:prstGeom prst="rect">
@@ -3035,7 +3035,7 @@
         </p:blipFill>
         <p:spPr>
           <a:xfrm>
-            <a:off x="7244915" y="350604"/>
+            <a:off x="7244916" y="-9758"/>
             <a:ext cx="2771201" cy="4712248"/>
           </a:xfrm>
           <a:prstGeom prst="rect">
@@ -3057,7 +3057,7 @@
         </p:nvSpPr>
         <p:spPr>
           <a:xfrm>
-            <a:off x="3474328" y="414846"/>
+            <a:off x="3474328" y="54484"/>
             <a:ext cx="3653564" cy="446276"/>
           </a:xfrm>
           <a:prstGeom prst="rect">
@@ -3095,7 +3095,7 @@
         </p:nvSpPr>
         <p:spPr>
           <a:xfrm>
-            <a:off x="3474329" y="1058571"/>
+            <a:off x="3474330" y="698210"/>
             <a:ext cx="3770585" cy="3851563"/>
           </a:xfrm>
           <a:prstGeom prst="rect">
@@ -3297,6 +3297,225 @@
               </a:rPr>
               <a:t> value</a:t>
             </a:r>
+          </a:p>
+        </p:txBody>
+      </p:sp>
+      <p:sp>
+        <p:nvSpPr>
+          <p:cNvPr id="5" name="Rektangel 4">
+            <a:extLst>
+              <a:ext uri="{FF2B5EF4-FFF2-40B4-BE49-F238E27FC236}">
+                <a16:creationId xmlns:a16="http://schemas.microsoft.com/office/drawing/2014/main" id="{D47FC73B-6BD3-F949-B590-A6C92F8FE9B7}"/>
+              </a:ext>
+            </a:extLst>
+          </p:cNvPr>
+          <p:cNvSpPr/>
+          <p:nvPr/>
+        </p:nvSpPr>
+        <p:spPr>
+          <a:xfrm>
+            <a:off x="7802880" y="1698172"/>
+            <a:ext cx="2020389" cy="296092"/>
+          </a:xfrm>
+          <a:prstGeom prst="rect">
+            <a:avLst/>
+          </a:prstGeom>
+          <a:ln>
+            <a:solidFill>
+              <a:schemeClr val="bg1"/>
+            </a:solidFill>
+          </a:ln>
+        </p:spPr>
+        <p:style>
+          <a:lnRef idx="2">
+            <a:schemeClr val="accent6"/>
+          </a:lnRef>
+          <a:fillRef idx="1">
+            <a:schemeClr val="lt1"/>
+          </a:fillRef>
+          <a:effectRef idx="0">
+            <a:schemeClr val="accent6"/>
+          </a:effectRef>
+          <a:fontRef idx="minor">
+            <a:schemeClr val="dk1"/>
+          </a:fontRef>
+        </p:style>
+        <p:txBody>
+          <a:bodyPr rtlCol="0" anchor="ctr"/>
+          <a:lstStyle/>
+          <a:p>
+            <a:pPr algn="ctr"/>
+            <a:r>
+              <a:rPr lang="en-US" sz="1600" dirty="0">
+                <a:latin typeface="Arial" panose="020B0604020202020204" pitchFamily="34" charset="0"/>
+                <a:cs typeface="Arial" panose="020B0604020202020204" pitchFamily="34" charset="0"/>
+              </a:rPr>
+              <a:t>R</a:t>
+            </a:r>
+            <a:r>
+              <a:rPr lang="en-US" sz="1600" baseline="-25000" dirty="0">
+                <a:latin typeface="Arial" panose="020B0604020202020204" pitchFamily="34" charset="0"/>
+                <a:cs typeface="Arial" panose="020B0604020202020204" pitchFamily="34" charset="0"/>
+              </a:rPr>
+              <a:t>wp</a:t>
+            </a:r>
+            <a:r>
+              <a:rPr lang="en-US" sz="1600" dirty="0">
+                <a:latin typeface="Arial" panose="020B0604020202020204" pitchFamily="34" charset="0"/>
+                <a:cs typeface="Arial" panose="020B0604020202020204" pitchFamily="34" charset="0"/>
+              </a:rPr>
+              <a:t> = 29 %</a:t>
+            </a:r>
+            <a:endParaRPr lang="en-US" sz="1600" baseline="-25000" dirty="0">
+              <a:latin typeface="Arial" panose="020B0604020202020204" pitchFamily="34" charset="0"/>
+              <a:cs typeface="Arial" panose="020B0604020202020204" pitchFamily="34" charset="0"/>
+            </a:endParaRPr>
+          </a:p>
+        </p:txBody>
+      </p:sp>
+      <p:sp>
+        <p:nvSpPr>
+          <p:cNvPr id="8" name="Rektangel 7">
+            <a:extLst>
+              <a:ext uri="{FF2B5EF4-FFF2-40B4-BE49-F238E27FC236}">
+                <a16:creationId xmlns:a16="http://schemas.microsoft.com/office/drawing/2014/main" id="{AC5D3557-AEF4-6047-8D82-8D81EB9C16C6}"/>
+              </a:ext>
+            </a:extLst>
+          </p:cNvPr>
+          <p:cNvSpPr/>
+          <p:nvPr/>
+        </p:nvSpPr>
+        <p:spPr>
+          <a:xfrm>
+            <a:off x="7802880" y="3052285"/>
+            <a:ext cx="2020389" cy="296092"/>
+          </a:xfrm>
+          <a:prstGeom prst="rect">
+            <a:avLst/>
+          </a:prstGeom>
+          <a:ln>
+            <a:solidFill>
+              <a:schemeClr val="bg1"/>
+            </a:solidFill>
+          </a:ln>
+        </p:spPr>
+        <p:style>
+          <a:lnRef idx="2">
+            <a:schemeClr val="accent6"/>
+          </a:lnRef>
+          <a:fillRef idx="1">
+            <a:schemeClr val="lt1"/>
+          </a:fillRef>
+          <a:effectRef idx="0">
+            <a:schemeClr val="accent6"/>
+          </a:effectRef>
+          <a:fontRef idx="minor">
+            <a:schemeClr val="dk1"/>
+          </a:fontRef>
+        </p:style>
+        <p:txBody>
+          <a:bodyPr rtlCol="0" anchor="ctr"/>
+          <a:lstStyle/>
+          <a:p>
+            <a:pPr algn="ctr"/>
+            <a:r>
+              <a:rPr lang="en-US" sz="1600" dirty="0">
+                <a:latin typeface="Arial" panose="020B0604020202020204" pitchFamily="34" charset="0"/>
+                <a:cs typeface="Arial" panose="020B0604020202020204" pitchFamily="34" charset="0"/>
+              </a:rPr>
+              <a:t>R</a:t>
+            </a:r>
+            <a:r>
+              <a:rPr lang="en-US" sz="1600" baseline="-25000" dirty="0">
+                <a:latin typeface="Arial" panose="020B0604020202020204" pitchFamily="34" charset="0"/>
+                <a:cs typeface="Arial" panose="020B0604020202020204" pitchFamily="34" charset="0"/>
+              </a:rPr>
+              <a:t>wp</a:t>
+            </a:r>
+            <a:r>
+              <a:rPr lang="en-US" sz="1600" dirty="0">
+                <a:latin typeface="Arial" panose="020B0604020202020204" pitchFamily="34" charset="0"/>
+                <a:cs typeface="Arial" panose="020B0604020202020204" pitchFamily="34" charset="0"/>
+              </a:rPr>
+              <a:t> = 35 %</a:t>
+            </a:r>
+            <a:endParaRPr lang="en-US" sz="1600" baseline="-25000" dirty="0">
+              <a:latin typeface="Arial" panose="020B0604020202020204" pitchFamily="34" charset="0"/>
+              <a:cs typeface="Arial" panose="020B0604020202020204" pitchFamily="34" charset="0"/>
+            </a:endParaRPr>
+          </a:p>
+        </p:txBody>
+      </p:sp>
+      <p:sp>
+        <p:nvSpPr>
+          <p:cNvPr id="10" name="Rektangel 9">
+            <a:extLst>
+              <a:ext uri="{FF2B5EF4-FFF2-40B4-BE49-F238E27FC236}">
+                <a16:creationId xmlns:a16="http://schemas.microsoft.com/office/drawing/2014/main" id="{8ACECCCB-43D5-AB47-8DFE-6043F4669D12}"/>
+              </a:ext>
+            </a:extLst>
+          </p:cNvPr>
+          <p:cNvSpPr/>
+          <p:nvPr/>
+        </p:nvSpPr>
+        <p:spPr>
+          <a:xfrm>
+            <a:off x="7802879" y="4344214"/>
+            <a:ext cx="2020389" cy="296092"/>
+          </a:xfrm>
+          <a:prstGeom prst="rect">
+            <a:avLst/>
+          </a:prstGeom>
+          <a:ln>
+            <a:solidFill>
+              <a:schemeClr val="bg1"/>
+            </a:solidFill>
+          </a:ln>
+        </p:spPr>
+        <p:style>
+          <a:lnRef idx="2">
+            <a:schemeClr val="accent6"/>
+          </a:lnRef>
+          <a:fillRef idx="1">
+            <a:schemeClr val="lt1"/>
+          </a:fillRef>
+          <a:effectRef idx="0">
+            <a:schemeClr val="accent6"/>
+          </a:effectRef>
+          <a:fontRef idx="minor">
+            <a:schemeClr val="dk1"/>
+          </a:fontRef>
+        </p:style>
+        <p:txBody>
+          <a:bodyPr rtlCol="0" anchor="ctr"/>
+          <a:lstStyle/>
+          <a:p>
+            <a:pPr algn="ctr"/>
+            <a:r>
+              <a:rPr lang="en-US" sz="1600" dirty="0">
+                <a:latin typeface="Arial" panose="020B0604020202020204" pitchFamily="34" charset="0"/>
+                <a:cs typeface="Arial" panose="020B0604020202020204" pitchFamily="34" charset="0"/>
+              </a:rPr>
+              <a:t>R</a:t>
+            </a:r>
+            <a:r>
+              <a:rPr lang="en-US" sz="1600" baseline="-25000" dirty="0">
+                <a:latin typeface="Arial" panose="020B0604020202020204" pitchFamily="34" charset="0"/>
+                <a:cs typeface="Arial" panose="020B0604020202020204" pitchFamily="34" charset="0"/>
+              </a:rPr>
+              <a:t>wp</a:t>
+            </a:r>
+            <a:r>
+              <a:rPr lang="en-US" sz="1600" dirty="0">
+                <a:latin typeface="Arial" panose="020B0604020202020204" pitchFamily="34" charset="0"/>
+                <a:cs typeface="Arial" panose="020B0604020202020204" pitchFamily="34" charset="0"/>
+              </a:rPr>
+              <a:t> = 48 %</a:t>
+            </a:r>
+            <a:endParaRPr lang="en-US" sz="1600" baseline="-25000" dirty="0">
+              <a:latin typeface="Arial" panose="020B0604020202020204" pitchFamily="34" charset="0"/>
+              <a:cs typeface="Arial" panose="020B0604020202020204" pitchFamily="34" charset="0"/>
+            </a:endParaRPr>
           </a:p>
         </p:txBody>
       </p:sp>

--- a/images/bruteforce-figure.pptx
+++ b/images/bruteforce-figure.pptx
@@ -3519,6 +3519,48 @@
           </a:p>
         </p:txBody>
       </p:sp>
+      <p:sp>
+        <p:nvSpPr>
+          <p:cNvPr id="6" name="Tekstfelt 5">
+            <a:extLst>
+              <a:ext uri="{FF2B5EF4-FFF2-40B4-BE49-F238E27FC236}">
+                <a16:creationId xmlns:a16="http://schemas.microsoft.com/office/drawing/2014/main" id="{5BC8DB23-D54D-6A45-A9D3-FE9C3A484D4A}"/>
+              </a:ext>
+            </a:extLst>
+          </p:cNvPr>
+          <p:cNvSpPr txBox="1"/>
+          <p:nvPr/>
+        </p:nvSpPr>
+        <p:spPr>
+          <a:xfrm>
+            <a:off x="2394856" y="4060603"/>
+            <a:ext cx="453970" cy="369332"/>
+          </a:xfrm>
+          <a:prstGeom prst="rect">
+            <a:avLst/>
+          </a:prstGeom>
+          <a:noFill/>
+        </p:spPr>
+        <p:txBody>
+          <a:bodyPr wrap="none" rtlCol="0">
+            <a:spAutoFit/>
+          </a:bodyPr>
+          <a:lstStyle/>
+          <a:p>
+            <a:r>
+              <a:rPr lang="en-US" dirty="0"/>
+              <a:t>Å</a:t>
+            </a:r>
+            <a:r>
+              <a:rPr lang="en-US" sz="1600" baseline="30000" dirty="0">
+                <a:latin typeface="Arial" panose="020B0604020202020204" pitchFamily="34" charset="0"/>
+                <a:cs typeface="Arial" panose="020B0604020202020204" pitchFamily="34" charset="0"/>
+              </a:rPr>
+              <a:t>-1</a:t>
+            </a:r>
+          </a:p>
+        </p:txBody>
+      </p:sp>
     </p:spTree>
     <p:extLst>
       <p:ext uri="{BB962C8B-B14F-4D97-AF65-F5344CB8AC3E}">

--- a/images/bruteforce-figure.pptx
+++ b/images/bruteforce-figure.pptx
@@ -2,12 +2,12 @@
 <file path=ppt/presentation.xml><?xml version="1.0" encoding="utf-8"?>
 <p:presentation xmlns:a="http://schemas.openxmlformats.org/drawingml/2006/main" xmlns:r="http://schemas.openxmlformats.org/officeDocument/2006/relationships" xmlns:p="http://schemas.openxmlformats.org/presentationml/2006/main" saveSubsetFonts="1">
   <p:sldMasterIdLst>
-    <p:sldMasterId id="2147483672" r:id="rId1"/>
+    <p:sldMasterId id="2147483732" r:id="rId1"/>
   </p:sldMasterIdLst>
   <p:sldIdLst>
     <p:sldId id="256" r:id="rId2"/>
   </p:sldIdLst>
-  <p:sldSz cx="10080625" cy="4679950"/>
+  <p:sldSz cx="7199313" cy="4679950"/>
   <p:notesSz cx="6858000" cy="9144000"/>
   <p:defaultTextStyle>
     <a:defPPr>
@@ -141,8 +141,8 @@
         </p:nvSpPr>
         <p:spPr>
           <a:xfrm>
-            <a:off x="1260078" y="765909"/>
-            <a:ext cx="7560469" cy="1629316"/>
+            <a:off x="539949" y="765909"/>
+            <a:ext cx="6119416" cy="1629316"/>
           </a:xfrm>
         </p:spPr>
         <p:txBody>
@@ -173,8 +173,8 @@
         </p:nvSpPr>
         <p:spPr>
           <a:xfrm>
-            <a:off x="1260078" y="2458058"/>
-            <a:ext cx="7560469" cy="1129904"/>
+            <a:off x="899914" y="2458058"/>
+            <a:ext cx="5399485" cy="1129904"/>
           </a:xfrm>
         </p:spPr>
         <p:txBody>
@@ -294,7 +294,7 @@
     </p:spTree>
     <p:extLst>
       <p:ext uri="{BB962C8B-B14F-4D97-AF65-F5344CB8AC3E}">
-        <p14:creationId xmlns:p14="http://schemas.microsoft.com/office/powerpoint/2010/main" val="3514211521"/>
+        <p14:creationId xmlns:p14="http://schemas.microsoft.com/office/powerpoint/2010/main" val="312055170"/>
       </p:ext>
     </p:extLst>
   </p:cSld>
@@ -464,7 +464,7 @@
     </p:spTree>
     <p:extLst>
       <p:ext uri="{BB962C8B-B14F-4D97-AF65-F5344CB8AC3E}">
-        <p14:creationId xmlns:p14="http://schemas.microsoft.com/office/powerpoint/2010/main" val="2694336225"/>
+        <p14:creationId xmlns:p14="http://schemas.microsoft.com/office/powerpoint/2010/main" val="3398854780"/>
       </p:ext>
     </p:extLst>
   </p:cSld>
@@ -503,8 +503,8 @@
         </p:nvSpPr>
         <p:spPr>
           <a:xfrm>
-            <a:off x="7213947" y="249164"/>
-            <a:ext cx="2173635" cy="3966041"/>
+            <a:off x="5152009" y="249164"/>
+            <a:ext cx="1552352" cy="3966041"/>
           </a:xfrm>
         </p:spPr>
         <p:txBody>
@@ -531,8 +531,8 @@
         </p:nvSpPr>
         <p:spPr>
           <a:xfrm>
-            <a:off x="693043" y="249164"/>
-            <a:ext cx="6394896" cy="3966041"/>
+            <a:off x="494953" y="249164"/>
+            <a:ext cx="4567064" cy="3966041"/>
           </a:xfrm>
         </p:spPr>
         <p:txBody>
@@ -644,7 +644,7 @@
     </p:spTree>
     <p:extLst>
       <p:ext uri="{BB962C8B-B14F-4D97-AF65-F5344CB8AC3E}">
-        <p14:creationId xmlns:p14="http://schemas.microsoft.com/office/powerpoint/2010/main" val="2283917003"/>
+        <p14:creationId xmlns:p14="http://schemas.microsoft.com/office/powerpoint/2010/main" val="4170432867"/>
       </p:ext>
     </p:extLst>
   </p:cSld>
@@ -814,7 +814,7 @@
     </p:spTree>
     <p:extLst>
       <p:ext uri="{BB962C8B-B14F-4D97-AF65-F5344CB8AC3E}">
-        <p14:creationId xmlns:p14="http://schemas.microsoft.com/office/powerpoint/2010/main" val="196156755"/>
+        <p14:creationId xmlns:p14="http://schemas.microsoft.com/office/powerpoint/2010/main" val="1518847076"/>
       </p:ext>
     </p:extLst>
   </p:cSld>
@@ -853,8 +853,8 @@
         </p:nvSpPr>
         <p:spPr>
           <a:xfrm>
-            <a:off x="687793" y="1166738"/>
-            <a:ext cx="8694539" cy="1946729"/>
+            <a:off x="491204" y="1166739"/>
+            <a:ext cx="6209407" cy="1946729"/>
           </a:xfrm>
         </p:spPr>
         <p:txBody>
@@ -885,8 +885,8 @@
         </p:nvSpPr>
         <p:spPr>
           <a:xfrm>
-            <a:off x="687793" y="3131884"/>
-            <a:ext cx="8694539" cy="1023739"/>
+            <a:off x="491204" y="3131884"/>
+            <a:ext cx="6209407" cy="1023739"/>
           </a:xfrm>
         </p:spPr>
         <p:txBody>
@@ -896,9 +896,7 @@
               <a:buNone/>
               <a:defRPr sz="1638">
                 <a:solidFill>
-                  <a:schemeClr val="tx1">
-                    <a:tint val="75000"/>
-                  </a:schemeClr>
+                  <a:schemeClr val="tx1"/>
                 </a:solidFill>
               </a:defRPr>
             </a:lvl1pPr>
@@ -1060,7 +1058,7 @@
     </p:spTree>
     <p:extLst>
       <p:ext uri="{BB962C8B-B14F-4D97-AF65-F5344CB8AC3E}">
-        <p14:creationId xmlns:p14="http://schemas.microsoft.com/office/powerpoint/2010/main" val="1038631148"/>
+        <p14:creationId xmlns:p14="http://schemas.microsoft.com/office/powerpoint/2010/main" val="3438625978"/>
       </p:ext>
     </p:extLst>
   </p:cSld>
@@ -1122,8 +1120,8 @@
         </p:nvSpPr>
         <p:spPr>
           <a:xfrm>
-            <a:off x="693043" y="1245820"/>
-            <a:ext cx="4284266" cy="2969385"/>
+            <a:off x="494953" y="1245820"/>
+            <a:ext cx="3059708" cy="2969385"/>
           </a:xfrm>
         </p:spPr>
         <p:txBody>
@@ -1179,8 +1177,8 @@
         </p:nvSpPr>
         <p:spPr>
           <a:xfrm>
-            <a:off x="5103316" y="1245820"/>
-            <a:ext cx="4284266" cy="2969385"/>
+            <a:off x="3644652" y="1245820"/>
+            <a:ext cx="3059708" cy="2969385"/>
           </a:xfrm>
         </p:spPr>
         <p:txBody>
@@ -1292,7 +1290,7 @@
     </p:spTree>
     <p:extLst>
       <p:ext uri="{BB962C8B-B14F-4D97-AF65-F5344CB8AC3E}">
-        <p14:creationId xmlns:p14="http://schemas.microsoft.com/office/powerpoint/2010/main" val="3818019504"/>
+        <p14:creationId xmlns:p14="http://schemas.microsoft.com/office/powerpoint/2010/main" val="1042777929"/>
       </p:ext>
     </p:extLst>
   </p:cSld>
@@ -1331,8 +1329,8 @@
         </p:nvSpPr>
         <p:spPr>
           <a:xfrm>
-            <a:off x="694356" y="249164"/>
-            <a:ext cx="8694539" cy="904574"/>
+            <a:off x="495891" y="249165"/>
+            <a:ext cx="6209407" cy="904574"/>
           </a:xfrm>
         </p:spPr>
         <p:txBody>
@@ -1359,8 +1357,8 @@
         </p:nvSpPr>
         <p:spPr>
           <a:xfrm>
-            <a:off x="694357" y="1147238"/>
-            <a:ext cx="4264576" cy="562244"/>
+            <a:off x="495891" y="1147238"/>
+            <a:ext cx="3045646" cy="562244"/>
           </a:xfrm>
         </p:spPr>
         <p:txBody>
@@ -1424,8 +1422,8 @@
         </p:nvSpPr>
         <p:spPr>
           <a:xfrm>
-            <a:off x="694357" y="1709482"/>
-            <a:ext cx="4264576" cy="2514390"/>
+            <a:off x="495891" y="1709482"/>
+            <a:ext cx="3045646" cy="2514390"/>
           </a:xfrm>
         </p:spPr>
         <p:txBody>
@@ -1481,8 +1479,8 @@
         </p:nvSpPr>
         <p:spPr>
           <a:xfrm>
-            <a:off x="5103316" y="1147238"/>
-            <a:ext cx="4285579" cy="562244"/>
+            <a:off x="3644652" y="1147238"/>
+            <a:ext cx="3060646" cy="562244"/>
           </a:xfrm>
         </p:spPr>
         <p:txBody>
@@ -1546,8 +1544,8 @@
         </p:nvSpPr>
         <p:spPr>
           <a:xfrm>
-            <a:off x="5103316" y="1709482"/>
-            <a:ext cx="4285579" cy="2514390"/>
+            <a:off x="3644652" y="1709482"/>
+            <a:ext cx="3060646" cy="2514390"/>
           </a:xfrm>
         </p:spPr>
         <p:txBody>
@@ -1659,7 +1657,7 @@
     </p:spTree>
     <p:extLst>
       <p:ext uri="{BB962C8B-B14F-4D97-AF65-F5344CB8AC3E}">
-        <p14:creationId xmlns:p14="http://schemas.microsoft.com/office/powerpoint/2010/main" val="1635176608"/>
+        <p14:creationId xmlns:p14="http://schemas.microsoft.com/office/powerpoint/2010/main" val="1037668243"/>
       </p:ext>
     </p:extLst>
   </p:cSld>
@@ -1777,7 +1775,7 @@
     </p:spTree>
     <p:extLst>
       <p:ext uri="{BB962C8B-B14F-4D97-AF65-F5344CB8AC3E}">
-        <p14:creationId xmlns:p14="http://schemas.microsoft.com/office/powerpoint/2010/main" val="1126407378"/>
+        <p14:creationId xmlns:p14="http://schemas.microsoft.com/office/powerpoint/2010/main" val="2615102761"/>
       </p:ext>
     </p:extLst>
   </p:cSld>
@@ -1872,7 +1870,7 @@
     </p:spTree>
     <p:extLst>
       <p:ext uri="{BB962C8B-B14F-4D97-AF65-F5344CB8AC3E}">
-        <p14:creationId xmlns:p14="http://schemas.microsoft.com/office/powerpoint/2010/main" val="3839941737"/>
+        <p14:creationId xmlns:p14="http://schemas.microsoft.com/office/powerpoint/2010/main" val="1426897492"/>
       </p:ext>
     </p:extLst>
   </p:cSld>
@@ -1911,8 +1909,8 @@
         </p:nvSpPr>
         <p:spPr>
           <a:xfrm>
-            <a:off x="694356" y="311997"/>
-            <a:ext cx="3251264" cy="1091988"/>
+            <a:off x="495890" y="311997"/>
+            <a:ext cx="2321966" cy="1091988"/>
           </a:xfrm>
         </p:spPr>
         <p:txBody>
@@ -1943,8 +1941,8 @@
         </p:nvSpPr>
         <p:spPr>
           <a:xfrm>
-            <a:off x="4285579" y="673826"/>
-            <a:ext cx="5103316" cy="3325798"/>
+            <a:off x="3060646" y="673827"/>
+            <a:ext cx="3644652" cy="3325798"/>
           </a:xfrm>
         </p:spPr>
         <p:txBody>
@@ -2028,8 +2026,8 @@
         </p:nvSpPr>
         <p:spPr>
           <a:xfrm>
-            <a:off x="694356" y="1403985"/>
-            <a:ext cx="3251264" cy="2601056"/>
+            <a:off x="495890" y="1403985"/>
+            <a:ext cx="2321966" cy="2601056"/>
           </a:xfrm>
         </p:spPr>
         <p:txBody>
@@ -2149,7 +2147,7 @@
     </p:spTree>
     <p:extLst>
       <p:ext uri="{BB962C8B-B14F-4D97-AF65-F5344CB8AC3E}">
-        <p14:creationId xmlns:p14="http://schemas.microsoft.com/office/powerpoint/2010/main" val="1089696287"/>
+        <p14:creationId xmlns:p14="http://schemas.microsoft.com/office/powerpoint/2010/main" val="1648791092"/>
       </p:ext>
     </p:extLst>
   </p:cSld>
@@ -2188,8 +2186,8 @@
         </p:nvSpPr>
         <p:spPr>
           <a:xfrm>
-            <a:off x="694356" y="311997"/>
-            <a:ext cx="3251264" cy="1091988"/>
+            <a:off x="495890" y="311997"/>
+            <a:ext cx="2321966" cy="1091988"/>
           </a:xfrm>
         </p:spPr>
         <p:txBody>
@@ -2220,8 +2218,8 @@
         </p:nvSpPr>
         <p:spPr>
           <a:xfrm>
-            <a:off x="4285579" y="673826"/>
-            <a:ext cx="5103316" cy="3325798"/>
+            <a:off x="3060646" y="673827"/>
+            <a:ext cx="3644652" cy="3325798"/>
           </a:xfrm>
         </p:spPr>
         <p:txBody>
@@ -2285,8 +2283,8 @@
         </p:nvSpPr>
         <p:spPr>
           <a:xfrm>
-            <a:off x="694356" y="1403985"/>
-            <a:ext cx="3251264" cy="2601056"/>
+            <a:off x="495890" y="1403985"/>
+            <a:ext cx="2321966" cy="2601056"/>
           </a:xfrm>
         </p:spPr>
         <p:txBody>
@@ -2406,7 +2404,7 @@
     </p:spTree>
     <p:extLst>
       <p:ext uri="{BB962C8B-B14F-4D97-AF65-F5344CB8AC3E}">
-        <p14:creationId xmlns:p14="http://schemas.microsoft.com/office/powerpoint/2010/main" val="902936230"/>
+        <p14:creationId xmlns:p14="http://schemas.microsoft.com/office/powerpoint/2010/main" val="1716364057"/>
       </p:ext>
     </p:extLst>
   </p:cSld>
@@ -2450,8 +2448,8 @@
         </p:nvSpPr>
         <p:spPr>
           <a:xfrm>
-            <a:off x="693043" y="249164"/>
-            <a:ext cx="8694539" cy="904574"/>
+            <a:off x="494953" y="249165"/>
+            <a:ext cx="6209407" cy="904574"/>
           </a:xfrm>
           <a:prstGeom prst="rect">
             <a:avLst/>
@@ -2483,8 +2481,8 @@
         </p:nvSpPr>
         <p:spPr>
           <a:xfrm>
-            <a:off x="693043" y="1245820"/>
-            <a:ext cx="8694539" cy="2969385"/>
+            <a:off x="494953" y="1245820"/>
+            <a:ext cx="6209407" cy="2969385"/>
           </a:xfrm>
           <a:prstGeom prst="rect">
             <a:avLst/>
@@ -2545,8 +2543,8 @@
         </p:nvSpPr>
         <p:spPr>
           <a:xfrm>
-            <a:off x="693043" y="4337621"/>
-            <a:ext cx="2268141" cy="249164"/>
+            <a:off x="494953" y="4337621"/>
+            <a:ext cx="1619845" cy="249164"/>
           </a:xfrm>
           <a:prstGeom prst="rect">
             <a:avLst/>
@@ -2586,8 +2584,8 @@
         </p:nvSpPr>
         <p:spPr>
           <a:xfrm>
-            <a:off x="3339207" y="4337621"/>
-            <a:ext cx="3402211" cy="249164"/>
+            <a:off x="2384773" y="4337621"/>
+            <a:ext cx="2429768" cy="249164"/>
           </a:xfrm>
           <a:prstGeom prst="rect">
             <a:avLst/>
@@ -2623,8 +2621,8 @@
         </p:nvSpPr>
         <p:spPr>
           <a:xfrm>
-            <a:off x="7119441" y="4337621"/>
-            <a:ext cx="2268141" cy="249164"/>
+            <a:off x="5084515" y="4337621"/>
+            <a:ext cx="1619845" cy="249164"/>
           </a:xfrm>
           <a:prstGeom prst="rect">
             <a:avLst/>
@@ -2655,23 +2653,23 @@
     </p:spTree>
     <p:extLst>
       <p:ext uri="{BB962C8B-B14F-4D97-AF65-F5344CB8AC3E}">
-        <p14:creationId xmlns:p14="http://schemas.microsoft.com/office/powerpoint/2010/main" val="1555288460"/>
+        <p14:creationId xmlns:p14="http://schemas.microsoft.com/office/powerpoint/2010/main" val="2880291161"/>
       </p:ext>
     </p:extLst>
   </p:cSld>
   <p:clrMap bg1="lt1" tx1="dk1" bg2="lt2" tx2="dk2" accent1="accent1" accent2="accent2" accent3="accent3" accent4="accent4" accent5="accent5" accent6="accent6" hlink="hlink" folHlink="folHlink"/>
   <p:sldLayoutIdLst>
-    <p:sldLayoutId id="2147483673" r:id="rId1"/>
-    <p:sldLayoutId id="2147483674" r:id="rId2"/>
-    <p:sldLayoutId id="2147483675" r:id="rId3"/>
-    <p:sldLayoutId id="2147483676" r:id="rId4"/>
-    <p:sldLayoutId id="2147483677" r:id="rId5"/>
-    <p:sldLayoutId id="2147483678" r:id="rId6"/>
-    <p:sldLayoutId id="2147483679" r:id="rId7"/>
-    <p:sldLayoutId id="2147483680" r:id="rId8"/>
-    <p:sldLayoutId id="2147483681" r:id="rId9"/>
-    <p:sldLayoutId id="2147483682" r:id="rId10"/>
-    <p:sldLayoutId id="2147483683" r:id="rId11"/>
+    <p:sldLayoutId id="2147483733" r:id="rId1"/>
+    <p:sldLayoutId id="2147483734" r:id="rId2"/>
+    <p:sldLayoutId id="2147483735" r:id="rId3"/>
+    <p:sldLayoutId id="2147483736" r:id="rId4"/>
+    <p:sldLayoutId id="2147483737" r:id="rId5"/>
+    <p:sldLayoutId id="2147483738" r:id="rId6"/>
+    <p:sldLayoutId id="2147483739" r:id="rId7"/>
+    <p:sldLayoutId id="2147483740" r:id="rId8"/>
+    <p:sldLayoutId id="2147483741" r:id="rId9"/>
+    <p:sldLayoutId id="2147483742" r:id="rId10"/>
+    <p:sldLayoutId id="2147483743" r:id="rId11"/>
   </p:sldLayoutIdLst>
   <p:txStyles>
     <p:titleStyle>
@@ -3000,7 +2998,7 @@
         </p:blipFill>
         <p:spPr>
           <a:xfrm>
-            <a:off x="89017" y="-9758"/>
+            <a:off x="-1290676" y="-9758"/>
             <a:ext cx="3365503" cy="4712248"/>
           </a:xfrm>
           <a:prstGeom prst="rect">
@@ -3035,7 +3033,7 @@
         </p:blipFill>
         <p:spPr>
           <a:xfrm>
-            <a:off x="7244916" y="-9758"/>
+            <a:off x="5403651" y="-9758"/>
             <a:ext cx="2771201" cy="4712248"/>
           </a:xfrm>
           <a:prstGeom prst="rect">
@@ -3057,7 +3055,7 @@
         </p:nvSpPr>
         <p:spPr>
           <a:xfrm>
-            <a:off x="3474328" y="54484"/>
+            <a:off x="2033672" y="54484"/>
             <a:ext cx="3653564" cy="446276"/>
           </a:xfrm>
           <a:prstGeom prst="rect">
@@ -3095,8 +3093,8 @@
         </p:nvSpPr>
         <p:spPr>
           <a:xfrm>
-            <a:off x="3474330" y="698210"/>
-            <a:ext cx="3770585" cy="3851563"/>
+            <a:off x="2033675" y="698215"/>
+            <a:ext cx="3544152" cy="3851563"/>
           </a:xfrm>
           <a:prstGeom prst="rect">
             <a:avLst/>
@@ -3179,7 +3177,7 @@
             </a:endParaRPr>
           </a:p>
           <a:p>
-            <a:pPr marL="342900" indent="-342900">
+            <a:pPr marL="342900" indent="-342900" algn="just">
               <a:lnSpc>
                 <a:spcPct val="150000"/>
               </a:lnSpc>
@@ -3200,7 +3198,7 @@
             </a:r>
           </a:p>
           <a:p>
-            <a:pPr marL="342900" indent="-342900">
+            <a:pPr marL="342900" indent="-342900" algn="just">
               <a:lnSpc>
                 <a:spcPct val="150000"/>
               </a:lnSpc>
@@ -3252,7 +3250,7 @@
             </a:endParaRPr>
           </a:p>
           <a:p>
-            <a:pPr>
+            <a:pPr algn="just">
               <a:lnSpc>
                 <a:spcPct val="150000"/>
               </a:lnSpc>
@@ -3314,7 +3312,7 @@
         </p:nvSpPr>
         <p:spPr>
           <a:xfrm>
-            <a:off x="7802880" y="1698172"/>
+            <a:off x="5961615" y="1698172"/>
             <a:ext cx="2020389" cy="296092"/>
           </a:xfrm>
           <a:prstGeom prst="rect">
@@ -3387,7 +3385,7 @@
         </p:nvSpPr>
         <p:spPr>
           <a:xfrm>
-            <a:off x="7802880" y="3052285"/>
+            <a:off x="5961615" y="3052285"/>
             <a:ext cx="2020389" cy="296092"/>
           </a:xfrm>
           <a:prstGeom prst="rect">
@@ -3460,7 +3458,7 @@
         </p:nvSpPr>
         <p:spPr>
           <a:xfrm>
-            <a:off x="7802879" y="4344214"/>
+            <a:off x="5961614" y="4344214"/>
             <a:ext cx="2020389" cy="296092"/>
           </a:xfrm>
           <a:prstGeom prst="rect">
@@ -3533,7 +3531,7 @@
         </p:nvSpPr>
         <p:spPr>
           <a:xfrm>
-            <a:off x="2394856" y="4060603"/>
+            <a:off x="1015163" y="4060603"/>
             <a:ext cx="453970" cy="369332"/>
           </a:xfrm>
           <a:prstGeom prst="rect">

--- a/images/bruteforce-figure.pptx
+++ b/images/bruteforce-figure.pptx
@@ -2,12 +2,12 @@
 <file path=ppt/presentation.xml><?xml version="1.0" encoding="utf-8"?>
 <p:presentation xmlns:a="http://schemas.openxmlformats.org/drawingml/2006/main" xmlns:r="http://schemas.openxmlformats.org/officeDocument/2006/relationships" xmlns:p="http://schemas.openxmlformats.org/presentationml/2006/main" saveSubsetFonts="1">
   <p:sldMasterIdLst>
-    <p:sldMasterId id="2147483732" r:id="rId1"/>
+    <p:sldMasterId id="2147483780" r:id="rId1"/>
   </p:sldMasterIdLst>
   <p:sldIdLst>
     <p:sldId id="256" r:id="rId2"/>
   </p:sldIdLst>
-  <p:sldSz cx="7199313" cy="4679950"/>
+  <p:sldSz cx="9359900" cy="4679950"/>
   <p:notesSz cx="6858000" cy="9144000"/>
   <p:defaultTextStyle>
     <a:defPPr>
@@ -141,8 +141,8 @@
         </p:nvSpPr>
         <p:spPr>
           <a:xfrm>
-            <a:off x="539949" y="765909"/>
-            <a:ext cx="6119416" cy="1629316"/>
+            <a:off x="1169988" y="765909"/>
+            <a:ext cx="7019925" cy="1629316"/>
           </a:xfrm>
         </p:spPr>
         <p:txBody>
@@ -173,8 +173,8 @@
         </p:nvSpPr>
         <p:spPr>
           <a:xfrm>
-            <a:off x="899914" y="2458058"/>
-            <a:ext cx="5399485" cy="1129904"/>
+            <a:off x="1169988" y="2458058"/>
+            <a:ext cx="7019925" cy="1129904"/>
           </a:xfrm>
         </p:spPr>
         <p:txBody>
@@ -294,7 +294,7 @@
     </p:spTree>
     <p:extLst>
       <p:ext uri="{BB962C8B-B14F-4D97-AF65-F5344CB8AC3E}">
-        <p14:creationId xmlns:p14="http://schemas.microsoft.com/office/powerpoint/2010/main" val="312055170"/>
+        <p14:creationId xmlns:p14="http://schemas.microsoft.com/office/powerpoint/2010/main" val="2591318348"/>
       </p:ext>
     </p:extLst>
   </p:cSld>
@@ -464,7 +464,7 @@
     </p:spTree>
     <p:extLst>
       <p:ext uri="{BB962C8B-B14F-4D97-AF65-F5344CB8AC3E}">
-        <p14:creationId xmlns:p14="http://schemas.microsoft.com/office/powerpoint/2010/main" val="3398854780"/>
+        <p14:creationId xmlns:p14="http://schemas.microsoft.com/office/powerpoint/2010/main" val="1088030011"/>
       </p:ext>
     </p:extLst>
   </p:cSld>
@@ -503,8 +503,8 @@
         </p:nvSpPr>
         <p:spPr>
           <a:xfrm>
-            <a:off x="5152009" y="249164"/>
-            <a:ext cx="1552352" cy="3966041"/>
+            <a:off x="6698179" y="249164"/>
+            <a:ext cx="2018228" cy="3966041"/>
           </a:xfrm>
         </p:spPr>
         <p:txBody>
@@ -531,8 +531,8 @@
         </p:nvSpPr>
         <p:spPr>
           <a:xfrm>
-            <a:off x="494953" y="249164"/>
-            <a:ext cx="4567064" cy="3966041"/>
+            <a:off x="643493" y="249164"/>
+            <a:ext cx="5937687" cy="3966041"/>
           </a:xfrm>
         </p:spPr>
         <p:txBody>
@@ -644,7 +644,7 @@
     </p:spTree>
     <p:extLst>
       <p:ext uri="{BB962C8B-B14F-4D97-AF65-F5344CB8AC3E}">
-        <p14:creationId xmlns:p14="http://schemas.microsoft.com/office/powerpoint/2010/main" val="4170432867"/>
+        <p14:creationId xmlns:p14="http://schemas.microsoft.com/office/powerpoint/2010/main" val="1354554332"/>
       </p:ext>
     </p:extLst>
   </p:cSld>
@@ -814,7 +814,7 @@
     </p:spTree>
     <p:extLst>
       <p:ext uri="{BB962C8B-B14F-4D97-AF65-F5344CB8AC3E}">
-        <p14:creationId xmlns:p14="http://schemas.microsoft.com/office/powerpoint/2010/main" val="1518847076"/>
+        <p14:creationId xmlns:p14="http://schemas.microsoft.com/office/powerpoint/2010/main" val="3256270537"/>
       </p:ext>
     </p:extLst>
   </p:cSld>
@@ -853,8 +853,8 @@
         </p:nvSpPr>
         <p:spPr>
           <a:xfrm>
-            <a:off x="491204" y="1166739"/>
-            <a:ext cx="6209407" cy="1946729"/>
+            <a:off x="638618" y="1166738"/>
+            <a:ext cx="8072914" cy="1946729"/>
           </a:xfrm>
         </p:spPr>
         <p:txBody>
@@ -885,8 +885,8 @@
         </p:nvSpPr>
         <p:spPr>
           <a:xfrm>
-            <a:off x="491204" y="3131884"/>
-            <a:ext cx="6209407" cy="1023739"/>
+            <a:off x="638618" y="3131884"/>
+            <a:ext cx="8072914" cy="1023739"/>
           </a:xfrm>
         </p:spPr>
         <p:txBody>
@@ -896,7 +896,9 @@
               <a:buNone/>
               <a:defRPr sz="1638">
                 <a:solidFill>
-                  <a:schemeClr val="tx1"/>
+                  <a:schemeClr val="tx1">
+                    <a:tint val="75000"/>
+                  </a:schemeClr>
                 </a:solidFill>
               </a:defRPr>
             </a:lvl1pPr>
@@ -1058,7 +1060,7 @@
     </p:spTree>
     <p:extLst>
       <p:ext uri="{BB962C8B-B14F-4D97-AF65-F5344CB8AC3E}">
-        <p14:creationId xmlns:p14="http://schemas.microsoft.com/office/powerpoint/2010/main" val="3438625978"/>
+        <p14:creationId xmlns:p14="http://schemas.microsoft.com/office/powerpoint/2010/main" val="3816810953"/>
       </p:ext>
     </p:extLst>
   </p:cSld>
@@ -1120,8 +1122,8 @@
         </p:nvSpPr>
         <p:spPr>
           <a:xfrm>
-            <a:off x="494953" y="1245820"/>
-            <a:ext cx="3059708" cy="2969385"/>
+            <a:off x="643493" y="1245820"/>
+            <a:ext cx="3977958" cy="2969385"/>
           </a:xfrm>
         </p:spPr>
         <p:txBody>
@@ -1177,8 +1179,8 @@
         </p:nvSpPr>
         <p:spPr>
           <a:xfrm>
-            <a:off x="3644652" y="1245820"/>
-            <a:ext cx="3059708" cy="2969385"/>
+            <a:off x="4738449" y="1245820"/>
+            <a:ext cx="3977958" cy="2969385"/>
           </a:xfrm>
         </p:spPr>
         <p:txBody>
@@ -1290,7 +1292,7 @@
     </p:spTree>
     <p:extLst>
       <p:ext uri="{BB962C8B-B14F-4D97-AF65-F5344CB8AC3E}">
-        <p14:creationId xmlns:p14="http://schemas.microsoft.com/office/powerpoint/2010/main" val="1042777929"/>
+        <p14:creationId xmlns:p14="http://schemas.microsoft.com/office/powerpoint/2010/main" val="1612315004"/>
       </p:ext>
     </p:extLst>
   </p:cSld>
@@ -1329,8 +1331,8 @@
         </p:nvSpPr>
         <p:spPr>
           <a:xfrm>
-            <a:off x="495891" y="249165"/>
-            <a:ext cx="6209407" cy="904574"/>
+            <a:off x="644712" y="249164"/>
+            <a:ext cx="8072914" cy="904574"/>
           </a:xfrm>
         </p:spPr>
         <p:txBody>
@@ -1357,8 +1359,8 @@
         </p:nvSpPr>
         <p:spPr>
           <a:xfrm>
-            <a:off x="495891" y="1147238"/>
-            <a:ext cx="3045646" cy="562244"/>
+            <a:off x="644713" y="1147238"/>
+            <a:ext cx="3959676" cy="562244"/>
           </a:xfrm>
         </p:spPr>
         <p:txBody>
@@ -1422,8 +1424,8 @@
         </p:nvSpPr>
         <p:spPr>
           <a:xfrm>
-            <a:off x="495891" y="1709482"/>
-            <a:ext cx="3045646" cy="2514390"/>
+            <a:off x="644713" y="1709482"/>
+            <a:ext cx="3959676" cy="2514390"/>
           </a:xfrm>
         </p:spPr>
         <p:txBody>
@@ -1479,8 +1481,8 @@
         </p:nvSpPr>
         <p:spPr>
           <a:xfrm>
-            <a:off x="3644652" y="1147238"/>
-            <a:ext cx="3060646" cy="562244"/>
+            <a:off x="4738449" y="1147238"/>
+            <a:ext cx="3979177" cy="562244"/>
           </a:xfrm>
         </p:spPr>
         <p:txBody>
@@ -1544,8 +1546,8 @@
         </p:nvSpPr>
         <p:spPr>
           <a:xfrm>
-            <a:off x="3644652" y="1709482"/>
-            <a:ext cx="3060646" cy="2514390"/>
+            <a:off x="4738449" y="1709482"/>
+            <a:ext cx="3979177" cy="2514390"/>
           </a:xfrm>
         </p:spPr>
         <p:txBody>
@@ -1657,7 +1659,7 @@
     </p:spTree>
     <p:extLst>
       <p:ext uri="{BB962C8B-B14F-4D97-AF65-F5344CB8AC3E}">
-        <p14:creationId xmlns:p14="http://schemas.microsoft.com/office/powerpoint/2010/main" val="1037668243"/>
+        <p14:creationId xmlns:p14="http://schemas.microsoft.com/office/powerpoint/2010/main" val="444635523"/>
       </p:ext>
     </p:extLst>
   </p:cSld>
@@ -1775,7 +1777,7 @@
     </p:spTree>
     <p:extLst>
       <p:ext uri="{BB962C8B-B14F-4D97-AF65-F5344CB8AC3E}">
-        <p14:creationId xmlns:p14="http://schemas.microsoft.com/office/powerpoint/2010/main" val="2615102761"/>
+        <p14:creationId xmlns:p14="http://schemas.microsoft.com/office/powerpoint/2010/main" val="52709347"/>
       </p:ext>
     </p:extLst>
   </p:cSld>
@@ -1870,7 +1872,7 @@
     </p:spTree>
     <p:extLst>
       <p:ext uri="{BB962C8B-B14F-4D97-AF65-F5344CB8AC3E}">
-        <p14:creationId xmlns:p14="http://schemas.microsoft.com/office/powerpoint/2010/main" val="1426897492"/>
+        <p14:creationId xmlns:p14="http://schemas.microsoft.com/office/powerpoint/2010/main" val="247139873"/>
       </p:ext>
     </p:extLst>
   </p:cSld>
@@ -1909,8 +1911,8 @@
         </p:nvSpPr>
         <p:spPr>
           <a:xfrm>
-            <a:off x="495890" y="311997"/>
-            <a:ext cx="2321966" cy="1091988"/>
+            <a:off x="644713" y="311997"/>
+            <a:ext cx="3018811" cy="1091988"/>
           </a:xfrm>
         </p:spPr>
         <p:txBody>
@@ -1941,8 +1943,8 @@
         </p:nvSpPr>
         <p:spPr>
           <a:xfrm>
-            <a:off x="3060646" y="673827"/>
-            <a:ext cx="3644652" cy="3325798"/>
+            <a:off x="3979177" y="673826"/>
+            <a:ext cx="4738449" cy="3325798"/>
           </a:xfrm>
         </p:spPr>
         <p:txBody>
@@ -2026,8 +2028,8 @@
         </p:nvSpPr>
         <p:spPr>
           <a:xfrm>
-            <a:off x="495890" y="1403985"/>
-            <a:ext cx="2321966" cy="2601056"/>
+            <a:off x="644713" y="1403985"/>
+            <a:ext cx="3018811" cy="2601056"/>
           </a:xfrm>
         </p:spPr>
         <p:txBody>
@@ -2147,7 +2149,7 @@
     </p:spTree>
     <p:extLst>
       <p:ext uri="{BB962C8B-B14F-4D97-AF65-F5344CB8AC3E}">
-        <p14:creationId xmlns:p14="http://schemas.microsoft.com/office/powerpoint/2010/main" val="1648791092"/>
+        <p14:creationId xmlns:p14="http://schemas.microsoft.com/office/powerpoint/2010/main" val="2276558818"/>
       </p:ext>
     </p:extLst>
   </p:cSld>
@@ -2186,8 +2188,8 @@
         </p:nvSpPr>
         <p:spPr>
           <a:xfrm>
-            <a:off x="495890" y="311997"/>
-            <a:ext cx="2321966" cy="1091988"/>
+            <a:off x="644713" y="311997"/>
+            <a:ext cx="3018811" cy="1091988"/>
           </a:xfrm>
         </p:spPr>
         <p:txBody>
@@ -2218,8 +2220,8 @@
         </p:nvSpPr>
         <p:spPr>
           <a:xfrm>
-            <a:off x="3060646" y="673827"/>
-            <a:ext cx="3644652" cy="3325798"/>
+            <a:off x="3979177" y="673826"/>
+            <a:ext cx="4738449" cy="3325798"/>
           </a:xfrm>
         </p:spPr>
         <p:txBody>
@@ -2283,8 +2285,8 @@
         </p:nvSpPr>
         <p:spPr>
           <a:xfrm>
-            <a:off x="495890" y="1403985"/>
-            <a:ext cx="2321966" cy="2601056"/>
+            <a:off x="644713" y="1403985"/>
+            <a:ext cx="3018811" cy="2601056"/>
           </a:xfrm>
         </p:spPr>
         <p:txBody>
@@ -2404,7 +2406,7 @@
     </p:spTree>
     <p:extLst>
       <p:ext uri="{BB962C8B-B14F-4D97-AF65-F5344CB8AC3E}">
-        <p14:creationId xmlns:p14="http://schemas.microsoft.com/office/powerpoint/2010/main" val="1716364057"/>
+        <p14:creationId xmlns:p14="http://schemas.microsoft.com/office/powerpoint/2010/main" val="4235867865"/>
       </p:ext>
     </p:extLst>
   </p:cSld>
@@ -2448,8 +2450,8 @@
         </p:nvSpPr>
         <p:spPr>
           <a:xfrm>
-            <a:off x="494953" y="249165"/>
-            <a:ext cx="6209407" cy="904574"/>
+            <a:off x="643493" y="249164"/>
+            <a:ext cx="8072914" cy="904574"/>
           </a:xfrm>
           <a:prstGeom prst="rect">
             <a:avLst/>
@@ -2481,8 +2483,8 @@
         </p:nvSpPr>
         <p:spPr>
           <a:xfrm>
-            <a:off x="494953" y="1245820"/>
-            <a:ext cx="6209407" cy="2969385"/>
+            <a:off x="643493" y="1245820"/>
+            <a:ext cx="8072914" cy="2969385"/>
           </a:xfrm>
           <a:prstGeom prst="rect">
             <a:avLst/>
@@ -2543,8 +2545,8 @@
         </p:nvSpPr>
         <p:spPr>
           <a:xfrm>
-            <a:off x="494953" y="4337621"/>
-            <a:ext cx="1619845" cy="249164"/>
+            <a:off x="643493" y="4337621"/>
+            <a:ext cx="2105978" cy="249164"/>
           </a:xfrm>
           <a:prstGeom prst="rect">
             <a:avLst/>
@@ -2584,8 +2586,8 @@
         </p:nvSpPr>
         <p:spPr>
           <a:xfrm>
-            <a:off x="2384773" y="4337621"/>
-            <a:ext cx="2429768" cy="249164"/>
+            <a:off x="3100467" y="4337621"/>
+            <a:ext cx="3158966" cy="249164"/>
           </a:xfrm>
           <a:prstGeom prst="rect">
             <a:avLst/>
@@ -2621,8 +2623,8 @@
         </p:nvSpPr>
         <p:spPr>
           <a:xfrm>
-            <a:off x="5084515" y="4337621"/>
-            <a:ext cx="1619845" cy="249164"/>
+            <a:off x="6610429" y="4337621"/>
+            <a:ext cx="2105978" cy="249164"/>
           </a:xfrm>
           <a:prstGeom prst="rect">
             <a:avLst/>
@@ -2653,23 +2655,23 @@
     </p:spTree>
     <p:extLst>
       <p:ext uri="{BB962C8B-B14F-4D97-AF65-F5344CB8AC3E}">
-        <p14:creationId xmlns:p14="http://schemas.microsoft.com/office/powerpoint/2010/main" val="2880291161"/>
+        <p14:creationId xmlns:p14="http://schemas.microsoft.com/office/powerpoint/2010/main" val="1459209763"/>
       </p:ext>
     </p:extLst>
   </p:cSld>
   <p:clrMap bg1="lt1" tx1="dk1" bg2="lt2" tx2="dk2" accent1="accent1" accent2="accent2" accent3="accent3" accent4="accent4" accent5="accent5" accent6="accent6" hlink="hlink" folHlink="folHlink"/>
   <p:sldLayoutIdLst>
-    <p:sldLayoutId id="2147483733" r:id="rId1"/>
-    <p:sldLayoutId id="2147483734" r:id="rId2"/>
-    <p:sldLayoutId id="2147483735" r:id="rId3"/>
-    <p:sldLayoutId id="2147483736" r:id="rId4"/>
-    <p:sldLayoutId id="2147483737" r:id="rId5"/>
-    <p:sldLayoutId id="2147483738" r:id="rId6"/>
-    <p:sldLayoutId id="2147483739" r:id="rId7"/>
-    <p:sldLayoutId id="2147483740" r:id="rId8"/>
-    <p:sldLayoutId id="2147483741" r:id="rId9"/>
-    <p:sldLayoutId id="2147483742" r:id="rId10"/>
-    <p:sldLayoutId id="2147483743" r:id="rId11"/>
+    <p:sldLayoutId id="2147483781" r:id="rId1"/>
+    <p:sldLayoutId id="2147483782" r:id="rId2"/>
+    <p:sldLayoutId id="2147483783" r:id="rId3"/>
+    <p:sldLayoutId id="2147483784" r:id="rId4"/>
+    <p:sldLayoutId id="2147483785" r:id="rId5"/>
+    <p:sldLayoutId id="2147483786" r:id="rId6"/>
+    <p:sldLayoutId id="2147483787" r:id="rId7"/>
+    <p:sldLayoutId id="2147483788" r:id="rId8"/>
+    <p:sldLayoutId id="2147483789" r:id="rId9"/>
+    <p:sldLayoutId id="2147483790" r:id="rId10"/>
+    <p:sldLayoutId id="2147483791" r:id="rId11"/>
   </p:sldLayoutIdLst>
   <p:txStyles>
     <p:titleStyle>
@@ -2998,7 +3000,7 @@
         </p:blipFill>
         <p:spPr>
           <a:xfrm>
-            <a:off x="-1290676" y="-9758"/>
+            <a:off x="0" y="0"/>
             <a:ext cx="3365503" cy="4712248"/>
           </a:xfrm>
           <a:prstGeom prst="rect">
@@ -3033,7 +3035,7 @@
         </p:blipFill>
         <p:spPr>
           <a:xfrm>
-            <a:off x="5403651" y="-9758"/>
+            <a:off x="6694331" y="0"/>
             <a:ext cx="2771201" cy="4712248"/>
           </a:xfrm>
           <a:prstGeom prst="rect">
@@ -3055,7 +3057,7 @@
         </p:nvSpPr>
         <p:spPr>
           <a:xfrm>
-            <a:off x="2033672" y="54484"/>
+            <a:off x="3324348" y="64242"/>
             <a:ext cx="3653564" cy="446276"/>
           </a:xfrm>
           <a:prstGeom prst="rect">
@@ -3093,7 +3095,7 @@
         </p:nvSpPr>
         <p:spPr>
           <a:xfrm>
-            <a:off x="2033675" y="698215"/>
+            <a:off x="3324351" y="707977"/>
             <a:ext cx="3544152" cy="3851563"/>
           </a:xfrm>
           <a:prstGeom prst="rect">
@@ -3312,7 +3314,7 @@
         </p:nvSpPr>
         <p:spPr>
           <a:xfrm>
-            <a:off x="5961615" y="1698172"/>
+            <a:off x="7252295" y="1707930"/>
             <a:ext cx="2020389" cy="296092"/>
           </a:xfrm>
           <a:prstGeom prst="rect">
@@ -3385,7 +3387,7 @@
         </p:nvSpPr>
         <p:spPr>
           <a:xfrm>
-            <a:off x="5961615" y="3052285"/>
+            <a:off x="7252295" y="3062043"/>
             <a:ext cx="2020389" cy="296092"/>
           </a:xfrm>
           <a:prstGeom prst="rect">
@@ -3458,7 +3460,7 @@
         </p:nvSpPr>
         <p:spPr>
           <a:xfrm>
-            <a:off x="5961614" y="4344214"/>
+            <a:off x="7252294" y="4353972"/>
             <a:ext cx="2020389" cy="296092"/>
           </a:xfrm>
           <a:prstGeom prst="rect">
@@ -3531,7 +3533,7 @@
         </p:nvSpPr>
         <p:spPr>
           <a:xfrm>
-            <a:off x="1015163" y="4060603"/>
+            <a:off x="2305839" y="4070361"/>
             <a:ext cx="453970" cy="369332"/>
           </a:xfrm>
           <a:prstGeom prst="rect">
